--- a/excercise2/emotion-analysis_assignment2.pptx
+++ b/excercise2/emotion-analysis_assignment2.pptx
@@ -5,15 +5,21 @@
     <p:sldMasterId id="2147483660" r:id="rId1"/>
   </p:sldMasterIdLst>
   <p:notesMasterIdLst>
-    <p:notesMasterId r:id="rId8"/>
+    <p:notesMasterId r:id="rId14"/>
   </p:notesMasterIdLst>
   <p:sldIdLst>
     <p:sldId id="266" r:id="rId2"/>
-    <p:sldId id="303" r:id="rId3"/>
-    <p:sldId id="320" r:id="rId4"/>
-    <p:sldId id="325" r:id="rId5"/>
-    <p:sldId id="326" r:id="rId6"/>
-    <p:sldId id="324" r:id="rId7"/>
+    <p:sldId id="331" r:id="rId3"/>
+    <p:sldId id="333" r:id="rId4"/>
+    <p:sldId id="334" r:id="rId5"/>
+    <p:sldId id="335" r:id="rId6"/>
+    <p:sldId id="336" r:id="rId7"/>
+    <p:sldId id="339" r:id="rId8"/>
+    <p:sldId id="340" r:id="rId9"/>
+    <p:sldId id="341" r:id="rId10"/>
+    <p:sldId id="342" r:id="rId11"/>
+    <p:sldId id="343" r:id="rId12"/>
+    <p:sldId id="324" r:id="rId13"/>
   </p:sldIdLst>
   <p:sldSz cx="12192000" cy="6858000"/>
   <p:notesSz cx="6858000" cy="9144000"/>
@@ -122,18 +128,24 @@
         </p14:section>
         <p14:section name="SSEC vs reddit thread" id="{63E02873-6A59-418A-9263-61C028D5E490}">
           <p14:sldIdLst>
-            <p14:sldId id="303"/>
-            <p14:sldId id="320"/>
+            <p14:sldId id="331"/>
+            <p14:sldId id="333"/>
+            <p14:sldId id="334"/>
+            <p14:sldId id="335"/>
           </p14:sldIdLst>
         </p14:section>
         <p14:section name="TEC vs CrowdFlower" id="{4746C020-E1D0-4F18-B41A-21D243771D5C}">
           <p14:sldIdLst>
-            <p14:sldId id="325"/>
-            <p14:sldId id="326"/>
+            <p14:sldId id="336"/>
+            <p14:sldId id="339"/>
+            <p14:sldId id="340"/>
+            <p14:sldId id="341"/>
+            <p14:sldId id="342"/>
           </p14:sldIdLst>
         </p14:section>
         <p14:section name="Conclusion" id="{D901612B-E6E4-4455-8FFB-2D1AF2FCFAA5}">
           <p14:sldIdLst>
+            <p14:sldId id="343"/>
             <p14:sldId id="324"/>
           </p14:sldIdLst>
         </p14:section>
@@ -228,7 +240,7 @@
           <a:p>
             <a:fld id="{322CBE9C-AAEB-46BF-9047-18B3831519BE}" type="datetimeFigureOut">
               <a:rPr lang="de-DE" smtClean="0"/>
-              <a:t>27.12.2020</a:t>
+              <a:t>10.01.2021</a:t>
             </a:fld>
             <a:endParaRPr lang="de-DE"/>
           </a:p>
@@ -12480,8 +12492,8 @@
         </p:nvSpPr>
         <p:spPr>
           <a:xfrm>
-            <a:off x="-908915" y="-638668"/>
-            <a:ext cx="13464641" cy="1714688"/>
+            <a:off x="0" y="-638668"/>
+            <a:ext cx="12192000" cy="1714688"/>
           </a:xfrm>
           <a:prstGeom prst="rect">
             <a:avLst/>
@@ -12586,8 +12598,8 @@
         </p:nvSpPr>
         <p:spPr>
           <a:xfrm>
-            <a:off x="-294754" y="6597725"/>
-            <a:ext cx="12486754" cy="313305"/>
+            <a:off x="0" y="6597726"/>
+            <a:ext cx="12192000" cy="260274"/>
           </a:xfrm>
           <a:prstGeom prst="rect">
             <a:avLst/>
@@ -12954,6 +12966,364 @@
     <p:extLst>
       <p:ext uri="{BB962C8B-B14F-4D97-AF65-F5344CB8AC3E}">
         <p14:creationId xmlns:p14="http://schemas.microsoft.com/office/powerpoint/2010/main" val="1131661166"/>
+      </p:ext>
+    </p:extLst>
+  </p:cSld>
+  <p:clrMapOvr>
+    <a:masterClrMapping/>
+  </p:clrMapOvr>
+</p:sldLayout>
+</file>
+
+<file path=ppt/slideLayouts/slideLayout28.xml><?xml version="1.0" encoding="utf-8"?>
+<p:sldLayout xmlns:a="http://schemas.openxmlformats.org/drawingml/2006/main" xmlns:r="http://schemas.openxmlformats.org/officeDocument/2006/relationships" xmlns:p="http://schemas.openxmlformats.org/presentationml/2006/main" preserve="1" userDrawn="1">
+  <p:cSld name="2_Titel und Inhalt">
+    <p:spTree>
+      <p:nvGrpSpPr>
+        <p:cNvPr id="1" name=""/>
+        <p:cNvGrpSpPr/>
+        <p:nvPr/>
+      </p:nvGrpSpPr>
+      <p:grpSpPr>
+        <a:xfrm>
+          <a:off x="0" y="0"/>
+          <a:ext cx="0" cy="0"/>
+          <a:chOff x="0" y="0"/>
+          <a:chExt cx="0" cy="0"/>
+        </a:xfrm>
+      </p:grpSpPr>
+      <p:sp>
+        <p:nvSpPr>
+          <p:cNvPr id="3" name="Inhaltsplatzhalter 2">
+            <a:extLst>
+              <a:ext uri="{FF2B5EF4-FFF2-40B4-BE49-F238E27FC236}">
+                <a16:creationId xmlns:a16="http://schemas.microsoft.com/office/drawing/2014/main" id="{3D68FBF0-C7A1-4FC3-9D0F-0A20C983069B}"/>
+              </a:ext>
+            </a:extLst>
+          </p:cNvPr>
+          <p:cNvSpPr>
+            <a:spLocks noGrp="1"/>
+          </p:cNvSpPr>
+          <p:nvPr>
+            <p:ph idx="1"/>
+          </p:nvPr>
+        </p:nvSpPr>
+        <p:spPr>
+          <a:xfrm>
+            <a:off x="624422" y="1494920"/>
+            <a:ext cx="10991849" cy="4941845"/>
+          </a:xfrm>
+        </p:spPr>
+        <p:txBody>
+          <a:bodyPr/>
+          <a:lstStyle>
+            <a:lvl1pPr>
+              <a:buSzPct val="110000"/>
+              <a:buFont typeface="Wingdings" panose="05000000000000000000" pitchFamily="2" charset="2"/>
+              <a:buChar char="§"/>
+              <a:defRPr sz="2200"/>
+            </a:lvl1pPr>
+            <a:lvl2pPr>
+              <a:buClr>
+                <a:schemeClr val="accent2"/>
+              </a:buClr>
+              <a:buSzPct val="105000"/>
+              <a:buFont typeface="Wingdings" panose="05000000000000000000" pitchFamily="2" charset="2"/>
+              <a:buChar char="§"/>
+              <a:defRPr sz="2200"/>
+            </a:lvl2pPr>
+            <a:lvl3pPr>
+              <a:buClr>
+                <a:schemeClr val="accent1"/>
+              </a:buClr>
+              <a:defRPr sz="2200"/>
+            </a:lvl3pPr>
+            <a:lvl4pPr>
+              <a:buClr>
+                <a:schemeClr val="accent2"/>
+              </a:buClr>
+              <a:defRPr sz="2200"/>
+            </a:lvl4pPr>
+            <a:lvl5pPr>
+              <a:buClr>
+                <a:schemeClr val="accent1"/>
+              </a:buClr>
+              <a:defRPr sz="2200"/>
+            </a:lvl5pPr>
+          </a:lstStyle>
+          <a:p>
+            <a:pPr lvl="0"/>
+            <a:r>
+              <a:rPr lang="de-DE" dirty="0"/>
+              <a:t>Mastertextformat bearbeiten</a:t>
+            </a:r>
+          </a:p>
+          <a:p>
+            <a:pPr lvl="1"/>
+            <a:r>
+              <a:rPr lang="de-DE" dirty="0"/>
+              <a:t>Zweite Ebene</a:t>
+            </a:r>
+          </a:p>
+          <a:p>
+            <a:pPr lvl="2"/>
+            <a:r>
+              <a:rPr lang="de-DE" dirty="0"/>
+              <a:t>Dritte Ebene</a:t>
+            </a:r>
+          </a:p>
+          <a:p>
+            <a:pPr lvl="3"/>
+            <a:r>
+              <a:rPr lang="de-DE" dirty="0"/>
+              <a:t>Vierte Ebene</a:t>
+            </a:r>
+          </a:p>
+          <a:p>
+            <a:pPr lvl="4"/>
+            <a:r>
+              <a:rPr lang="de-DE" dirty="0"/>
+              <a:t>Fünfte Ebene</a:t>
+            </a:r>
+          </a:p>
+        </p:txBody>
+      </p:sp>
+      <p:sp>
+        <p:nvSpPr>
+          <p:cNvPr id="10" name="Titel 9">
+            <a:extLst>
+              <a:ext uri="{FF2B5EF4-FFF2-40B4-BE49-F238E27FC236}">
+                <a16:creationId xmlns:a16="http://schemas.microsoft.com/office/drawing/2014/main" id="{5B22406F-FF0D-4F70-892F-07C2044916B6}"/>
+              </a:ext>
+            </a:extLst>
+          </p:cNvPr>
+          <p:cNvSpPr>
+            <a:spLocks noGrp="1"/>
+          </p:cNvSpPr>
+          <p:nvPr>
+            <p:ph type="title"/>
+          </p:nvPr>
+        </p:nvSpPr>
+        <p:spPr>
+          <a:xfrm>
+            <a:off x="623361" y="194512"/>
+            <a:ext cx="10993967" cy="336000"/>
+          </a:xfrm>
+        </p:spPr>
+        <p:txBody>
+          <a:bodyPr/>
+          <a:lstStyle>
+            <a:lvl1pPr>
+              <a:defRPr sz="2800"/>
+            </a:lvl1pPr>
+          </a:lstStyle>
+          <a:p>
+            <a:r>
+              <a:rPr lang="de-DE" dirty="0"/>
+              <a:t>Mastertitelformat bearbeiten</a:t>
+            </a:r>
+          </a:p>
+        </p:txBody>
+      </p:sp>
+      <p:sp>
+        <p:nvSpPr>
+          <p:cNvPr id="12" name="Inhaltsplatzhalter 11">
+            <a:extLst>
+              <a:ext uri="{FF2B5EF4-FFF2-40B4-BE49-F238E27FC236}">
+                <a16:creationId xmlns:a16="http://schemas.microsoft.com/office/drawing/2014/main" id="{A2E43B27-C7A0-454A-94C9-47DA58BC4AA4}"/>
+              </a:ext>
+            </a:extLst>
+          </p:cNvPr>
+          <p:cNvSpPr>
+            <a:spLocks noGrp="1"/>
+          </p:cNvSpPr>
+          <p:nvPr>
+            <p:ph sz="quarter" idx="13" hasCustomPrompt="1"/>
+          </p:nvPr>
+        </p:nvSpPr>
+        <p:spPr>
+          <a:xfrm>
+            <a:off x="623361" y="612586"/>
+            <a:ext cx="7099300" cy="322263"/>
+          </a:xfrm>
+        </p:spPr>
+        <p:txBody>
+          <a:bodyPr/>
+          <a:lstStyle>
+            <a:lvl1pPr>
+              <a:buNone/>
+              <a:defRPr sz="2800"/>
+            </a:lvl1pPr>
+          </a:lstStyle>
+          <a:p>
+            <a:pPr lvl="0"/>
+            <a:r>
+              <a:rPr lang="de-DE" dirty="0"/>
+              <a:t>Masteruntertitel</a:t>
+            </a:r>
+          </a:p>
+        </p:txBody>
+      </p:sp>
+      <p:sp>
+        <p:nvSpPr>
+          <p:cNvPr id="11" name="Rechteck 10">
+            <a:extLst>
+              <a:ext uri="{FF2B5EF4-FFF2-40B4-BE49-F238E27FC236}">
+                <a16:creationId xmlns:a16="http://schemas.microsoft.com/office/drawing/2014/main" id="{523FF585-DF8B-41EA-9AAD-62B76584AAA2}"/>
+              </a:ext>
+            </a:extLst>
+          </p:cNvPr>
+          <p:cNvSpPr/>
+          <p:nvPr userDrawn="1"/>
+        </p:nvSpPr>
+        <p:spPr>
+          <a:xfrm rot="19337942">
+            <a:off x="10041719" y="6680824"/>
+            <a:ext cx="3446705" cy="632026"/>
+          </a:xfrm>
+          <a:prstGeom prst="rect">
+            <a:avLst/>
+          </a:prstGeom>
+          <a:ln>
+            <a:noFill/>
+          </a:ln>
+          <a:effectLst>
+            <a:outerShdw blurRad="50800" dist="38100" dir="13500000" algn="br" rotWithShape="0">
+              <a:prstClr val="black">
+                <a:alpha val="40000"/>
+              </a:prstClr>
+            </a:outerShdw>
+          </a:effectLst>
+        </p:spPr>
+        <p:style>
+          <a:lnRef idx="2">
+            <a:schemeClr val="accent1">
+              <a:shade val="50000"/>
+            </a:schemeClr>
+          </a:lnRef>
+          <a:fillRef idx="1">
+            <a:schemeClr val="accent1"/>
+          </a:fillRef>
+          <a:effectRef idx="0">
+            <a:schemeClr val="accent1"/>
+          </a:effectRef>
+          <a:fontRef idx="minor">
+            <a:schemeClr val="lt1"/>
+          </a:fontRef>
+        </p:style>
+        <p:txBody>
+          <a:bodyPr rtlCol="0" anchor="ctr"/>
+          <a:lstStyle/>
+          <a:p>
+            <a:pPr algn="ctr"/>
+            <a:endParaRPr lang="de-DE" sz="1600" dirty="0"/>
+          </a:p>
+        </p:txBody>
+      </p:sp>
+      <p:sp>
+        <p:nvSpPr>
+          <p:cNvPr id="5" name="Fußzeilenplatzhalter 4">
+            <a:extLst>
+              <a:ext uri="{FF2B5EF4-FFF2-40B4-BE49-F238E27FC236}">
+                <a16:creationId xmlns:a16="http://schemas.microsoft.com/office/drawing/2014/main" id="{65883291-4A72-48D5-BB62-C85FBC80BF05}"/>
+              </a:ext>
+            </a:extLst>
+          </p:cNvPr>
+          <p:cNvSpPr>
+            <a:spLocks noGrp="1"/>
+          </p:cNvSpPr>
+          <p:nvPr>
+            <p:ph type="ftr" sz="quarter" idx="11"/>
+          </p:nvPr>
+        </p:nvSpPr>
+        <p:spPr>
+          <a:xfrm>
+            <a:off x="623361" y="6659955"/>
+            <a:ext cx="7099299" cy="164148"/>
+          </a:xfrm>
+        </p:spPr>
+        <p:txBody>
+          <a:bodyPr/>
+          <a:lstStyle>
+            <a:lvl1pPr>
+              <a:defRPr>
+                <a:solidFill>
+                  <a:schemeClr val="bg1"/>
+                </a:solidFill>
+              </a:defRPr>
+            </a:lvl1pPr>
+          </a:lstStyle>
+          <a:p>
+            <a:r>
+              <a:rPr lang="de-DE" dirty="0"/>
+              <a:t>Felix Bühler | Max Wegge | Carlotta </a:t>
+            </a:r>
+            <a:r>
+              <a:rPr lang="de-DE" dirty="0" err="1"/>
+              <a:t>Quensel</a:t>
+            </a:r>
+            <a:r>
+              <a:rPr lang="de-DE" dirty="0"/>
+              <a:t>			Emotion Analysis | Corpus </a:t>
+            </a:r>
+            <a:r>
+              <a:rPr lang="de-DE" dirty="0" err="1"/>
+              <a:t>Creation</a:t>
+            </a:r>
+            <a:r>
+              <a:rPr lang="de-DE" dirty="0"/>
+              <a:t>	</a:t>
+            </a:r>
+          </a:p>
+        </p:txBody>
+      </p:sp>
+      <p:sp>
+        <p:nvSpPr>
+          <p:cNvPr id="6" name="Foliennummernplatzhalter 5">
+            <a:extLst>
+              <a:ext uri="{FF2B5EF4-FFF2-40B4-BE49-F238E27FC236}">
+                <a16:creationId xmlns:a16="http://schemas.microsoft.com/office/drawing/2014/main" id="{0DD2762A-9641-4C71-9712-69CAB6EB77D4}"/>
+              </a:ext>
+            </a:extLst>
+          </p:cNvPr>
+          <p:cNvSpPr>
+            <a:spLocks noGrp="1"/>
+          </p:cNvSpPr>
+          <p:nvPr>
+            <p:ph type="sldNum" sz="quarter" idx="12"/>
+          </p:nvPr>
+        </p:nvSpPr>
+        <p:spPr>
+          <a:xfrm>
+            <a:off x="11815871" y="6618521"/>
+            <a:ext cx="297600" cy="164148"/>
+          </a:xfrm>
+        </p:spPr>
+        <p:txBody>
+          <a:bodyPr/>
+          <a:lstStyle>
+            <a:lvl1pPr>
+              <a:defRPr>
+                <a:solidFill>
+                  <a:schemeClr val="tx2"/>
+                </a:solidFill>
+              </a:defRPr>
+            </a:lvl1pPr>
+          </a:lstStyle>
+          <a:p>
+            <a:fld id="{54518C2F-5E54-4CF8-B37A-4631A050CED9}" type="slidenum">
+              <a:rPr lang="de-DE" smtClean="0"/>
+              <a:pPr/>
+              <a:t>‹Nr.›</a:t>
+            </a:fld>
+            <a:endParaRPr lang="de-DE" dirty="0"/>
+          </a:p>
+        </p:txBody>
+      </p:sp>
+    </p:spTree>
+    <p:extLst>
+      <p:ext uri="{BB962C8B-B14F-4D97-AF65-F5344CB8AC3E}">
+        <p14:creationId xmlns:p14="http://schemas.microsoft.com/office/powerpoint/2010/main" val="2672523726"/>
       </p:ext>
     </p:extLst>
   </p:cSld>
@@ -15498,6 +15868,7 @@
     <p:sldLayoutId id="2147483685" r:id="rId25"/>
     <p:sldLayoutId id="2147483686" r:id="rId26"/>
     <p:sldLayoutId id="2147483688" r:id="rId27"/>
+    <p:sldLayoutId id="2147483689" r:id="rId28"/>
   </p:sldLayoutIdLst>
   <p:hf hdr="0" dt="0"/>
   <p:txStyles>
@@ -15858,9 +16229,9 @@
           </p:nvPr>
         </p:nvSpPr>
         <p:spPr>
-          <a:xfrm rot="21133287">
-            <a:off x="-1499157" y="1773119"/>
-            <a:ext cx="15665799" cy="4043342"/>
+          <a:xfrm>
+            <a:off x="0" y="1543102"/>
+            <a:ext cx="12192000" cy="4037812"/>
           </a:xfrm>
           <a:solidFill>
             <a:schemeClr val="accent1"/>
@@ -15885,7 +16256,7 @@
         </p:nvSpPr>
         <p:spPr>
           <a:xfrm>
-            <a:off x="1701040" y="1338000"/>
+            <a:off x="1701040" y="1036977"/>
             <a:ext cx="5520000" cy="5520000"/>
           </a:xfrm>
           <a:solidFill>
@@ -16028,25 +16399,91 @@
                 <a:latin typeface="Calibri" panose="020F0502020204030204" pitchFamily="34" charset="0"/>
                 <a:cs typeface="Calibri" panose="020F0502020204030204" pitchFamily="34" charset="0"/>
               </a:rPr>
-              <a:t>Felix Bühler </a:t>
-            </a:r>
-          </a:p>
-          <a:p>
-            <a:pPr algn="ctr"/>
+              <a:t> </a:t>
+            </a:r>
+          </a:p>
+        </p:txBody>
+      </p:sp>
+      <p:sp>
+        <p:nvSpPr>
+          <p:cNvPr id="4" name="Textfeld 3">
+            <a:extLst>
+              <a:ext uri="{FF2B5EF4-FFF2-40B4-BE49-F238E27FC236}">
+                <a16:creationId xmlns:a16="http://schemas.microsoft.com/office/drawing/2014/main" id="{2D2EEB39-C75A-4A3B-A94E-742FBBD787EB}"/>
+              </a:ext>
+            </a:extLst>
+          </p:cNvPr>
+          <p:cNvSpPr txBox="1"/>
+          <p:nvPr/>
+        </p:nvSpPr>
+        <p:spPr>
+          <a:xfrm>
+            <a:off x="6569014" y="4889833"/>
+            <a:ext cx="2175426" cy="786562"/>
+          </a:xfrm>
+          <a:prstGeom prst="rect">
+            <a:avLst/>
+          </a:prstGeom>
+          <a:noFill/>
+        </p:spPr>
+        <p:txBody>
+          <a:bodyPr wrap="square" lIns="0" tIns="0" rIns="0" bIns="0" rtlCol="0">
+            <a:spAutoFit/>
+          </a:bodyPr>
+          <a:lstStyle/>
+          <a:p>
+            <a:pPr lvl="0" defTabSz="914368">
+              <a:lnSpc>
+                <a:spcPts val="2000"/>
+              </a:lnSpc>
+              <a:buClr>
+                <a:srgbClr val="00BEFF"/>
+              </a:buClr>
+            </a:pPr>
             <a:r>
               <a:rPr lang="de-DE" sz="2000" dirty="0">
                 <a:solidFill>
-                  <a:schemeClr val="bg1"/>
+                  <a:prstClr val="white"/>
                 </a:solidFill>
                 <a:latin typeface="Calibri" panose="020F0502020204030204" pitchFamily="34" charset="0"/>
                 <a:cs typeface="Calibri" panose="020F0502020204030204" pitchFamily="34" charset="0"/>
               </a:rPr>
-              <a:t>Carlotta Quensel</a:t>
+              <a:t>Felix Bühler </a:t>
+            </a:r>
+          </a:p>
+          <a:p>
+            <a:pPr lvl="0" defTabSz="914368">
+              <a:lnSpc>
+                <a:spcPts val="2000"/>
+              </a:lnSpc>
+              <a:buClr>
+                <a:srgbClr val="00BEFF"/>
+              </a:buClr>
+            </a:pPr>
+            <a:r>
+              <a:rPr lang="de-DE" sz="2000" dirty="0">
+                <a:solidFill>
+                  <a:prstClr val="white"/>
+                </a:solidFill>
+                <a:latin typeface="Calibri" panose="020F0502020204030204" pitchFamily="34" charset="0"/>
+                <a:cs typeface="Calibri" panose="020F0502020204030204" pitchFamily="34" charset="0"/>
+              </a:rPr>
+              <a:t>Carlotta </a:t>
+            </a:r>
+            <a:r>
+              <a:rPr lang="de-DE" sz="2000" dirty="0" err="1">
+                <a:solidFill>
+                  <a:prstClr val="white"/>
+                </a:solidFill>
+                <a:latin typeface="Calibri" panose="020F0502020204030204" pitchFamily="34" charset="0"/>
+                <a:cs typeface="Calibri" panose="020F0502020204030204" pitchFamily="34" charset="0"/>
+              </a:rPr>
+              <a:t>Quensel</a:t>
             </a:r>
             <a:br>
               <a:rPr lang="de-DE" sz="2000" dirty="0">
                 <a:solidFill>
-                  <a:schemeClr val="bg1"/>
+                  <a:prstClr val="white"/>
                 </a:solidFill>
                 <a:latin typeface="Calibri" panose="020F0502020204030204" pitchFamily="34" charset="0"/>
                 <a:cs typeface="Calibri" panose="020F0502020204030204" pitchFamily="34" charset="0"/>
@@ -16055,7 +16492,7 @@
             <a:r>
               <a:rPr lang="de-DE" sz="2000" dirty="0">
                 <a:solidFill>
-                  <a:schemeClr val="bg1"/>
+                  <a:prstClr val="white"/>
                 </a:solidFill>
                 <a:latin typeface="Calibri" panose="020F0502020204030204" pitchFamily="34" charset="0"/>
                 <a:cs typeface="Calibri" panose="020F0502020204030204" pitchFamily="34" charset="0"/>
@@ -16081,6 +16518,1279 @@
     </mc:Choice>
     <mc:Fallback xmlns="">
       <p:transition advTm="764"/>
+    </mc:Fallback>
+  </mc:AlternateContent>
+</p:sld>
+</file>
+
+<file path=ppt/slides/slide10.xml><?xml version="1.0" encoding="utf-8"?>
+<p:sld xmlns:a="http://schemas.openxmlformats.org/drawingml/2006/main" xmlns:r="http://schemas.openxmlformats.org/officeDocument/2006/relationships" xmlns:p="http://schemas.openxmlformats.org/presentationml/2006/main">
+  <p:cSld>
+    <p:spTree>
+      <p:nvGrpSpPr>
+        <p:cNvPr id="1" name=""/>
+        <p:cNvGrpSpPr/>
+        <p:nvPr/>
+      </p:nvGrpSpPr>
+      <p:grpSpPr>
+        <a:xfrm>
+          <a:off x="0" y="0"/>
+          <a:ext cx="0" cy="0"/>
+          <a:chOff x="0" y="0"/>
+          <a:chExt cx="0" cy="0"/>
+        </a:xfrm>
+      </p:grpSpPr>
+      <p:sp>
+        <p:nvSpPr>
+          <p:cNvPr id="17" name="Inhaltsplatzhalter 16">
+            <a:extLst>
+              <a:ext uri="{FF2B5EF4-FFF2-40B4-BE49-F238E27FC236}">
+                <a16:creationId xmlns:a16="http://schemas.microsoft.com/office/drawing/2014/main" id="{9A657AD8-75FA-440E-BC6C-D212DDAAF8B0}"/>
+              </a:ext>
+            </a:extLst>
+          </p:cNvPr>
+          <p:cNvSpPr>
+            <a:spLocks noGrp="1"/>
+          </p:cNvSpPr>
+          <p:nvPr>
+            <p:ph idx="1"/>
+          </p:nvPr>
+        </p:nvSpPr>
+        <p:spPr>
+          <a:xfrm>
+            <a:off x="346126" y="1492343"/>
+            <a:ext cx="5862169" cy="4941845"/>
+          </a:xfrm>
+        </p:spPr>
+        <p:txBody>
+          <a:bodyPr/>
+          <a:lstStyle/>
+          <a:p>
+            <a:pPr marL="0" indent="0">
+              <a:lnSpc>
+                <a:spcPct val="100000"/>
+              </a:lnSpc>
+              <a:buNone/>
+            </a:pPr>
+            <a:r>
+              <a:rPr lang="en-US" sz="1400" b="1" dirty="0"/>
+              <a:t>training on TEC, predicting CrowdFlower:</a:t>
+            </a:r>
+          </a:p>
+          <a:p>
+            <a:pPr marL="0" indent="0">
+              <a:lnSpc>
+                <a:spcPct val="100000"/>
+              </a:lnSpc>
+              <a:buNone/>
+            </a:pPr>
+            <a:endParaRPr lang="en-US" sz="1400" b="1" dirty="0"/>
+          </a:p>
+          <a:p>
+            <a:pPr>
+              <a:lnSpc>
+                <a:spcPct val="100000"/>
+              </a:lnSpc>
+            </a:pPr>
+            <a:r>
+              <a:rPr lang="en-US" sz="1400" dirty="0" err="1"/>
+              <a:t>dont</a:t>
+            </a:r>
+            <a:r>
+              <a:rPr lang="en-US" sz="1400" dirty="0"/>
+              <a:t> </a:t>
+            </a:r>
+            <a:r>
+              <a:rPr lang="en-US" sz="1400" dirty="0" err="1"/>
+              <a:t>wanna</a:t>
+            </a:r>
+            <a:r>
+              <a:rPr lang="en-US" sz="1400" dirty="0"/>
+              <a:t> work 11-830 tomorrow  but </a:t>
+            </a:r>
+            <a:r>
+              <a:rPr lang="en-US" sz="1400" dirty="0" err="1"/>
+              <a:t>i</a:t>
+            </a:r>
+            <a:r>
+              <a:rPr lang="en-US" sz="1400" dirty="0"/>
+              <a:t> get paid</a:t>
+            </a:r>
+          </a:p>
+          <a:p>
+            <a:pPr lvl="1">
+              <a:lnSpc>
+                <a:spcPct val="100000"/>
+              </a:lnSpc>
+            </a:pPr>
+            <a:r>
+              <a:rPr lang="en-US" sz="1400" dirty="0"/>
+              <a:t>predicted-label: sadness</a:t>
+            </a:r>
+          </a:p>
+          <a:p>
+            <a:pPr lvl="1">
+              <a:lnSpc>
+                <a:spcPct val="100000"/>
+              </a:lnSpc>
+            </a:pPr>
+            <a:r>
+              <a:rPr lang="en-US" sz="1400" dirty="0"/>
+              <a:t>true-label: sadness</a:t>
+            </a:r>
+          </a:p>
+          <a:p>
+            <a:pPr>
+              <a:lnSpc>
+                <a:spcPct val="100000"/>
+              </a:lnSpc>
+            </a:pPr>
+            <a:r>
+              <a:rPr lang="en-US" sz="1400" dirty="0"/>
+              <a:t>sucks not being able to take days off of work or have the money to take the trip  so sad</a:t>
+            </a:r>
+          </a:p>
+          <a:p>
+            <a:pPr lvl="1">
+              <a:lnSpc>
+                <a:spcPct val="100000"/>
+              </a:lnSpc>
+            </a:pPr>
+            <a:r>
+              <a:rPr lang="en-US" sz="1400" dirty="0"/>
+              <a:t>predicted-label: sadness</a:t>
+            </a:r>
+          </a:p>
+          <a:p>
+            <a:pPr lvl="1">
+              <a:lnSpc>
+                <a:spcPct val="100000"/>
+              </a:lnSpc>
+            </a:pPr>
+            <a:r>
+              <a:rPr lang="en-US" sz="1400" dirty="0"/>
+              <a:t>true-label: fear</a:t>
+            </a:r>
+          </a:p>
+          <a:p>
+            <a:pPr>
+              <a:lnSpc>
+                <a:spcPct val="100000"/>
+              </a:lnSpc>
+            </a:pPr>
+            <a:r>
+              <a:rPr lang="en-US" sz="1400" dirty="0"/>
+              <a:t>my twitter has been hacked again</a:t>
+            </a:r>
+          </a:p>
+          <a:p>
+            <a:pPr lvl="1">
+              <a:lnSpc>
+                <a:spcPct val="100000"/>
+              </a:lnSpc>
+            </a:pPr>
+            <a:r>
+              <a:rPr lang="en-US" sz="1400" dirty="0"/>
+              <a:t>predicted-label: anger</a:t>
+            </a:r>
+          </a:p>
+          <a:p>
+            <a:pPr lvl="1">
+              <a:lnSpc>
+                <a:spcPct val="100000"/>
+              </a:lnSpc>
+            </a:pPr>
+            <a:r>
+              <a:rPr lang="en-US" sz="1400" dirty="0"/>
+              <a:t>true-label: fear</a:t>
+            </a:r>
+          </a:p>
+          <a:p>
+            <a:pPr>
+              <a:lnSpc>
+                <a:spcPct val="100000"/>
+              </a:lnSpc>
+            </a:pPr>
+            <a:r>
+              <a:rPr lang="en-US" sz="1400" dirty="0"/>
+              <a:t>I just eat a </a:t>
+            </a:r>
+            <a:r>
+              <a:rPr lang="en-US" sz="1400" dirty="0" err="1"/>
+              <a:t>reallyyy</a:t>
+            </a:r>
+            <a:r>
+              <a:rPr lang="en-US" sz="1400" dirty="0"/>
+              <a:t> good ice cream!</a:t>
+            </a:r>
+          </a:p>
+          <a:p>
+            <a:pPr lvl="1">
+              <a:lnSpc>
+                <a:spcPct val="100000"/>
+              </a:lnSpc>
+            </a:pPr>
+            <a:r>
+              <a:rPr lang="en-US" sz="1400" dirty="0"/>
+              <a:t>predicted-label: surprise</a:t>
+            </a:r>
+          </a:p>
+          <a:p>
+            <a:pPr lvl="1">
+              <a:lnSpc>
+                <a:spcPct val="100000"/>
+              </a:lnSpc>
+            </a:pPr>
+            <a:r>
+              <a:rPr lang="en-US" sz="1400" dirty="0"/>
+              <a:t>true-label: joy</a:t>
+            </a:r>
+          </a:p>
+        </p:txBody>
+      </p:sp>
+      <p:sp>
+        <p:nvSpPr>
+          <p:cNvPr id="5" name="Foliennummernplatzhalter 4">
+            <a:extLst>
+              <a:ext uri="{FF2B5EF4-FFF2-40B4-BE49-F238E27FC236}">
+                <a16:creationId xmlns:a16="http://schemas.microsoft.com/office/drawing/2014/main" id="{178677E2-3871-4EB1-9638-C60EABEB7788}"/>
+              </a:ext>
+            </a:extLst>
+          </p:cNvPr>
+          <p:cNvSpPr>
+            <a:spLocks noGrp="1"/>
+          </p:cNvSpPr>
+          <p:nvPr>
+            <p:ph type="sldNum" sz="quarter" idx="12"/>
+          </p:nvPr>
+        </p:nvSpPr>
+        <p:spPr/>
+        <p:txBody>
+          <a:bodyPr/>
+          <a:lstStyle/>
+          <a:p>
+            <a:fld id="{54518C2F-5E54-4CF8-B37A-4631A050CED9}" type="slidenum">
+              <a:rPr lang="de-DE" smtClean="0"/>
+              <a:pPr/>
+              <a:t>10</a:t>
+            </a:fld>
+            <a:endParaRPr lang="de-DE" dirty="0">
+              <a:solidFill>
+                <a:schemeClr val="bg1"/>
+              </a:solidFill>
+            </a:endParaRPr>
+          </a:p>
+        </p:txBody>
+      </p:sp>
+      <p:sp>
+        <p:nvSpPr>
+          <p:cNvPr id="6" name="Fußzeilenplatzhalter 5">
+            <a:extLst>
+              <a:ext uri="{FF2B5EF4-FFF2-40B4-BE49-F238E27FC236}">
+                <a16:creationId xmlns:a16="http://schemas.microsoft.com/office/drawing/2014/main" id="{8C3F8C20-2557-41C5-939A-FD6E581E5742}"/>
+              </a:ext>
+            </a:extLst>
+          </p:cNvPr>
+          <p:cNvSpPr>
+            <a:spLocks noGrp="1"/>
+          </p:cNvSpPr>
+          <p:nvPr>
+            <p:ph type="ftr" sz="quarter" idx="11"/>
+          </p:nvPr>
+        </p:nvSpPr>
+        <p:spPr>
+          <a:xfrm>
+            <a:off x="623362" y="6659954"/>
+            <a:ext cx="7460324" cy="314777"/>
+          </a:xfrm>
+        </p:spPr>
+        <p:txBody>
+          <a:bodyPr/>
+          <a:lstStyle/>
+          <a:p>
+            <a:pPr algn="ctr"/>
+            <a:r>
+              <a:rPr lang="de-DE" dirty="0"/>
+              <a:t>Emotion Analysis | ML-</a:t>
+            </a:r>
+            <a:r>
+              <a:rPr lang="de-DE" dirty="0" err="1"/>
+              <a:t>based</a:t>
+            </a:r>
+            <a:r>
+              <a:rPr lang="de-DE" dirty="0"/>
+              <a:t> Emotion Classification		           Felix Bühler | Max Wegge | Carlotta Quensel</a:t>
+            </a:r>
+          </a:p>
+        </p:txBody>
+      </p:sp>
+      <p:sp>
+        <p:nvSpPr>
+          <p:cNvPr id="8" name="Titel 1">
+            <a:extLst>
+              <a:ext uri="{FF2B5EF4-FFF2-40B4-BE49-F238E27FC236}">
+                <a16:creationId xmlns:a16="http://schemas.microsoft.com/office/drawing/2014/main" id="{7A04DA2A-1F61-41DE-BA08-44B7F1730FE9}"/>
+              </a:ext>
+            </a:extLst>
+          </p:cNvPr>
+          <p:cNvSpPr txBox="1">
+            <a:spLocks/>
+          </p:cNvSpPr>
+          <p:nvPr/>
+        </p:nvSpPr>
+        <p:spPr>
+          <a:xfrm>
+            <a:off x="624422" y="236155"/>
+            <a:ext cx="10993967" cy="336000"/>
+          </a:xfrm>
+          <a:prstGeom prst="rect">
+            <a:avLst/>
+          </a:prstGeom>
+        </p:spPr>
+        <p:txBody>
+          <a:bodyPr vert="horz" lIns="0" tIns="0" rIns="0" bIns="0" rtlCol="0" anchor="t">
+            <a:noAutofit/>
+          </a:bodyPr>
+          <a:lstStyle>
+            <a:lvl1pPr algn="l" defTabSz="914368" rtl="0" eaLnBrk="1" latinLnBrk="0" hangingPunct="1">
+              <a:lnSpc>
+                <a:spcPct val="90000"/>
+              </a:lnSpc>
+              <a:spcBef>
+                <a:spcPct val="0"/>
+              </a:spcBef>
+              <a:buNone/>
+              <a:defRPr sz="2800" b="1" kern="1200">
+                <a:solidFill>
+                  <a:schemeClr val="tx1"/>
+                </a:solidFill>
+                <a:latin typeface="+mj-lt"/>
+                <a:ea typeface="+mj-ea"/>
+                <a:cs typeface="+mj-cs"/>
+              </a:defRPr>
+            </a:lvl1pPr>
+          </a:lstStyle>
+          <a:p>
+            <a:r>
+              <a:rPr lang="de-DE" dirty="0">
+                <a:latin typeface="Calibri" panose="020F0502020204030204" pitchFamily="34" charset="0"/>
+                <a:cs typeface="Calibri" panose="020F0502020204030204" pitchFamily="34" charset="0"/>
+              </a:rPr>
+              <a:t>2. </a:t>
+            </a:r>
+            <a:r>
+              <a:rPr lang="de-DE" dirty="0" err="1">
+                <a:latin typeface="Calibri" panose="020F0502020204030204" pitchFamily="34" charset="0"/>
+                <a:cs typeface="Calibri" panose="020F0502020204030204" pitchFamily="34" charset="0"/>
+              </a:rPr>
+              <a:t>research</a:t>
+            </a:r>
+            <a:r>
+              <a:rPr lang="de-DE" dirty="0">
+                <a:latin typeface="Calibri" panose="020F0502020204030204" pitchFamily="34" charset="0"/>
+                <a:cs typeface="Calibri" panose="020F0502020204030204" pitchFamily="34" charset="0"/>
+              </a:rPr>
+              <a:t> </a:t>
+            </a:r>
+            <a:r>
+              <a:rPr lang="de-DE" dirty="0" err="1">
+                <a:latin typeface="Calibri" panose="020F0502020204030204" pitchFamily="34" charset="0"/>
+                <a:cs typeface="Calibri" panose="020F0502020204030204" pitchFamily="34" charset="0"/>
+              </a:rPr>
+              <a:t>question</a:t>
+            </a:r>
+            <a:br>
+              <a:rPr lang="de-DE" dirty="0">
+                <a:latin typeface="Calibri" panose="020F0502020204030204" pitchFamily="34" charset="0"/>
+                <a:cs typeface="Calibri" panose="020F0502020204030204" pitchFamily="34" charset="0"/>
+              </a:rPr>
+            </a:br>
+            <a:r>
+              <a:rPr lang="en-US" b="0" dirty="0">
+                <a:latin typeface="Calibri" panose="020F0502020204030204" pitchFamily="34" charset="0"/>
+                <a:cs typeface="Calibri" panose="020F0502020204030204" pitchFamily="34" charset="0"/>
+              </a:rPr>
+              <a:t>evaluation</a:t>
+            </a:r>
+          </a:p>
+        </p:txBody>
+      </p:sp>
+      <p:sp>
+        <p:nvSpPr>
+          <p:cNvPr id="7" name="Inhaltsplatzhalter 16">
+            <a:extLst>
+              <a:ext uri="{FF2B5EF4-FFF2-40B4-BE49-F238E27FC236}">
+                <a16:creationId xmlns:a16="http://schemas.microsoft.com/office/drawing/2014/main" id="{0F309B56-FC6B-4A4E-960D-BE9E36E89095}"/>
+              </a:ext>
+            </a:extLst>
+          </p:cNvPr>
+          <p:cNvSpPr txBox="1">
+            <a:spLocks/>
+          </p:cNvSpPr>
+          <p:nvPr/>
+        </p:nvSpPr>
+        <p:spPr>
+          <a:xfrm>
+            <a:off x="6629399" y="1492344"/>
+            <a:ext cx="5284471" cy="4941845"/>
+          </a:xfrm>
+          <a:prstGeom prst="rect">
+            <a:avLst/>
+          </a:prstGeom>
+        </p:spPr>
+        <p:txBody>
+          <a:bodyPr vert="horz" lIns="0" tIns="0" rIns="0" bIns="0" rtlCol="0">
+            <a:noAutofit/>
+          </a:bodyPr>
+          <a:lstStyle>
+            <a:lvl1pPr marL="228592" indent="-228592" algn="l" defTabSz="914368" rtl="0" eaLnBrk="1" latinLnBrk="0" hangingPunct="1">
+              <a:lnSpc>
+                <a:spcPct val="120000"/>
+              </a:lnSpc>
+              <a:spcBef>
+                <a:spcPts val="1000"/>
+              </a:spcBef>
+              <a:buClr>
+                <a:schemeClr val="accent1"/>
+              </a:buClr>
+              <a:buSzPct val="110000"/>
+              <a:buFont typeface="Wingdings" panose="05000000000000000000" pitchFamily="2" charset="2"/>
+              <a:buChar char="§"/>
+              <a:defRPr sz="2200" kern="1200">
+                <a:solidFill>
+                  <a:schemeClr val="tx1"/>
+                </a:solidFill>
+                <a:latin typeface="+mn-lt"/>
+                <a:ea typeface="+mn-ea"/>
+                <a:cs typeface="+mn-cs"/>
+              </a:defRPr>
+            </a:lvl1pPr>
+            <a:lvl2pPr marL="480468" indent="-245525" algn="l" defTabSz="914368" rtl="0" eaLnBrk="1" latinLnBrk="0" hangingPunct="1">
+              <a:lnSpc>
+                <a:spcPct val="120000"/>
+              </a:lnSpc>
+              <a:spcBef>
+                <a:spcPts val="501"/>
+              </a:spcBef>
+              <a:buClr>
+                <a:schemeClr val="accent2"/>
+              </a:buClr>
+              <a:buSzPct val="105000"/>
+              <a:buFont typeface="Wingdings" panose="05000000000000000000" pitchFamily="2" charset="2"/>
+              <a:buChar char="§"/>
+              <a:defRPr sz="2200" kern="1200">
+                <a:solidFill>
+                  <a:schemeClr val="tx1"/>
+                </a:solidFill>
+                <a:latin typeface="+mn-lt"/>
+                <a:ea typeface="+mn-ea"/>
+                <a:cs typeface="+mn-cs"/>
+              </a:defRPr>
+            </a:lvl2pPr>
+            <a:lvl3pPr marL="715409" indent="-234943" algn="l" defTabSz="914368" rtl="0" eaLnBrk="1" latinLnBrk="0" hangingPunct="1">
+              <a:lnSpc>
+                <a:spcPct val="120000"/>
+              </a:lnSpc>
+              <a:spcBef>
+                <a:spcPts val="501"/>
+              </a:spcBef>
+              <a:buClr>
+                <a:schemeClr val="accent1"/>
+              </a:buClr>
+              <a:buFont typeface="Arial" panose="020B0604020202020204" pitchFamily="34" charset="0"/>
+              <a:buChar char="•"/>
+              <a:defRPr sz="2200" kern="1200">
+                <a:solidFill>
+                  <a:schemeClr val="tx1"/>
+                </a:solidFill>
+                <a:latin typeface="+mn-lt"/>
+                <a:ea typeface="+mn-ea"/>
+                <a:cs typeface="+mn-cs"/>
+              </a:defRPr>
+            </a:lvl3pPr>
+            <a:lvl4pPr marL="960933" indent="-245525" algn="l" defTabSz="914368" rtl="0" eaLnBrk="1" latinLnBrk="0" hangingPunct="1">
+              <a:lnSpc>
+                <a:spcPct val="120000"/>
+              </a:lnSpc>
+              <a:spcBef>
+                <a:spcPts val="501"/>
+              </a:spcBef>
+              <a:buClr>
+                <a:schemeClr val="accent2"/>
+              </a:buClr>
+              <a:buFont typeface="Arial" panose="020B0604020202020204" pitchFamily="34" charset="0"/>
+              <a:buChar char="•"/>
+              <a:defRPr sz="2200" kern="1200">
+                <a:solidFill>
+                  <a:schemeClr val="tx1"/>
+                </a:solidFill>
+                <a:latin typeface="+mn-lt"/>
+                <a:ea typeface="+mn-ea"/>
+                <a:cs typeface="+mn-cs"/>
+              </a:defRPr>
+            </a:lvl4pPr>
+            <a:lvl5pPr marL="1195875" indent="-234943" algn="l" defTabSz="914368" rtl="0" eaLnBrk="1" latinLnBrk="0" hangingPunct="1">
+              <a:lnSpc>
+                <a:spcPct val="120000"/>
+              </a:lnSpc>
+              <a:spcBef>
+                <a:spcPts val="501"/>
+              </a:spcBef>
+              <a:buClr>
+                <a:schemeClr val="accent1"/>
+              </a:buClr>
+              <a:buFont typeface="Arial" panose="020B0604020202020204" pitchFamily="34" charset="0"/>
+              <a:buChar char="•"/>
+              <a:defRPr sz="2200" kern="1200">
+                <a:solidFill>
+                  <a:schemeClr val="tx1"/>
+                </a:solidFill>
+                <a:latin typeface="+mn-lt"/>
+                <a:ea typeface="+mn-ea"/>
+                <a:cs typeface="+mn-cs"/>
+              </a:defRPr>
+            </a:lvl5pPr>
+            <a:lvl6pPr marL="2514512" indent="-228592" algn="l" defTabSz="914368" rtl="0" eaLnBrk="1" latinLnBrk="0" hangingPunct="1">
+              <a:lnSpc>
+                <a:spcPct val="90000"/>
+              </a:lnSpc>
+              <a:spcBef>
+                <a:spcPts val="501"/>
+              </a:spcBef>
+              <a:buFont typeface="Arial" panose="020B0604020202020204" pitchFamily="34" charset="0"/>
+              <a:buChar char="•"/>
+              <a:defRPr sz="1800" kern="1200">
+                <a:solidFill>
+                  <a:schemeClr val="tx1"/>
+                </a:solidFill>
+                <a:latin typeface="+mn-lt"/>
+                <a:ea typeface="+mn-ea"/>
+                <a:cs typeface="+mn-cs"/>
+              </a:defRPr>
+            </a:lvl6pPr>
+            <a:lvl7pPr marL="2971696" indent="-228592" algn="l" defTabSz="914368" rtl="0" eaLnBrk="1" latinLnBrk="0" hangingPunct="1">
+              <a:lnSpc>
+                <a:spcPct val="90000"/>
+              </a:lnSpc>
+              <a:spcBef>
+                <a:spcPts val="501"/>
+              </a:spcBef>
+              <a:buFont typeface="Arial" panose="020B0604020202020204" pitchFamily="34" charset="0"/>
+              <a:buChar char="•"/>
+              <a:defRPr sz="1800" kern="1200">
+                <a:solidFill>
+                  <a:schemeClr val="tx1"/>
+                </a:solidFill>
+                <a:latin typeface="+mn-lt"/>
+                <a:ea typeface="+mn-ea"/>
+                <a:cs typeface="+mn-cs"/>
+              </a:defRPr>
+            </a:lvl7pPr>
+            <a:lvl8pPr marL="3428880" indent="-228592" algn="l" defTabSz="914368" rtl="0" eaLnBrk="1" latinLnBrk="0" hangingPunct="1">
+              <a:lnSpc>
+                <a:spcPct val="90000"/>
+              </a:lnSpc>
+              <a:spcBef>
+                <a:spcPts val="501"/>
+              </a:spcBef>
+              <a:buFont typeface="Arial" panose="020B0604020202020204" pitchFamily="34" charset="0"/>
+              <a:buChar char="•"/>
+              <a:defRPr sz="1800" kern="1200">
+                <a:solidFill>
+                  <a:schemeClr val="tx1"/>
+                </a:solidFill>
+                <a:latin typeface="+mn-lt"/>
+                <a:ea typeface="+mn-ea"/>
+                <a:cs typeface="+mn-cs"/>
+              </a:defRPr>
+            </a:lvl8pPr>
+            <a:lvl9pPr marL="3886064" indent="-228592" algn="l" defTabSz="914368" rtl="0" eaLnBrk="1" latinLnBrk="0" hangingPunct="1">
+              <a:lnSpc>
+                <a:spcPct val="90000"/>
+              </a:lnSpc>
+              <a:spcBef>
+                <a:spcPts val="501"/>
+              </a:spcBef>
+              <a:buFont typeface="Arial" panose="020B0604020202020204" pitchFamily="34" charset="0"/>
+              <a:buChar char="•"/>
+              <a:defRPr sz="1800" kern="1200">
+                <a:solidFill>
+                  <a:schemeClr val="tx1"/>
+                </a:solidFill>
+                <a:latin typeface="+mn-lt"/>
+                <a:ea typeface="+mn-ea"/>
+                <a:cs typeface="+mn-cs"/>
+              </a:defRPr>
+            </a:lvl9pPr>
+          </a:lstStyle>
+          <a:p>
+            <a:pPr marL="0" indent="0">
+              <a:lnSpc>
+                <a:spcPct val="100000"/>
+              </a:lnSpc>
+              <a:buNone/>
+            </a:pPr>
+            <a:r>
+              <a:rPr lang="en-US" sz="1400" b="1" dirty="0"/>
+              <a:t>training on CrowdFlower, predicting TEC:</a:t>
+            </a:r>
+          </a:p>
+          <a:p>
+            <a:pPr>
+              <a:lnSpc>
+                <a:spcPct val="100000"/>
+              </a:lnSpc>
+            </a:pPr>
+            <a:endParaRPr lang="en-US" sz="1400" dirty="0"/>
+          </a:p>
+          <a:p>
+            <a:pPr>
+              <a:lnSpc>
+                <a:spcPct val="100000"/>
+              </a:lnSpc>
+            </a:pPr>
+            <a:r>
+              <a:rPr lang="en-US" sz="1400" dirty="0"/>
+              <a:t>the moment when you get another follower and you cheer.</a:t>
+            </a:r>
+          </a:p>
+          <a:p>
+            <a:pPr lvl="1">
+              <a:lnSpc>
+                <a:spcPct val="100000"/>
+              </a:lnSpc>
+            </a:pPr>
+            <a:r>
+              <a:rPr lang="en-US" sz="1400" dirty="0"/>
+              <a:t>predicted-label: 	joy</a:t>
+            </a:r>
+          </a:p>
+          <a:p>
+            <a:pPr lvl="1">
+              <a:lnSpc>
+                <a:spcPct val="100000"/>
+              </a:lnSpc>
+            </a:pPr>
+            <a:r>
+              <a:rPr lang="en-US" sz="1400" dirty="0"/>
+              <a:t>true-label: 	joy</a:t>
+            </a:r>
+          </a:p>
+          <a:p>
+            <a:pPr>
+              <a:lnSpc>
+                <a:spcPct val="100000"/>
+              </a:lnSpc>
+            </a:pPr>
+            <a:r>
+              <a:rPr lang="en-US" sz="1400" dirty="0"/>
+              <a:t>Can honestly say, don't think I've ever done so shit in an exam before</a:t>
+            </a:r>
+          </a:p>
+          <a:p>
+            <a:pPr lvl="1">
+              <a:lnSpc>
+                <a:spcPct val="100000"/>
+              </a:lnSpc>
+            </a:pPr>
+            <a:r>
+              <a:rPr lang="en-US" sz="1400" dirty="0"/>
+              <a:t>predicted-label: 	anger</a:t>
+            </a:r>
+          </a:p>
+          <a:p>
+            <a:pPr lvl="1">
+              <a:lnSpc>
+                <a:spcPct val="100000"/>
+              </a:lnSpc>
+            </a:pPr>
+            <a:r>
+              <a:rPr lang="en-US" sz="1400" dirty="0"/>
+              <a:t>true-label:	joy</a:t>
+            </a:r>
+          </a:p>
+          <a:p>
+            <a:pPr>
+              <a:lnSpc>
+                <a:spcPct val="100000"/>
+              </a:lnSpc>
+            </a:pPr>
+            <a:r>
+              <a:rPr lang="en-US" sz="1400" dirty="0"/>
+              <a:t>Como una </a:t>
+            </a:r>
+            <a:r>
+              <a:rPr lang="en-US" sz="1400" dirty="0" err="1"/>
+              <a:t>expresión</a:t>
+            </a:r>
+            <a:r>
+              <a:rPr lang="en-US" sz="1400" dirty="0"/>
+              <a:t> tan simple, una sola </a:t>
+            </a:r>
+            <a:r>
+              <a:rPr lang="en-US" sz="1400" dirty="0" err="1"/>
+              <a:t>oración</a:t>
+            </a:r>
+            <a:r>
+              <a:rPr lang="en-US" sz="1400" dirty="0"/>
+              <a:t>, </a:t>
+            </a:r>
+            <a:r>
+              <a:rPr lang="en-US" sz="1400" dirty="0" err="1"/>
+              <a:t>puede</a:t>
+            </a:r>
+            <a:r>
+              <a:rPr lang="en-US" sz="1400" dirty="0"/>
+              <a:t> </a:t>
+            </a:r>
+            <a:r>
+              <a:rPr lang="en-US" sz="1400" dirty="0" err="1"/>
+              <a:t>llegara</a:t>
+            </a:r>
+            <a:r>
+              <a:rPr lang="en-US" sz="1400" dirty="0"/>
+              <a:t> </a:t>
+            </a:r>
+            <a:r>
+              <a:rPr lang="en-US" sz="1400" dirty="0" err="1"/>
+              <a:t>dañarte</a:t>
+            </a:r>
+            <a:r>
+              <a:rPr lang="en-US" sz="1400" dirty="0"/>
+              <a:t> tanto.</a:t>
+            </a:r>
+          </a:p>
+          <a:p>
+            <a:pPr lvl="1">
+              <a:lnSpc>
+                <a:spcPct val="100000"/>
+              </a:lnSpc>
+            </a:pPr>
+            <a:r>
+              <a:rPr lang="en-US" sz="1400" dirty="0"/>
+              <a:t>predicted-label: 	surprise</a:t>
+            </a:r>
+          </a:p>
+          <a:p>
+            <a:pPr lvl="1">
+              <a:lnSpc>
+                <a:spcPct val="100000"/>
+              </a:lnSpc>
+            </a:pPr>
+            <a:r>
+              <a:rPr lang="en-US" sz="1400" dirty="0"/>
+              <a:t>true-label: 	sadness</a:t>
+            </a:r>
+          </a:p>
+        </p:txBody>
+      </p:sp>
+    </p:spTree>
+    <p:extLst>
+      <p:ext uri="{BB962C8B-B14F-4D97-AF65-F5344CB8AC3E}">
+        <p14:creationId xmlns:p14="http://schemas.microsoft.com/office/powerpoint/2010/main" val="922261478"/>
+      </p:ext>
+    </p:extLst>
+  </p:cSld>
+  <p:clrMapOvr>
+    <a:masterClrMapping/>
+  </p:clrMapOvr>
+  <mc:AlternateContent xmlns:mc="http://schemas.openxmlformats.org/markup-compatibility/2006" xmlns:p14="http://schemas.microsoft.com/office/powerpoint/2010/main">
+    <mc:Choice Requires="p14">
+      <p:transition p14:dur="0" advTm="2361"/>
+    </mc:Choice>
+    <mc:Fallback xmlns="">
+      <p:transition advTm="2361"/>
+    </mc:Fallback>
+  </mc:AlternateContent>
+</p:sld>
+</file>
+
+<file path=ppt/slides/slide11.xml><?xml version="1.0" encoding="utf-8"?>
+<p:sld xmlns:a="http://schemas.openxmlformats.org/drawingml/2006/main" xmlns:r="http://schemas.openxmlformats.org/officeDocument/2006/relationships" xmlns:p="http://schemas.openxmlformats.org/presentationml/2006/main">
+  <p:cSld>
+    <p:spTree>
+      <p:nvGrpSpPr>
+        <p:cNvPr id="1" name=""/>
+        <p:cNvGrpSpPr/>
+        <p:nvPr/>
+      </p:nvGrpSpPr>
+      <p:grpSpPr>
+        <a:xfrm>
+          <a:off x="0" y="0"/>
+          <a:ext cx="0" cy="0"/>
+          <a:chOff x="0" y="0"/>
+          <a:chExt cx="0" cy="0"/>
+        </a:xfrm>
+      </p:grpSpPr>
+      <p:sp>
+        <p:nvSpPr>
+          <p:cNvPr id="17" name="Inhaltsplatzhalter 16">
+            <a:extLst>
+              <a:ext uri="{FF2B5EF4-FFF2-40B4-BE49-F238E27FC236}">
+                <a16:creationId xmlns:a16="http://schemas.microsoft.com/office/drawing/2014/main" id="{9A657AD8-75FA-440E-BC6C-D212DDAAF8B0}"/>
+              </a:ext>
+            </a:extLst>
+          </p:cNvPr>
+          <p:cNvSpPr>
+            <a:spLocks noGrp="1"/>
+          </p:cNvSpPr>
+          <p:nvPr>
+            <p:ph idx="1"/>
+          </p:nvPr>
+        </p:nvSpPr>
+        <p:spPr/>
+        <p:txBody>
+          <a:bodyPr/>
+          <a:lstStyle/>
+          <a:p>
+            <a:r>
+              <a:rPr lang="en-GB" dirty="0"/>
+              <a:t>the performance of both ML and DL relies on (training) data</a:t>
+            </a:r>
+          </a:p>
+          <a:p>
+            <a:pPr lvl="1"/>
+            <a:r>
+              <a:rPr lang="en-GB" dirty="0"/>
+              <a:t>the quality of their respective training data determines the performance</a:t>
+            </a:r>
+          </a:p>
+          <a:p>
+            <a:pPr lvl="1"/>
+            <a:r>
+              <a:rPr lang="en-GB" dirty="0"/>
+              <a:t>to obtain better results, both datasets should be from one domain</a:t>
+            </a:r>
+          </a:p>
+          <a:p>
+            <a:pPr lvl="1"/>
+            <a:r>
+              <a:rPr lang="en-GB" dirty="0"/>
+              <a:t>‘balanced’ classes produce better results</a:t>
+            </a:r>
+          </a:p>
+          <a:p>
+            <a:r>
+              <a:rPr lang="en-GB" dirty="0"/>
+              <a:t>feature-based relies more on observable features, DL is able to detect underlying/hidden context</a:t>
+            </a:r>
+          </a:p>
+          <a:p>
+            <a:r>
+              <a:rPr lang="en-GB" dirty="0"/>
+              <a:t>feature-based ML is explainable, Deep Learning is a black box approach</a:t>
+            </a:r>
+          </a:p>
+        </p:txBody>
+      </p:sp>
+      <p:sp>
+        <p:nvSpPr>
+          <p:cNvPr id="5" name="Foliennummernplatzhalter 4">
+            <a:extLst>
+              <a:ext uri="{FF2B5EF4-FFF2-40B4-BE49-F238E27FC236}">
+                <a16:creationId xmlns:a16="http://schemas.microsoft.com/office/drawing/2014/main" id="{178677E2-3871-4EB1-9638-C60EABEB7788}"/>
+              </a:ext>
+            </a:extLst>
+          </p:cNvPr>
+          <p:cNvSpPr>
+            <a:spLocks noGrp="1"/>
+          </p:cNvSpPr>
+          <p:nvPr>
+            <p:ph type="sldNum" sz="quarter" idx="12"/>
+          </p:nvPr>
+        </p:nvSpPr>
+        <p:spPr/>
+        <p:txBody>
+          <a:bodyPr/>
+          <a:lstStyle/>
+          <a:p>
+            <a:fld id="{54518C2F-5E54-4CF8-B37A-4631A050CED9}" type="slidenum">
+              <a:rPr lang="de-DE" smtClean="0"/>
+              <a:pPr/>
+              <a:t>11</a:t>
+            </a:fld>
+            <a:endParaRPr lang="de-DE" dirty="0">
+              <a:solidFill>
+                <a:schemeClr val="bg1"/>
+              </a:solidFill>
+            </a:endParaRPr>
+          </a:p>
+        </p:txBody>
+      </p:sp>
+      <p:sp>
+        <p:nvSpPr>
+          <p:cNvPr id="6" name="Fußzeilenplatzhalter 5">
+            <a:extLst>
+              <a:ext uri="{FF2B5EF4-FFF2-40B4-BE49-F238E27FC236}">
+                <a16:creationId xmlns:a16="http://schemas.microsoft.com/office/drawing/2014/main" id="{8C3F8C20-2557-41C5-939A-FD6E581E5742}"/>
+              </a:ext>
+            </a:extLst>
+          </p:cNvPr>
+          <p:cNvSpPr>
+            <a:spLocks noGrp="1"/>
+          </p:cNvSpPr>
+          <p:nvPr>
+            <p:ph type="ftr" sz="quarter" idx="11"/>
+          </p:nvPr>
+        </p:nvSpPr>
+        <p:spPr>
+          <a:xfrm>
+            <a:off x="623362" y="6659954"/>
+            <a:ext cx="7460324" cy="314777"/>
+          </a:xfrm>
+        </p:spPr>
+        <p:txBody>
+          <a:bodyPr/>
+          <a:lstStyle/>
+          <a:p>
+            <a:pPr algn="ctr"/>
+            <a:r>
+              <a:rPr lang="de-DE" dirty="0"/>
+              <a:t>Emotion Analysis | ML-</a:t>
+            </a:r>
+            <a:r>
+              <a:rPr lang="de-DE" dirty="0" err="1"/>
+              <a:t>based</a:t>
+            </a:r>
+            <a:r>
+              <a:rPr lang="de-DE" dirty="0"/>
+              <a:t> Emotion Classification		           Felix Bühler | Max Wegge | Carlotta Quensel</a:t>
+            </a:r>
+          </a:p>
+        </p:txBody>
+      </p:sp>
+      <p:sp>
+        <p:nvSpPr>
+          <p:cNvPr id="8" name="Titel 1">
+            <a:extLst>
+              <a:ext uri="{FF2B5EF4-FFF2-40B4-BE49-F238E27FC236}">
+                <a16:creationId xmlns:a16="http://schemas.microsoft.com/office/drawing/2014/main" id="{7A04DA2A-1F61-41DE-BA08-44B7F1730FE9}"/>
+              </a:ext>
+            </a:extLst>
+          </p:cNvPr>
+          <p:cNvSpPr txBox="1">
+            <a:spLocks/>
+          </p:cNvSpPr>
+          <p:nvPr/>
+        </p:nvSpPr>
+        <p:spPr>
+          <a:xfrm>
+            <a:off x="624422" y="236155"/>
+            <a:ext cx="10993967" cy="336000"/>
+          </a:xfrm>
+          <a:prstGeom prst="rect">
+            <a:avLst/>
+          </a:prstGeom>
+        </p:spPr>
+        <p:txBody>
+          <a:bodyPr vert="horz" lIns="0" tIns="0" rIns="0" bIns="0" rtlCol="0" anchor="t">
+            <a:noAutofit/>
+          </a:bodyPr>
+          <a:lstStyle>
+            <a:lvl1pPr algn="l" defTabSz="914368" rtl="0" eaLnBrk="1" latinLnBrk="0" hangingPunct="1">
+              <a:lnSpc>
+                <a:spcPct val="90000"/>
+              </a:lnSpc>
+              <a:spcBef>
+                <a:spcPct val="0"/>
+              </a:spcBef>
+              <a:buNone/>
+              <a:defRPr sz="2800" b="1" kern="1200">
+                <a:solidFill>
+                  <a:schemeClr val="tx1"/>
+                </a:solidFill>
+                <a:latin typeface="+mj-lt"/>
+                <a:ea typeface="+mj-ea"/>
+                <a:cs typeface="+mj-cs"/>
+              </a:defRPr>
+            </a:lvl1pPr>
+          </a:lstStyle>
+          <a:p>
+            <a:r>
+              <a:rPr lang="de-DE" dirty="0" err="1">
+                <a:latin typeface="Calibri" panose="020F0502020204030204" pitchFamily="34" charset="0"/>
+                <a:cs typeface="Calibri" panose="020F0502020204030204" pitchFamily="34" charset="0"/>
+              </a:rPr>
+              <a:t>Conclusion</a:t>
+            </a:r>
+            <a:r>
+              <a:rPr lang="de-DE" dirty="0">
+                <a:latin typeface="Calibri" panose="020F0502020204030204" pitchFamily="34" charset="0"/>
+                <a:cs typeface="Calibri" panose="020F0502020204030204" pitchFamily="34" charset="0"/>
+              </a:rPr>
+              <a:t>/ Take </a:t>
+            </a:r>
+            <a:r>
+              <a:rPr lang="de-DE" dirty="0" err="1">
+                <a:latin typeface="Calibri" panose="020F0502020204030204" pitchFamily="34" charset="0"/>
+                <a:cs typeface="Calibri" panose="020F0502020204030204" pitchFamily="34" charset="0"/>
+              </a:rPr>
+              <a:t>away</a:t>
+            </a:r>
+            <a:br>
+              <a:rPr lang="de-DE" dirty="0">
+                <a:latin typeface="Calibri" panose="020F0502020204030204" pitchFamily="34" charset="0"/>
+                <a:cs typeface="Calibri" panose="020F0502020204030204" pitchFamily="34" charset="0"/>
+              </a:rPr>
+            </a:br>
+            <a:endParaRPr lang="en-US" b="0" dirty="0">
+              <a:latin typeface="Calibri" panose="020F0502020204030204" pitchFamily="34" charset="0"/>
+              <a:cs typeface="Calibri" panose="020F0502020204030204" pitchFamily="34" charset="0"/>
+            </a:endParaRPr>
+          </a:p>
+        </p:txBody>
+      </p:sp>
+    </p:spTree>
+    <p:extLst>
+      <p:ext uri="{BB962C8B-B14F-4D97-AF65-F5344CB8AC3E}">
+        <p14:creationId xmlns:p14="http://schemas.microsoft.com/office/powerpoint/2010/main" val="3093612737"/>
+      </p:ext>
+    </p:extLst>
+  </p:cSld>
+  <p:clrMapOvr>
+    <a:masterClrMapping/>
+  </p:clrMapOvr>
+  <mc:AlternateContent xmlns:mc="http://schemas.openxmlformats.org/markup-compatibility/2006" xmlns:p14="http://schemas.microsoft.com/office/powerpoint/2010/main">
+    <mc:Choice Requires="p14">
+      <p:transition p14:dur="0" advTm="2361"/>
+    </mc:Choice>
+    <mc:Fallback xmlns="">
+      <p:transition advTm="2361"/>
+    </mc:Fallback>
+  </mc:AlternateContent>
+</p:sld>
+</file>
+
+<file path=ppt/slides/slide12.xml><?xml version="1.0" encoding="utf-8"?>
+<p:sld xmlns:a="http://schemas.openxmlformats.org/drawingml/2006/main" xmlns:r="http://schemas.openxmlformats.org/officeDocument/2006/relationships" xmlns:p="http://schemas.openxmlformats.org/presentationml/2006/main">
+  <p:cSld>
+    <p:spTree>
+      <p:nvGrpSpPr>
+        <p:cNvPr id="1" name=""/>
+        <p:cNvGrpSpPr/>
+        <p:nvPr/>
+      </p:nvGrpSpPr>
+      <p:grpSpPr>
+        <a:xfrm>
+          <a:off x="0" y="0"/>
+          <a:ext cx="0" cy="0"/>
+          <a:chOff x="0" y="0"/>
+          <a:chExt cx="0" cy="0"/>
+        </a:xfrm>
+      </p:grpSpPr>
+      <p:sp>
+        <p:nvSpPr>
+          <p:cNvPr id="17" name="Bildplatzhalter 1">
+            <a:extLst>
+              <a:ext uri="{FF2B5EF4-FFF2-40B4-BE49-F238E27FC236}">
+                <a16:creationId xmlns:a16="http://schemas.microsoft.com/office/drawing/2014/main" id="{DFCFFB9E-CAE7-4153-B4F7-D9E39F6F9DCA}"/>
+              </a:ext>
+            </a:extLst>
+          </p:cNvPr>
+          <p:cNvSpPr>
+            <a:spLocks noGrp="1"/>
+          </p:cNvSpPr>
+          <p:nvPr>
+            <p:ph type="pic" sz="quarter" idx="10"/>
+          </p:nvPr>
+        </p:nvSpPr>
+        <p:spPr>
+          <a:xfrm>
+            <a:off x="0" y="1543102"/>
+            <a:ext cx="12192000" cy="4037812"/>
+          </a:xfrm>
+          <a:solidFill>
+            <a:schemeClr val="accent1"/>
+          </a:solidFill>
+        </p:spPr>
+      </p:sp>
+      <p:sp>
+        <p:nvSpPr>
+          <p:cNvPr id="5" name="Textplatzhalter 4">
+            <a:extLst>
+              <a:ext uri="{FF2B5EF4-FFF2-40B4-BE49-F238E27FC236}">
+                <a16:creationId xmlns:a16="http://schemas.microsoft.com/office/drawing/2014/main" id="{23B2E18B-9278-442C-B4CC-8D7B5CEF98F7}"/>
+              </a:ext>
+            </a:extLst>
+          </p:cNvPr>
+          <p:cNvSpPr>
+            <a:spLocks noGrp="1"/>
+          </p:cNvSpPr>
+          <p:nvPr>
+            <p:ph type="body" sz="quarter" idx="11"/>
+          </p:nvPr>
+        </p:nvSpPr>
+        <p:spPr>
+          <a:xfrm>
+            <a:off x="4659887" y="4081945"/>
+            <a:ext cx="1440197" cy="1440197"/>
+          </a:xfrm>
+          <a:solidFill>
+            <a:schemeClr val="accent2"/>
+          </a:solidFill>
+        </p:spPr>
+        <p:txBody>
+          <a:bodyPr anchor="ctr"/>
+          <a:lstStyle/>
+          <a:p>
+            <a:pPr algn="ctr"/>
+            <a:r>
+              <a:rPr lang="de-DE" sz="2000" dirty="0">
+                <a:solidFill>
+                  <a:schemeClr val="bg1"/>
+                </a:solidFill>
+                <a:latin typeface="Calibri" panose="020F0502020204030204" pitchFamily="34" charset="0"/>
+                <a:cs typeface="Calibri" panose="020F0502020204030204" pitchFamily="34" charset="0"/>
+              </a:rPr>
+              <a:t>Questions?</a:t>
+            </a:r>
+          </a:p>
+        </p:txBody>
+      </p:sp>
+      <p:sp>
+        <p:nvSpPr>
+          <p:cNvPr id="13" name="Titel 2">
+            <a:extLst>
+              <a:ext uri="{FF2B5EF4-FFF2-40B4-BE49-F238E27FC236}">
+                <a16:creationId xmlns:a16="http://schemas.microsoft.com/office/drawing/2014/main" id="{0A2FE000-936E-4A84-AAAE-6B7B74C45DAE}"/>
+              </a:ext>
+            </a:extLst>
+          </p:cNvPr>
+          <p:cNvSpPr>
+            <a:spLocks noGrp="1"/>
+          </p:cNvSpPr>
+          <p:nvPr>
+            <p:ph type="title"/>
+          </p:nvPr>
+        </p:nvSpPr>
+        <p:spPr>
+          <a:xfrm>
+            <a:off x="1701040" y="1036977"/>
+            <a:ext cx="5520000" cy="5520000"/>
+          </a:xfrm>
+          <a:solidFill>
+            <a:schemeClr val="bg1"/>
+          </a:solidFill>
+          <a:ln w="28575">
+            <a:solidFill>
+              <a:schemeClr val="accent1"/>
+            </a:solidFill>
+          </a:ln>
+        </p:spPr>
+        <p:txBody>
+          <a:bodyPr bIns="0" anchor="ctr">
+            <a:normAutofit/>
+          </a:bodyPr>
+          <a:lstStyle/>
+          <a:p>
+            <a:r>
+              <a:rPr lang="de-DE" sz="3800" dirty="0" err="1">
+                <a:solidFill>
+                  <a:schemeClr val="tx1"/>
+                </a:solidFill>
+                <a:latin typeface="Calibri" panose="020F0502020204030204" pitchFamily="34" charset="0"/>
+                <a:cs typeface="Calibri" panose="020F0502020204030204" pitchFamily="34" charset="0"/>
+              </a:rPr>
+              <a:t>Thank</a:t>
+            </a:r>
+            <a:r>
+              <a:rPr lang="de-DE" sz="3800" dirty="0">
+                <a:solidFill>
+                  <a:schemeClr val="tx1"/>
+                </a:solidFill>
+                <a:latin typeface="Calibri" panose="020F0502020204030204" pitchFamily="34" charset="0"/>
+                <a:cs typeface="Calibri" panose="020F0502020204030204" pitchFamily="34" charset="0"/>
+              </a:rPr>
+              <a:t> </a:t>
+            </a:r>
+            <a:r>
+              <a:rPr lang="de-DE" sz="3800" dirty="0" err="1">
+                <a:solidFill>
+                  <a:schemeClr val="tx1"/>
+                </a:solidFill>
+                <a:latin typeface="Calibri" panose="020F0502020204030204" pitchFamily="34" charset="0"/>
+                <a:cs typeface="Calibri" panose="020F0502020204030204" pitchFamily="34" charset="0"/>
+              </a:rPr>
+              <a:t>you</a:t>
+            </a:r>
+            <a:br>
+              <a:rPr lang="de-DE" sz="3800" dirty="0">
+                <a:solidFill>
+                  <a:schemeClr val="tx1"/>
+                </a:solidFill>
+                <a:latin typeface="Calibri" panose="020F0502020204030204" pitchFamily="34" charset="0"/>
+                <a:cs typeface="Calibri" panose="020F0502020204030204" pitchFamily="34" charset="0"/>
+              </a:rPr>
+            </a:br>
+            <a:r>
+              <a:rPr lang="de-DE" sz="3800" b="0" dirty="0" err="1">
+                <a:solidFill>
+                  <a:schemeClr val="tx1"/>
+                </a:solidFill>
+                <a:latin typeface="Calibri" panose="020F0502020204030204" pitchFamily="34" charset="0"/>
+                <a:cs typeface="Calibri" panose="020F0502020204030204" pitchFamily="34" charset="0"/>
+              </a:rPr>
+              <a:t>for</a:t>
+            </a:r>
+            <a:r>
+              <a:rPr lang="de-DE" sz="3800" b="0" dirty="0">
+                <a:solidFill>
+                  <a:schemeClr val="tx1"/>
+                </a:solidFill>
+                <a:latin typeface="Calibri" panose="020F0502020204030204" pitchFamily="34" charset="0"/>
+                <a:cs typeface="Calibri" panose="020F0502020204030204" pitchFamily="34" charset="0"/>
+              </a:rPr>
+              <a:t> </a:t>
+            </a:r>
+            <a:r>
+              <a:rPr lang="de-DE" sz="3800" b="0" dirty="0" err="1">
+                <a:solidFill>
+                  <a:schemeClr val="tx1"/>
+                </a:solidFill>
+                <a:latin typeface="Calibri" panose="020F0502020204030204" pitchFamily="34" charset="0"/>
+                <a:cs typeface="Calibri" panose="020F0502020204030204" pitchFamily="34" charset="0"/>
+              </a:rPr>
+              <a:t>listening</a:t>
+            </a:r>
+            <a:r>
+              <a:rPr lang="de-DE" sz="3800" b="0" dirty="0">
+                <a:solidFill>
+                  <a:schemeClr val="tx1"/>
+                </a:solidFill>
+                <a:latin typeface="Calibri" panose="020F0502020204030204" pitchFamily="34" charset="0"/>
+                <a:cs typeface="Calibri" panose="020F0502020204030204" pitchFamily="34" charset="0"/>
+              </a:rPr>
+              <a:t>!</a:t>
+            </a:r>
+            <a:endParaRPr lang="de-DE" sz="2400" b="0" dirty="0">
+              <a:solidFill>
+                <a:schemeClr val="tx1"/>
+              </a:solidFill>
+              <a:latin typeface="Calibri" panose="020F0502020204030204" pitchFamily="34" charset="0"/>
+              <a:cs typeface="Calibri" panose="020F0502020204030204" pitchFamily="34" charset="0"/>
+            </a:endParaRPr>
+          </a:p>
+        </p:txBody>
+      </p:sp>
+    </p:spTree>
+    <p:custDataLst>
+      <p:tags r:id="rId1"/>
+    </p:custDataLst>
+    <p:extLst>
+      <p:ext uri="{BB962C8B-B14F-4D97-AF65-F5344CB8AC3E}">
+        <p14:creationId xmlns:p14="http://schemas.microsoft.com/office/powerpoint/2010/main" val="1487675229"/>
+      </p:ext>
+    </p:extLst>
+  </p:cSld>
+  <p:clrMapOvr>
+    <a:masterClrMapping/>
+  </p:clrMapOvr>
+  <mc:AlternateContent xmlns:mc="http://schemas.openxmlformats.org/markup-compatibility/2006" xmlns:p14="http://schemas.microsoft.com/office/powerpoint/2010/main">
+    <mc:Choice Requires="p14">
+      <p:transition p14:dur="0" advTm="4411"/>
+    </mc:Choice>
+    <mc:Fallback xmlns="">
+      <p:transition advTm="4411"/>
     </mc:Fallback>
   </mc:AlternateContent>
 </p:sld>
@@ -16195,8 +17905,8 @@
         </p:nvSpPr>
         <p:spPr>
           <a:xfrm>
-            <a:off x="624422" y="236155"/>
-            <a:ext cx="10993967" cy="336000"/>
+            <a:off x="624422" y="294967"/>
+            <a:ext cx="10993967" cy="668593"/>
           </a:xfrm>
           <a:prstGeom prst="rect">
             <a:avLst/>
@@ -16227,38 +17937,52 @@
           </a:lstStyle>
           <a:p>
             <a:r>
-              <a:rPr lang="de-DE" dirty="0" err="1">
+              <a:rPr lang="de-DE" sz="2400" dirty="0">
                 <a:latin typeface="Calibri" panose="020F0502020204030204" pitchFamily="34" charset="0"/>
                 <a:cs typeface="Calibri" panose="020F0502020204030204" pitchFamily="34" charset="0"/>
               </a:rPr>
-              <a:t>research</a:t>
-            </a:r>
-            <a:r>
-              <a:rPr lang="de-DE" dirty="0">
+              <a:t>ML feature </a:t>
+            </a:r>
+            <a:r>
+              <a:rPr lang="de-DE" sz="2400" dirty="0" err="1">
                 <a:latin typeface="Calibri" panose="020F0502020204030204" pitchFamily="34" charset="0"/>
                 <a:cs typeface="Calibri" panose="020F0502020204030204" pitchFamily="34" charset="0"/>
               </a:rPr>
-              <a:t> </a:t>
-            </a:r>
-            <a:r>
-              <a:rPr lang="de-DE" dirty="0" err="1">
+              <a:t>based</a:t>
+            </a:r>
+            <a:r>
+              <a:rPr lang="de-DE" sz="2400" dirty="0">
                 <a:latin typeface="Calibri" panose="020F0502020204030204" pitchFamily="34" charset="0"/>
                 <a:cs typeface="Calibri" panose="020F0502020204030204" pitchFamily="34" charset="0"/>
               </a:rPr>
-              <a:t>question</a:t>
+              <a:t> (SSEC-own </a:t>
+            </a:r>
+            <a:r>
+              <a:rPr lang="de-DE" sz="2400" dirty="0" err="1">
+                <a:latin typeface="Calibri" panose="020F0502020204030204" pitchFamily="34" charset="0"/>
+                <a:cs typeface="Calibri" panose="020F0502020204030204" pitchFamily="34" charset="0"/>
+              </a:rPr>
+              <a:t>corpus</a:t>
+            </a:r>
+            <a:r>
+              <a:rPr lang="de-DE" sz="2400" dirty="0">
+                <a:latin typeface="Calibri" panose="020F0502020204030204" pitchFamily="34" charset="0"/>
+                <a:cs typeface="Calibri" panose="020F0502020204030204" pitchFamily="34" charset="0"/>
+              </a:rPr>
+              <a:t>)</a:t>
             </a:r>
             <a:br>
-              <a:rPr lang="de-DE" dirty="0">
+              <a:rPr lang="de-DE" sz="2400" dirty="0">
                 <a:latin typeface="Calibri" panose="020F0502020204030204" pitchFamily="34" charset="0"/>
                 <a:cs typeface="Calibri" panose="020F0502020204030204" pitchFamily="34" charset="0"/>
               </a:rPr>
             </a:br>
             <a:r>
-              <a:rPr lang="en-US" b="0" dirty="0">
+              <a:rPr lang="en-US" sz="2400" b="0" dirty="0">
                 <a:latin typeface="Calibri" panose="020F0502020204030204" pitchFamily="34" charset="0"/>
                 <a:cs typeface="Calibri" panose="020F0502020204030204" pitchFamily="34" charset="0"/>
               </a:rPr>
-              <a:t>first corpus/method</a:t>
+              <a:t>background</a:t>
             </a:r>
           </a:p>
         </p:txBody>
@@ -16281,8 +18005,8 @@
         </p:nvSpPr>
         <p:spPr>
           <a:xfrm>
-            <a:off x="622300" y="1882193"/>
-            <a:ext cx="10456443" cy="3467723"/>
+            <a:off x="355005" y="1478832"/>
+            <a:ext cx="5298543" cy="3211155"/>
           </a:xfrm>
         </p:spPr>
         <p:txBody>
@@ -16290,289 +18014,512 @@
           <a:lstStyle/>
           <a:p>
             <a:r>
-              <a:rPr lang="en-US" sz="2000" dirty="0">
+              <a:rPr lang="en-US" sz="1600" b="1" dirty="0">
                 <a:latin typeface="Calibri" panose="020F0502020204030204" pitchFamily="34" charset="0"/>
                 <a:cs typeface="Calibri" panose="020F0502020204030204" pitchFamily="34" charset="0"/>
               </a:rPr>
-              <a:t>data source </a:t>
-            </a:r>
-            <a:r>
-              <a:rPr lang="en-US" sz="2000" dirty="0">
-                <a:solidFill>
-                  <a:schemeClr val="accent1"/>
-                </a:solidFill>
+              <a:t>goal:</a:t>
+            </a:r>
+          </a:p>
+          <a:p>
+            <a:pPr lvl="1"/>
+            <a:r>
+              <a:rPr lang="en-US" sz="1600" dirty="0">
                 <a:latin typeface="Calibri" panose="020F0502020204030204" pitchFamily="34" charset="0"/>
                 <a:cs typeface="Calibri" panose="020F0502020204030204" pitchFamily="34" charset="0"/>
-                <a:sym typeface="Wingdings" panose="05000000000000000000" pitchFamily="2" charset="2"/>
               </a:rPr>
-              <a:t></a:t>
-            </a:r>
-            <a:r>
-              <a:rPr lang="en-US" sz="2000" dirty="0">
+              <a:t>automatically annotate our own corpus to compare our own annotations with the automatically generated ones</a:t>
+            </a:r>
+          </a:p>
+          <a:p>
+            <a:r>
+              <a:rPr lang="en-US" sz="1600" b="1" dirty="0">
                 <a:latin typeface="Calibri" panose="020F0502020204030204" pitchFamily="34" charset="0"/>
                 <a:cs typeface="Calibri" panose="020F0502020204030204" pitchFamily="34" charset="0"/>
-                <a:sym typeface="Wingdings" panose="05000000000000000000" pitchFamily="2" charset="2"/>
               </a:rPr>
-              <a:t> SSEC</a:t>
-            </a:r>
-            <a:endParaRPr lang="en-US" sz="2000" dirty="0">
+              <a:t>method:</a:t>
+            </a:r>
+          </a:p>
+          <a:p>
+            <a:pPr lvl="1"/>
+            <a:r>
+              <a:rPr lang="en-US" sz="1600" dirty="0">
+                <a:latin typeface="Calibri" panose="020F0502020204030204" pitchFamily="34" charset="0"/>
+                <a:cs typeface="Calibri" panose="020F0502020204030204" pitchFamily="34" charset="0"/>
+              </a:rPr>
+              <a:t>feature based ML</a:t>
+            </a:r>
+          </a:p>
+          <a:p>
+            <a:r>
+              <a:rPr lang="en-US" sz="1600" b="1" dirty="0">
+                <a:latin typeface="Calibri" panose="020F0502020204030204" pitchFamily="34" charset="0"/>
+                <a:cs typeface="Calibri" panose="020F0502020204030204" pitchFamily="34" charset="0"/>
+              </a:rPr>
+              <a:t>problem:</a:t>
+            </a:r>
+          </a:p>
+          <a:p>
+            <a:pPr lvl="1"/>
+            <a:r>
+              <a:rPr lang="en-US" sz="1600" dirty="0">
+                <a:latin typeface="Calibri" panose="020F0502020204030204" pitchFamily="34" charset="0"/>
+                <a:cs typeface="Calibri" panose="020F0502020204030204" pitchFamily="34" charset="0"/>
+              </a:rPr>
+              <a:t>our corpus does not include enough data do perform proper training on it (especially when considering one needs hold out data for evaluation)</a:t>
+            </a:r>
+          </a:p>
+        </p:txBody>
+      </p:sp>
+      <p:sp>
+        <p:nvSpPr>
+          <p:cNvPr id="14" name="Inhaltsplatzhalter 3">
+            <a:extLst>
+              <a:ext uri="{FF2B5EF4-FFF2-40B4-BE49-F238E27FC236}">
+                <a16:creationId xmlns:a16="http://schemas.microsoft.com/office/drawing/2014/main" id="{451756B4-8229-43FE-A994-17E2A4EE6F29}"/>
+              </a:ext>
+            </a:extLst>
+          </p:cNvPr>
+          <p:cNvSpPr txBox="1">
+            <a:spLocks/>
+          </p:cNvSpPr>
+          <p:nvPr/>
+        </p:nvSpPr>
+        <p:spPr>
+          <a:xfrm>
+            <a:off x="6270095" y="1478832"/>
+            <a:ext cx="5298543" cy="3211155"/>
+          </a:xfrm>
+          <a:prstGeom prst="rect">
+            <a:avLst/>
+          </a:prstGeom>
+        </p:spPr>
+        <p:txBody>
+          <a:bodyPr vert="horz" lIns="0" tIns="0" rIns="0" bIns="0" rtlCol="0" anchor="t" anchorCtr="0">
+            <a:noAutofit/>
+          </a:bodyPr>
+          <a:lstStyle>
+            <a:lvl1pPr marL="228592" indent="-228592" algn="l" defTabSz="914368" rtl="0" eaLnBrk="1" latinLnBrk="0" hangingPunct="1">
+              <a:lnSpc>
+                <a:spcPct val="120000"/>
+              </a:lnSpc>
+              <a:spcBef>
+                <a:spcPts val="1000"/>
+              </a:spcBef>
+              <a:buClr>
+                <a:schemeClr val="accent1"/>
+              </a:buClr>
+              <a:buSzPct val="110000"/>
+              <a:buFont typeface="Wingdings" panose="05000000000000000000" pitchFamily="2" charset="2"/>
+              <a:buChar char="§"/>
+              <a:defRPr sz="2200" kern="1200">
+                <a:solidFill>
+                  <a:schemeClr val="tx1"/>
+                </a:solidFill>
+                <a:latin typeface="+mn-lt"/>
+                <a:ea typeface="+mn-ea"/>
+                <a:cs typeface="+mn-cs"/>
+              </a:defRPr>
+            </a:lvl1pPr>
+            <a:lvl2pPr marL="480468" indent="-245525" algn="l" defTabSz="914368" rtl="0" eaLnBrk="1" latinLnBrk="0" hangingPunct="1">
+              <a:lnSpc>
+                <a:spcPct val="120000"/>
+              </a:lnSpc>
+              <a:spcBef>
+                <a:spcPts val="501"/>
+              </a:spcBef>
+              <a:buClr>
+                <a:schemeClr val="accent2"/>
+              </a:buClr>
+              <a:buSzPct val="105000"/>
+              <a:buFont typeface="Wingdings" panose="05000000000000000000" pitchFamily="2" charset="2"/>
+              <a:buChar char="§"/>
+              <a:defRPr sz="2200" kern="1200">
+                <a:solidFill>
+                  <a:schemeClr val="tx1"/>
+                </a:solidFill>
+                <a:latin typeface="+mn-lt"/>
+                <a:ea typeface="+mn-ea"/>
+                <a:cs typeface="+mn-cs"/>
+              </a:defRPr>
+            </a:lvl2pPr>
+            <a:lvl3pPr marL="715409" indent="-234943" algn="l" defTabSz="914368" rtl="0" eaLnBrk="1" latinLnBrk="0" hangingPunct="1">
+              <a:lnSpc>
+                <a:spcPct val="120000"/>
+              </a:lnSpc>
+              <a:spcBef>
+                <a:spcPts val="501"/>
+              </a:spcBef>
+              <a:buClr>
+                <a:schemeClr val="accent1"/>
+              </a:buClr>
+              <a:buFont typeface="Arial" panose="020B0604020202020204" pitchFamily="34" charset="0"/>
+              <a:buChar char="•"/>
+              <a:defRPr sz="2200" kern="1200">
+                <a:solidFill>
+                  <a:schemeClr val="tx1"/>
+                </a:solidFill>
+                <a:latin typeface="+mn-lt"/>
+                <a:ea typeface="+mn-ea"/>
+                <a:cs typeface="+mn-cs"/>
+              </a:defRPr>
+            </a:lvl3pPr>
+            <a:lvl4pPr marL="960933" indent="-245525" algn="l" defTabSz="914368" rtl="0" eaLnBrk="1" latinLnBrk="0" hangingPunct="1">
+              <a:lnSpc>
+                <a:spcPct val="120000"/>
+              </a:lnSpc>
+              <a:spcBef>
+                <a:spcPts val="501"/>
+              </a:spcBef>
+              <a:buClr>
+                <a:schemeClr val="accent2"/>
+              </a:buClr>
+              <a:buFont typeface="Arial" panose="020B0604020202020204" pitchFamily="34" charset="0"/>
+              <a:buChar char="•"/>
+              <a:defRPr sz="2200" kern="1200">
+                <a:solidFill>
+                  <a:schemeClr val="tx1"/>
+                </a:solidFill>
+                <a:latin typeface="+mn-lt"/>
+                <a:ea typeface="+mn-ea"/>
+                <a:cs typeface="+mn-cs"/>
+              </a:defRPr>
+            </a:lvl4pPr>
+            <a:lvl5pPr marL="1195875" indent="-234943" algn="l" defTabSz="914368" rtl="0" eaLnBrk="1" latinLnBrk="0" hangingPunct="1">
+              <a:lnSpc>
+                <a:spcPct val="120000"/>
+              </a:lnSpc>
+              <a:spcBef>
+                <a:spcPts val="501"/>
+              </a:spcBef>
+              <a:buClr>
+                <a:schemeClr val="accent1"/>
+              </a:buClr>
+              <a:buFont typeface="Arial" panose="020B0604020202020204" pitchFamily="34" charset="0"/>
+              <a:buChar char="•"/>
+              <a:defRPr sz="2200" kern="1200">
+                <a:solidFill>
+                  <a:schemeClr val="tx1"/>
+                </a:solidFill>
+                <a:latin typeface="+mn-lt"/>
+                <a:ea typeface="+mn-ea"/>
+                <a:cs typeface="+mn-cs"/>
+              </a:defRPr>
+            </a:lvl5pPr>
+            <a:lvl6pPr marL="2514512" indent="-228592" algn="l" defTabSz="914368" rtl="0" eaLnBrk="1" latinLnBrk="0" hangingPunct="1">
+              <a:lnSpc>
+                <a:spcPct val="90000"/>
+              </a:lnSpc>
+              <a:spcBef>
+                <a:spcPts val="501"/>
+              </a:spcBef>
+              <a:buFont typeface="Arial" panose="020B0604020202020204" pitchFamily="34" charset="0"/>
+              <a:buChar char="•"/>
+              <a:defRPr sz="1800" kern="1200">
+                <a:solidFill>
+                  <a:schemeClr val="tx1"/>
+                </a:solidFill>
+                <a:latin typeface="+mn-lt"/>
+                <a:ea typeface="+mn-ea"/>
+                <a:cs typeface="+mn-cs"/>
+              </a:defRPr>
+            </a:lvl6pPr>
+            <a:lvl7pPr marL="2971696" indent="-228592" algn="l" defTabSz="914368" rtl="0" eaLnBrk="1" latinLnBrk="0" hangingPunct="1">
+              <a:lnSpc>
+                <a:spcPct val="90000"/>
+              </a:lnSpc>
+              <a:spcBef>
+                <a:spcPts val="501"/>
+              </a:spcBef>
+              <a:buFont typeface="Arial" panose="020B0604020202020204" pitchFamily="34" charset="0"/>
+              <a:buChar char="•"/>
+              <a:defRPr sz="1800" kern="1200">
+                <a:solidFill>
+                  <a:schemeClr val="tx1"/>
+                </a:solidFill>
+                <a:latin typeface="+mn-lt"/>
+                <a:ea typeface="+mn-ea"/>
+                <a:cs typeface="+mn-cs"/>
+              </a:defRPr>
+            </a:lvl7pPr>
+            <a:lvl8pPr marL="3428880" indent="-228592" algn="l" defTabSz="914368" rtl="0" eaLnBrk="1" latinLnBrk="0" hangingPunct="1">
+              <a:lnSpc>
+                <a:spcPct val="90000"/>
+              </a:lnSpc>
+              <a:spcBef>
+                <a:spcPts val="501"/>
+              </a:spcBef>
+              <a:buFont typeface="Arial" panose="020B0604020202020204" pitchFamily="34" charset="0"/>
+              <a:buChar char="•"/>
+              <a:defRPr sz="1800" kern="1200">
+                <a:solidFill>
+                  <a:schemeClr val="tx1"/>
+                </a:solidFill>
+                <a:latin typeface="+mn-lt"/>
+                <a:ea typeface="+mn-ea"/>
+                <a:cs typeface="+mn-cs"/>
+              </a:defRPr>
+            </a:lvl8pPr>
+            <a:lvl9pPr marL="3886064" indent="-228592" algn="l" defTabSz="914368" rtl="0" eaLnBrk="1" latinLnBrk="0" hangingPunct="1">
+              <a:lnSpc>
+                <a:spcPct val="90000"/>
+              </a:lnSpc>
+              <a:spcBef>
+                <a:spcPts val="501"/>
+              </a:spcBef>
+              <a:buFont typeface="Arial" panose="020B0604020202020204" pitchFamily="34" charset="0"/>
+              <a:buChar char="•"/>
+              <a:defRPr sz="1800" kern="1200">
+                <a:solidFill>
+                  <a:schemeClr val="tx1"/>
+                </a:solidFill>
+                <a:latin typeface="+mn-lt"/>
+                <a:ea typeface="+mn-ea"/>
+                <a:cs typeface="+mn-cs"/>
+              </a:defRPr>
+            </a:lvl9pPr>
+          </a:lstStyle>
+          <a:p>
+            <a:r>
+              <a:rPr lang="en-US" sz="1600" b="1" dirty="0">
+                <a:latin typeface="Calibri" panose="020F0502020204030204" pitchFamily="34" charset="0"/>
+                <a:cs typeface="Calibri" panose="020F0502020204030204" pitchFamily="34" charset="0"/>
+              </a:rPr>
+              <a:t>solution:</a:t>
+            </a:r>
+          </a:p>
+          <a:p>
+            <a:pPr lvl="1"/>
+            <a:r>
+              <a:rPr lang="en-US" sz="1600" dirty="0">
+                <a:latin typeface="Calibri" panose="020F0502020204030204" pitchFamily="34" charset="0"/>
+                <a:cs typeface="Calibri" panose="020F0502020204030204" pitchFamily="34" charset="0"/>
+              </a:rPr>
+              <a:t>use another dataset for training</a:t>
+            </a:r>
+          </a:p>
+          <a:p>
+            <a:pPr lvl="0">
+              <a:buClr>
+                <a:srgbClr val="00BEFF"/>
+              </a:buClr>
+            </a:pPr>
+            <a:r>
+              <a:rPr lang="en-US" sz="1600" dirty="0">
+                <a:solidFill>
+                  <a:srgbClr val="3E444C"/>
+                </a:solidFill>
+                <a:latin typeface="Calibri" panose="020F0502020204030204" pitchFamily="34" charset="0"/>
+                <a:cs typeface="Calibri" panose="020F0502020204030204" pitchFamily="34" charset="0"/>
+              </a:rPr>
+              <a:t>the training data must meet the following criteria:</a:t>
+            </a:r>
+          </a:p>
+          <a:p>
+            <a:pPr lvl="1">
+              <a:buClr>
+                <a:srgbClr val="00519E"/>
+              </a:buClr>
+            </a:pPr>
+            <a:r>
+              <a:rPr lang="en-US" sz="1600" dirty="0">
+                <a:solidFill>
+                  <a:srgbClr val="3E444C"/>
+                </a:solidFill>
+                <a:latin typeface="Calibri" panose="020F0502020204030204" pitchFamily="34" charset="0"/>
+                <a:cs typeface="Calibri" panose="020F0502020204030204" pitchFamily="34" charset="0"/>
+              </a:rPr>
+              <a:t>must provide enough training data</a:t>
+            </a:r>
+          </a:p>
+          <a:p>
+            <a:pPr lvl="1">
+              <a:buClr>
+                <a:srgbClr val="00519E"/>
+              </a:buClr>
+            </a:pPr>
+            <a:r>
+              <a:rPr lang="en-US" sz="1600" dirty="0">
+                <a:solidFill>
+                  <a:srgbClr val="3E444C"/>
+                </a:solidFill>
+                <a:latin typeface="Calibri" panose="020F0502020204030204" pitchFamily="34" charset="0"/>
+                <a:cs typeface="Calibri" panose="020F0502020204030204" pitchFamily="34" charset="0"/>
+              </a:rPr>
+              <a:t>the labels must match the ones we used on our own corpus</a:t>
+            </a:r>
+            <a:br>
+              <a:rPr lang="en-US" sz="1600" dirty="0">
+                <a:solidFill>
+                  <a:srgbClr val="3E444C"/>
+                </a:solidFill>
+                <a:latin typeface="Calibri" panose="020F0502020204030204" pitchFamily="34" charset="0"/>
+                <a:cs typeface="Calibri" panose="020F0502020204030204" pitchFamily="34" charset="0"/>
+              </a:rPr>
+            </a:br>
+            <a:r>
+              <a:rPr lang="en-US" sz="1600" dirty="0">
+                <a:solidFill>
+                  <a:srgbClr val="3E444C"/>
+                </a:solidFill>
+                <a:latin typeface="Calibri" panose="020F0502020204030204" pitchFamily="34" charset="0"/>
+                <a:cs typeface="Calibri" panose="020F0502020204030204" pitchFamily="34" charset="0"/>
+              </a:rPr>
+              <a:t>(</a:t>
+            </a:r>
+            <a:r>
+              <a:rPr lang="en-US" sz="1600" dirty="0" err="1">
+                <a:solidFill>
+                  <a:srgbClr val="3E444C"/>
+                </a:solidFill>
+                <a:latin typeface="Calibri" panose="020F0502020204030204" pitchFamily="34" charset="0"/>
+                <a:cs typeface="Calibri" panose="020F0502020204030204" pitchFamily="34" charset="0"/>
+              </a:rPr>
+              <a:t>Plutchik’s</a:t>
+            </a:r>
+            <a:r>
+              <a:rPr lang="en-US" sz="1600" dirty="0">
+                <a:solidFill>
+                  <a:srgbClr val="3E444C"/>
+                </a:solidFill>
+                <a:latin typeface="Calibri" panose="020F0502020204030204" pitchFamily="34" charset="0"/>
+                <a:cs typeface="Calibri" panose="020F0502020204030204" pitchFamily="34" charset="0"/>
+              </a:rPr>
+              <a:t> eight emotions, multi-label)</a:t>
+            </a:r>
+          </a:p>
+          <a:p>
+            <a:pPr lvl="1">
+              <a:buClr>
+                <a:srgbClr val="00519E"/>
+              </a:buClr>
+            </a:pPr>
+            <a:r>
+              <a:rPr lang="en-US" sz="1600" dirty="0">
+                <a:solidFill>
+                  <a:srgbClr val="3E444C"/>
+                </a:solidFill>
+                <a:latin typeface="Calibri" panose="020F0502020204030204" pitchFamily="34" charset="0"/>
+                <a:cs typeface="Calibri" panose="020F0502020204030204" pitchFamily="34" charset="0"/>
+              </a:rPr>
+              <a:t>the domain should be similar</a:t>
+            </a:r>
+          </a:p>
+          <a:p>
+            <a:pPr marL="0" indent="0">
+              <a:spcBef>
+                <a:spcPts val="501"/>
+              </a:spcBef>
+              <a:buClr>
+                <a:srgbClr val="00519E"/>
+              </a:buClr>
+              <a:buSzPct val="105000"/>
+              <a:buNone/>
+            </a:pPr>
+            <a:r>
+              <a:rPr lang="en-US" sz="1600" b="1" dirty="0">
+                <a:solidFill>
+                  <a:schemeClr val="accent2"/>
+                </a:solidFill>
+                <a:latin typeface="Calibri" panose="020F0502020204030204" pitchFamily="34" charset="0"/>
+                <a:cs typeface="Calibri" panose="020F0502020204030204" pitchFamily="34" charset="0"/>
+                <a:sym typeface="Symbol" panose="05050102010706020507" pitchFamily="18" charset="2"/>
+              </a:rPr>
+              <a:t>	 </a:t>
+            </a:r>
+            <a:r>
+              <a:rPr lang="en-US" sz="1600" b="1" dirty="0">
+                <a:solidFill>
+                  <a:srgbClr val="3E444C"/>
+                </a:solidFill>
+                <a:latin typeface="Calibri" panose="020F0502020204030204" pitchFamily="34" charset="0"/>
+                <a:cs typeface="Calibri" panose="020F0502020204030204" pitchFamily="34" charset="0"/>
+              </a:rPr>
+              <a:t>SSEC</a:t>
+            </a:r>
+            <a:r>
+              <a:rPr lang="en-US" sz="1600" dirty="0">
+                <a:solidFill>
+                  <a:srgbClr val="3E444C"/>
+                </a:solidFill>
+                <a:latin typeface="Calibri" panose="020F0502020204030204" pitchFamily="34" charset="0"/>
+                <a:cs typeface="Calibri" panose="020F0502020204030204" pitchFamily="34" charset="0"/>
+              </a:rPr>
+              <a:t> meets all of these criteria</a:t>
+            </a:r>
+            <a:endParaRPr lang="en-US" sz="1600" dirty="0">
               <a:latin typeface="Calibri" panose="020F0502020204030204" pitchFamily="34" charset="0"/>
               <a:cs typeface="Calibri" panose="020F0502020204030204" pitchFamily="34" charset="0"/>
             </a:endParaRPr>
           </a:p>
-          <a:p>
-            <a:pPr lvl="1"/>
-            <a:r>
-              <a:rPr lang="en-US" sz="2000" dirty="0">
+        </p:txBody>
+      </p:sp>
+      <p:sp>
+        <p:nvSpPr>
+          <p:cNvPr id="15" name="Textfeld 14">
+            <a:extLst>
+              <a:ext uri="{FF2B5EF4-FFF2-40B4-BE49-F238E27FC236}">
+                <a16:creationId xmlns:a16="http://schemas.microsoft.com/office/drawing/2014/main" id="{E7CDCE55-29B1-485D-84C4-B2AEB07C5F3F}"/>
+              </a:ext>
+            </a:extLst>
+          </p:cNvPr>
+          <p:cNvSpPr txBox="1"/>
+          <p:nvPr/>
+        </p:nvSpPr>
+        <p:spPr>
+          <a:xfrm>
+            <a:off x="1277602" y="5053780"/>
+            <a:ext cx="9636795" cy="1017962"/>
+          </a:xfrm>
+          <a:prstGeom prst="roundRect">
+            <a:avLst/>
+          </a:prstGeom>
+        </p:spPr>
+        <p:style>
+          <a:lnRef idx="2">
+            <a:schemeClr val="accent1"/>
+          </a:lnRef>
+          <a:fillRef idx="1">
+            <a:schemeClr val="lt1"/>
+          </a:fillRef>
+          <a:effectRef idx="0">
+            <a:schemeClr val="accent1"/>
+          </a:effectRef>
+          <a:fontRef idx="minor">
+            <a:schemeClr val="dk1"/>
+          </a:fontRef>
+        </p:style>
+        <p:txBody>
+          <a:bodyPr wrap="none" lIns="0" tIns="0" rIns="0" bIns="0" rtlCol="0" anchor="ctr">
+            <a:noAutofit/>
+          </a:bodyPr>
+          <a:lstStyle/>
+          <a:p>
+            <a:r>
+              <a:rPr lang="en-US" sz="1800" b="1" dirty="0">
                 <a:latin typeface="Calibri" panose="020F0502020204030204" pitchFamily="34" charset="0"/>
                 <a:cs typeface="Calibri" panose="020F0502020204030204" pitchFamily="34" charset="0"/>
               </a:rPr>
-              <a:t>Plutchik’s 8 emotions</a:t>
-            </a:r>
-          </a:p>
-          <a:p>
-            <a:pPr lvl="1"/>
-            <a:r>
-              <a:rPr lang="en-US" sz="2000" dirty="0">
+              <a:t>research question:</a:t>
+            </a:r>
+            <a:br>
+              <a:rPr lang="en-US" sz="1800" b="1" dirty="0">
                 <a:latin typeface="Calibri" panose="020F0502020204030204" pitchFamily="34" charset="0"/>
                 <a:cs typeface="Calibri" panose="020F0502020204030204" pitchFamily="34" charset="0"/>
               </a:rPr>
-              <a:t>multi-label</a:t>
-            </a:r>
-          </a:p>
-          <a:p>
-            <a:pPr lvl="1"/>
-            <a:r>
-              <a:rPr lang="en-US" sz="2000" dirty="0">
+            </a:br>
+            <a:br>
+              <a:rPr lang="en-US" sz="1800" b="1" dirty="0">
                 <a:latin typeface="Calibri" panose="020F0502020204030204" pitchFamily="34" charset="0"/>
                 <a:cs typeface="Calibri" panose="020F0502020204030204" pitchFamily="34" charset="0"/>
               </a:rPr>
-              <a:t>valence scores (or reprocessing of our annotations)</a:t>
-            </a:r>
-          </a:p>
-          <a:p>
-            <a:r>
-              <a:rPr lang="en-US" sz="2000" dirty="0">
+            </a:br>
+            <a:r>
+              <a:rPr lang="en-US" sz="1800" dirty="0">
                 <a:latin typeface="Calibri" panose="020F0502020204030204" pitchFamily="34" charset="0"/>
                 <a:cs typeface="Calibri" panose="020F0502020204030204" pitchFamily="34" charset="0"/>
               </a:rPr>
-              <a:t>method </a:t>
-            </a:r>
-            <a:r>
-              <a:rPr lang="en-US" sz="2000" dirty="0">
-                <a:solidFill>
-                  <a:schemeClr val="accent1"/>
-                </a:solidFill>
-                <a:latin typeface="Calibri" panose="020F0502020204030204" pitchFamily="34" charset="0"/>
-                <a:cs typeface="Calibri" panose="020F0502020204030204" pitchFamily="34" charset="0"/>
-                <a:sym typeface="Wingdings" panose="05000000000000000000" pitchFamily="2" charset="2"/>
-              </a:rPr>
-              <a:t></a:t>
-            </a:r>
-            <a:r>
-              <a:rPr lang="en-US" sz="2000" dirty="0">
-                <a:latin typeface="Calibri" panose="020F0502020204030204" pitchFamily="34" charset="0"/>
-                <a:cs typeface="Calibri" panose="020F0502020204030204" pitchFamily="34" charset="0"/>
-                <a:sym typeface="Wingdings" panose="05000000000000000000" pitchFamily="2" charset="2"/>
-              </a:rPr>
-              <a:t> feature-based </a:t>
-            </a:r>
-            <a:r>
-              <a:rPr lang="en-US" sz="2000" dirty="0">
-                <a:highlight>
-                  <a:srgbClr val="FFFF00"/>
-                </a:highlight>
-                <a:latin typeface="Calibri" panose="020F0502020204030204" pitchFamily="34" charset="0"/>
-                <a:cs typeface="Calibri" panose="020F0502020204030204" pitchFamily="34" charset="0"/>
-                <a:sym typeface="Wingdings" panose="05000000000000000000" pitchFamily="2" charset="2"/>
-              </a:rPr>
-              <a:t>XY</a:t>
-            </a:r>
-          </a:p>
-          <a:p>
-            <a:pPr lvl="1"/>
-            <a:r>
-              <a:rPr lang="en-US" sz="2000" dirty="0">
-                <a:latin typeface="Calibri" panose="020F0502020204030204" pitchFamily="34" charset="0"/>
-                <a:cs typeface="Calibri" panose="020F0502020204030204" pitchFamily="34" charset="0"/>
-                <a:sym typeface="Wingdings" panose="05000000000000000000" pitchFamily="2" charset="2"/>
-              </a:rPr>
-              <a:t>training necessary per research question (no dictionary/OCC)</a:t>
-            </a:r>
-          </a:p>
-          <a:p>
-            <a:pPr lvl="1"/>
-            <a:r>
-              <a:rPr lang="en-US" sz="2000" dirty="0" err="1">
-                <a:highlight>
-                  <a:srgbClr val="FFFF00"/>
-                </a:highlight>
-                <a:latin typeface="Calibri" panose="020F0502020204030204" pitchFamily="34" charset="0"/>
-                <a:cs typeface="Calibri" panose="020F0502020204030204" pitchFamily="34" charset="0"/>
-                <a:sym typeface="Wingdings" panose="05000000000000000000" pitchFamily="2" charset="2"/>
-              </a:rPr>
-              <a:t>Irgendwas</a:t>
-            </a:r>
-            <a:r>
-              <a:rPr lang="en-US" sz="2000" dirty="0">
-                <a:highlight>
-                  <a:srgbClr val="FFFF00"/>
-                </a:highlight>
-                <a:latin typeface="Calibri" panose="020F0502020204030204" pitchFamily="34" charset="0"/>
-                <a:cs typeface="Calibri" panose="020F0502020204030204" pitchFamily="34" charset="0"/>
-                <a:sym typeface="Wingdings" panose="05000000000000000000" pitchFamily="2" charset="2"/>
-              </a:rPr>
-              <a:t> </a:t>
-            </a:r>
-            <a:r>
-              <a:rPr lang="en-US" sz="2000" dirty="0" err="1">
-                <a:highlight>
-                  <a:srgbClr val="FFFF00"/>
-                </a:highlight>
-                <a:latin typeface="Calibri" panose="020F0502020204030204" pitchFamily="34" charset="0"/>
-                <a:cs typeface="Calibri" panose="020F0502020204030204" pitchFamily="34" charset="0"/>
-                <a:sym typeface="Wingdings" panose="05000000000000000000" pitchFamily="2" charset="2"/>
-              </a:rPr>
-              <a:t>weshalb</a:t>
-            </a:r>
-            <a:r>
-              <a:rPr lang="en-US" sz="2000" dirty="0">
-                <a:highlight>
-                  <a:srgbClr val="FFFF00"/>
-                </a:highlight>
-                <a:latin typeface="Calibri" panose="020F0502020204030204" pitchFamily="34" charset="0"/>
-                <a:cs typeface="Calibri" panose="020F0502020204030204" pitchFamily="34" charset="0"/>
-                <a:sym typeface="Wingdings" panose="05000000000000000000" pitchFamily="2" charset="2"/>
-              </a:rPr>
-              <a:t> </a:t>
-            </a:r>
-            <a:r>
-              <a:rPr lang="en-US" sz="2000" dirty="0" err="1">
-                <a:highlight>
-                  <a:srgbClr val="FFFF00"/>
-                </a:highlight>
-                <a:latin typeface="Calibri" panose="020F0502020204030204" pitchFamily="34" charset="0"/>
-                <a:cs typeface="Calibri" panose="020F0502020204030204" pitchFamily="34" charset="0"/>
-                <a:sym typeface="Wingdings" panose="05000000000000000000" pitchFamily="2" charset="2"/>
-              </a:rPr>
-              <a:t>kein</a:t>
-            </a:r>
-            <a:r>
-              <a:rPr lang="en-US" sz="2000" dirty="0">
-                <a:highlight>
-                  <a:srgbClr val="FFFF00"/>
-                </a:highlight>
-                <a:latin typeface="Calibri" panose="020F0502020204030204" pitchFamily="34" charset="0"/>
-                <a:cs typeface="Calibri" panose="020F0502020204030204" pitchFamily="34" charset="0"/>
-                <a:sym typeface="Wingdings" panose="05000000000000000000" pitchFamily="2" charset="2"/>
-              </a:rPr>
-              <a:t> NN </a:t>
-            </a:r>
-            <a:r>
-              <a:rPr lang="en-US" sz="2000" dirty="0">
-                <a:latin typeface="Calibri" panose="020F0502020204030204" pitchFamily="34" charset="0"/>
-                <a:cs typeface="Calibri" panose="020F0502020204030204" pitchFamily="34" charset="0"/>
-                <a:sym typeface="Wingdings" panose="05000000000000000000" pitchFamily="2" charset="2"/>
-              </a:rPr>
-              <a:t>(no NN)</a:t>
-            </a:r>
-          </a:p>
-          <a:p>
-            <a:pPr lvl="1"/>
-            <a:r>
-              <a:rPr lang="en-US" sz="2000" dirty="0" err="1">
-                <a:highlight>
-                  <a:srgbClr val="FFFF00"/>
-                </a:highlight>
-                <a:latin typeface="Calibri" panose="020F0502020204030204" pitchFamily="34" charset="0"/>
-                <a:cs typeface="Calibri" panose="020F0502020204030204" pitchFamily="34" charset="0"/>
-              </a:rPr>
-              <a:t>konkrete</a:t>
-            </a:r>
-            <a:r>
-              <a:rPr lang="en-US" sz="2000" dirty="0">
-                <a:highlight>
-                  <a:srgbClr val="FFFF00"/>
-                </a:highlight>
-                <a:latin typeface="Calibri" panose="020F0502020204030204" pitchFamily="34" charset="0"/>
-                <a:cs typeface="Calibri" panose="020F0502020204030204" pitchFamily="34" charset="0"/>
-              </a:rPr>
-              <a:t> </a:t>
-            </a:r>
-            <a:r>
-              <a:rPr lang="en-US" sz="2000" dirty="0" err="1">
-                <a:highlight>
-                  <a:srgbClr val="FFFF00"/>
-                </a:highlight>
-                <a:latin typeface="Calibri" panose="020F0502020204030204" pitchFamily="34" charset="0"/>
-                <a:cs typeface="Calibri" panose="020F0502020204030204" pitchFamily="34" charset="0"/>
-              </a:rPr>
-              <a:t>Auswahl</a:t>
-            </a:r>
-            <a:r>
-              <a:rPr lang="en-US" sz="2000" dirty="0">
-                <a:highlight>
-                  <a:srgbClr val="FFFF00"/>
-                </a:highlight>
-                <a:latin typeface="Calibri" panose="020F0502020204030204" pitchFamily="34" charset="0"/>
-                <a:cs typeface="Calibri" panose="020F0502020204030204" pitchFamily="34" charset="0"/>
-              </a:rPr>
-              <a:t> </a:t>
-            </a:r>
-            <a:r>
-              <a:rPr lang="en-US" sz="2000" dirty="0" err="1">
-                <a:highlight>
-                  <a:srgbClr val="FFFF00"/>
-                </a:highlight>
-                <a:latin typeface="Calibri" panose="020F0502020204030204" pitchFamily="34" charset="0"/>
-                <a:cs typeface="Calibri" panose="020F0502020204030204" pitchFamily="34" charset="0"/>
-              </a:rPr>
-              <a:t>erklären</a:t>
-            </a:r>
-            <a:endParaRPr lang="en-US" sz="2000" dirty="0">
-              <a:highlight>
-                <a:srgbClr val="FFFF00"/>
-              </a:highlight>
-              <a:latin typeface="Calibri" panose="020F0502020204030204" pitchFamily="34" charset="0"/>
-              <a:cs typeface="Calibri" panose="020F0502020204030204" pitchFamily="34" charset="0"/>
-            </a:endParaRPr>
-          </a:p>
-        </p:txBody>
-      </p:sp>
-      <p:sp>
-        <p:nvSpPr>
-          <p:cNvPr id="2" name="Textfeld 1">
-            <a:extLst>
-              <a:ext uri="{FF2B5EF4-FFF2-40B4-BE49-F238E27FC236}">
-                <a16:creationId xmlns:a16="http://schemas.microsoft.com/office/drawing/2014/main" id="{85FE11BF-250B-4600-A61E-DD285B609904}"/>
-              </a:ext>
-            </a:extLst>
-          </p:cNvPr>
-          <p:cNvSpPr txBox="1"/>
-          <p:nvPr/>
-        </p:nvSpPr>
-        <p:spPr>
-          <a:xfrm>
-            <a:off x="623362" y="1508084"/>
-            <a:ext cx="10456442" cy="307777"/>
-          </a:xfrm>
-          <a:prstGeom prst="rect">
-            <a:avLst/>
-          </a:prstGeom>
-          <a:noFill/>
-        </p:spPr>
-        <p:txBody>
-          <a:bodyPr wrap="square" lIns="0" tIns="0" rIns="0" bIns="0" rtlCol="0">
-            <a:spAutoFit/>
-          </a:bodyPr>
-          <a:lstStyle/>
-          <a:p>
-            <a:r>
-              <a:rPr lang="en-US" sz="2000" b="1" dirty="0">
-                <a:latin typeface="Calibri" panose="020F0502020204030204" pitchFamily="34" charset="0"/>
-                <a:cs typeface="Calibri" panose="020F0502020204030204" pitchFamily="34" charset="0"/>
-              </a:rPr>
-              <a:t>Will a ML-algorithm trained with the same labels as our own corpus annotate the same as we did?</a:t>
+              <a:t>Can our own corpus be automatically annotated by a ML algorithm that is trained on another dataset?</a:t>
             </a:r>
           </a:p>
         </p:txBody>
@@ -16580,7 +18527,7 @@
     </p:spTree>
     <p:extLst>
       <p:ext uri="{BB962C8B-B14F-4D97-AF65-F5344CB8AC3E}">
-        <p14:creationId xmlns:p14="http://schemas.microsoft.com/office/powerpoint/2010/main" val="62670062"/>
+        <p14:creationId xmlns:p14="http://schemas.microsoft.com/office/powerpoint/2010/main" val="1578029176"/>
       </p:ext>
     </p:extLst>
   </p:cSld>
@@ -16617,43 +18564,10 @@
       </p:grpSpPr>
       <p:sp>
         <p:nvSpPr>
-          <p:cNvPr id="3" name="Inhaltsplatzhalter 2">
+          <p:cNvPr id="5" name="Foliennummernplatzhalter 4">
             <a:extLst>
               <a:ext uri="{FF2B5EF4-FFF2-40B4-BE49-F238E27FC236}">
-                <a16:creationId xmlns:a16="http://schemas.microsoft.com/office/drawing/2014/main" id="{30C071D9-C152-4B4C-8670-17953DFAFBAD}"/>
-              </a:ext>
-            </a:extLst>
-          </p:cNvPr>
-          <p:cNvSpPr>
-            <a:spLocks noGrp="1"/>
-          </p:cNvSpPr>
-          <p:nvPr>
-            <p:ph idx="1"/>
-          </p:nvPr>
-        </p:nvSpPr>
-        <p:spPr>
-          <a:xfrm>
-            <a:off x="623362" y="1724144"/>
-            <a:ext cx="8228808" cy="3247248"/>
-          </a:xfrm>
-        </p:spPr>
-        <p:txBody>
-          <a:bodyPr/>
-          <a:lstStyle/>
-          <a:p>
-            <a:endParaRPr lang="en-US" sz="2000" dirty="0">
-              <a:latin typeface="Calibri" panose="020F0502020204030204" pitchFamily="34" charset="0"/>
-              <a:cs typeface="Calibri" panose="020F0502020204030204" pitchFamily="34" charset="0"/>
-            </a:endParaRPr>
-          </a:p>
-        </p:txBody>
-      </p:sp>
-      <p:sp>
-        <p:nvSpPr>
-          <p:cNvPr id="5" name="Foliennummernplatzhalter 4">
-            <a:extLst>
-              <a:ext uri="{FF2B5EF4-FFF2-40B4-BE49-F238E27FC236}">
-                <a16:creationId xmlns:a16="http://schemas.microsoft.com/office/drawing/2014/main" id="{8AA0AB04-E529-4D5B-8313-25777FD9A531}"/>
+                <a16:creationId xmlns:a16="http://schemas.microsoft.com/office/drawing/2014/main" id="{178677E2-3871-4EB1-9638-C60EABEB7788}"/>
               </a:ext>
             </a:extLst>
           </p:cNvPr>
@@ -16684,10 +18598,407 @@
       </p:sp>
       <p:sp>
         <p:nvSpPr>
-          <p:cNvPr id="8" name="Titel 1">
+          <p:cNvPr id="6" name="Fußzeilenplatzhalter 5">
             <a:extLst>
               <a:ext uri="{FF2B5EF4-FFF2-40B4-BE49-F238E27FC236}">
-                <a16:creationId xmlns:a16="http://schemas.microsoft.com/office/drawing/2014/main" id="{030E1C4A-A844-41C0-9D98-62558EDA55DC}"/>
+                <a16:creationId xmlns:a16="http://schemas.microsoft.com/office/drawing/2014/main" id="{8C3F8C20-2557-41C5-939A-FD6E581E5742}"/>
+              </a:ext>
+            </a:extLst>
+          </p:cNvPr>
+          <p:cNvSpPr>
+            <a:spLocks noGrp="1"/>
+          </p:cNvSpPr>
+          <p:nvPr>
+            <p:ph type="ftr" sz="quarter" idx="11"/>
+          </p:nvPr>
+        </p:nvSpPr>
+        <p:spPr>
+          <a:xfrm>
+            <a:off x="623362" y="6659954"/>
+            <a:ext cx="7460324" cy="314777"/>
+          </a:xfrm>
+        </p:spPr>
+        <p:txBody>
+          <a:bodyPr/>
+          <a:lstStyle/>
+          <a:p>
+            <a:pPr algn="ctr"/>
+            <a:r>
+              <a:rPr lang="de-DE" dirty="0"/>
+              <a:t>Emotion Analysis | ML-</a:t>
+            </a:r>
+            <a:r>
+              <a:rPr lang="de-DE" dirty="0" err="1"/>
+              <a:t>based</a:t>
+            </a:r>
+            <a:r>
+              <a:rPr lang="de-DE" dirty="0"/>
+              <a:t> Emotion Classification		           Felix Bühler | Max Wegge | Carlotta Quensel</a:t>
+            </a:r>
+          </a:p>
+        </p:txBody>
+      </p:sp>
+      <p:sp>
+        <p:nvSpPr>
+          <p:cNvPr id="9" name="Inhaltsplatzhalter 3">
+            <a:extLst>
+              <a:ext uri="{FF2B5EF4-FFF2-40B4-BE49-F238E27FC236}">
+                <a16:creationId xmlns:a16="http://schemas.microsoft.com/office/drawing/2014/main" id="{0B7302BF-1A02-4205-B6DB-08DEF3D118E1}"/>
+              </a:ext>
+            </a:extLst>
+          </p:cNvPr>
+          <p:cNvSpPr>
+            <a:spLocks noGrp="1"/>
+          </p:cNvSpPr>
+          <p:nvPr>
+            <p:ph sz="half" idx="1"/>
+          </p:nvPr>
+        </p:nvSpPr>
+        <p:spPr>
+          <a:xfrm>
+            <a:off x="623362" y="1564558"/>
+            <a:ext cx="5059683" cy="4846073"/>
+          </a:xfrm>
+        </p:spPr>
+        <p:txBody>
+          <a:bodyPr anchor="t" anchorCtr="0"/>
+          <a:lstStyle/>
+          <a:p>
+            <a:r>
+              <a:rPr lang="en-US" sz="1800" dirty="0">
+                <a:latin typeface="Calibri" panose="020F0502020204030204" pitchFamily="34" charset="0"/>
+                <a:cs typeface="Calibri" panose="020F0502020204030204" pitchFamily="34" charset="0"/>
+              </a:rPr>
+              <a:t>preprocessing:</a:t>
+            </a:r>
+          </a:p>
+          <a:p>
+            <a:pPr lvl="1"/>
+            <a:r>
+              <a:rPr lang="en-US" sz="1800" dirty="0">
+                <a:latin typeface="Calibri" panose="020F0502020204030204" pitchFamily="34" charset="0"/>
+                <a:cs typeface="Calibri" panose="020F0502020204030204" pitchFamily="34" charset="0"/>
+              </a:rPr>
+              <a:t>remove </a:t>
+            </a:r>
+            <a:r>
+              <a:rPr lang="en-US" sz="1800" dirty="0" err="1">
+                <a:latin typeface="Calibri" panose="020F0502020204030204" pitchFamily="34" charset="0"/>
+                <a:cs typeface="Calibri" panose="020F0502020204030204" pitchFamily="34" charset="0"/>
+              </a:rPr>
+              <a:t>stopwords</a:t>
+            </a:r>
+            <a:endParaRPr lang="en-US" sz="1800" dirty="0">
+              <a:latin typeface="Calibri" panose="020F0502020204030204" pitchFamily="34" charset="0"/>
+              <a:cs typeface="Calibri" panose="020F0502020204030204" pitchFamily="34" charset="0"/>
+            </a:endParaRPr>
+          </a:p>
+          <a:p>
+            <a:pPr lvl="2"/>
+            <a:r>
+              <a:rPr lang="en-US" sz="1800" dirty="0">
+                <a:latin typeface="Calibri" panose="020F0502020204030204" pitchFamily="34" charset="0"/>
+                <a:cs typeface="Calibri" panose="020F0502020204030204" pitchFamily="34" charset="0"/>
+              </a:rPr>
+              <a:t>use </a:t>
+            </a:r>
+            <a:r>
+              <a:rPr lang="en-US" sz="1800" dirty="0" err="1">
+                <a:latin typeface="Calibri" panose="020F0502020204030204" pitchFamily="34" charset="0"/>
+                <a:cs typeface="Calibri" panose="020F0502020204030204" pitchFamily="34" charset="0"/>
+              </a:rPr>
+              <a:t>stopword</a:t>
+            </a:r>
+            <a:r>
+              <a:rPr lang="en-US" sz="1800" dirty="0">
+                <a:latin typeface="Calibri" panose="020F0502020204030204" pitchFamily="34" charset="0"/>
+                <a:cs typeface="Calibri" panose="020F0502020204030204" pitchFamily="34" charset="0"/>
+              </a:rPr>
+              <a:t> list from the NLTK</a:t>
+            </a:r>
+          </a:p>
+          <a:p>
+            <a:pPr lvl="2"/>
+            <a:r>
+              <a:rPr lang="en-US" sz="1800" dirty="0">
+                <a:latin typeface="Calibri" panose="020F0502020204030204" pitchFamily="34" charset="0"/>
+                <a:cs typeface="Calibri" panose="020F0502020204030204" pitchFamily="34" charset="0"/>
+              </a:rPr>
+              <a:t>keep ‘not’ as it could bear emotional meaning</a:t>
+            </a:r>
+          </a:p>
+          <a:p>
+            <a:pPr lvl="2"/>
+            <a:r>
+              <a:rPr lang="en-US" sz="1800" dirty="0">
+                <a:latin typeface="Calibri" panose="020F0502020204030204" pitchFamily="34" charset="0"/>
+                <a:cs typeface="Calibri" panose="020F0502020204030204" pitchFamily="34" charset="0"/>
+              </a:rPr>
+              <a:t>punctuation marks (‘.’ , ‘:’ , ‘,’ ,…)</a:t>
+            </a:r>
+          </a:p>
+          <a:p>
+            <a:pPr lvl="1"/>
+            <a:r>
+              <a:rPr lang="en-US" sz="1800" dirty="0">
+                <a:latin typeface="Calibri" panose="020F0502020204030204" pitchFamily="34" charset="0"/>
+                <a:cs typeface="Calibri" panose="020F0502020204030204" pitchFamily="34" charset="0"/>
+              </a:rPr>
+              <a:t>stemming (Lancaster stemmer, NLTK)</a:t>
+            </a:r>
+          </a:p>
+        </p:txBody>
+      </p:sp>
+      <p:sp>
+        <p:nvSpPr>
+          <p:cNvPr id="11" name="Rechteck: abgerundete Ecken 10">
+            <a:extLst>
+              <a:ext uri="{FF2B5EF4-FFF2-40B4-BE49-F238E27FC236}">
+                <a16:creationId xmlns:a16="http://schemas.microsoft.com/office/drawing/2014/main" id="{CD8AD625-D1B7-4FB2-9BF7-3C9A446DD2AE}"/>
+              </a:ext>
+            </a:extLst>
+          </p:cNvPr>
+          <p:cNvSpPr/>
+          <p:nvPr/>
+        </p:nvSpPr>
+        <p:spPr>
+          <a:xfrm>
+            <a:off x="623362" y="4208207"/>
+            <a:ext cx="9081077" cy="1465006"/>
+          </a:xfrm>
+          <a:prstGeom prst="roundRect">
+            <a:avLst/>
+          </a:prstGeom>
+          <a:ln w="28575"/>
+        </p:spPr>
+        <p:style>
+          <a:lnRef idx="2">
+            <a:schemeClr val="accent1"/>
+          </a:lnRef>
+          <a:fillRef idx="1">
+            <a:schemeClr val="lt1"/>
+          </a:fillRef>
+          <a:effectRef idx="0">
+            <a:schemeClr val="accent1"/>
+          </a:effectRef>
+          <a:fontRef idx="minor">
+            <a:schemeClr val="dk1"/>
+          </a:fontRef>
+        </p:style>
+        <p:txBody>
+          <a:bodyPr rtlCol="0" anchor="ctr"/>
+          <a:lstStyle/>
+          <a:p>
+            <a:pPr marL="228592" lvl="0" indent="-228592" defTabSz="914368">
+              <a:lnSpc>
+                <a:spcPct val="120000"/>
+              </a:lnSpc>
+              <a:spcBef>
+                <a:spcPts val="1000"/>
+              </a:spcBef>
+              <a:buClr>
+                <a:srgbClr val="00BEFF"/>
+              </a:buClr>
+              <a:buSzPct val="110000"/>
+              <a:buFont typeface="Wingdings" panose="05000000000000000000" pitchFamily="2" charset="2"/>
+              <a:buChar char="§"/>
+            </a:pPr>
+            <a:r>
+              <a:rPr lang="en-US" sz="1400" dirty="0">
+                <a:solidFill>
+                  <a:srgbClr val="3E444C"/>
+                </a:solidFill>
+              </a:rPr>
+              <a:t>original instance:</a:t>
+            </a:r>
+            <a:br>
+              <a:rPr lang="en-US" sz="1400" dirty="0">
+                <a:solidFill>
+                  <a:srgbClr val="3E444C"/>
+                </a:solidFill>
+              </a:rPr>
+            </a:br>
+            <a:r>
+              <a:rPr lang="en-US" sz="1400" dirty="0">
+                <a:solidFill>
+                  <a:srgbClr val="3E444C"/>
+                </a:solidFill>
+              </a:rPr>
+              <a:t>He who exalts himself shall be humbled; and he who humbles himself shall be </a:t>
+            </a:r>
+            <a:r>
+              <a:rPr lang="en-US" sz="1400" dirty="0" err="1">
+                <a:solidFill>
+                  <a:srgbClr val="3E444C"/>
+                </a:solidFill>
+              </a:rPr>
+              <a:t>exalted.Matt</a:t>
+            </a:r>
+            <a:r>
+              <a:rPr lang="en-US" sz="1400" dirty="0">
+                <a:solidFill>
+                  <a:srgbClr val="3E444C"/>
+                </a:solidFill>
+              </a:rPr>
+              <a:t> 23:12. #</a:t>
+            </a:r>
+            <a:r>
+              <a:rPr lang="en-US" sz="1400" dirty="0" err="1">
+                <a:solidFill>
+                  <a:srgbClr val="3E444C"/>
+                </a:solidFill>
+              </a:rPr>
+              <a:t>SemST</a:t>
+            </a:r>
+            <a:endParaRPr lang="en-US" sz="1400" dirty="0">
+              <a:solidFill>
+                <a:srgbClr val="3E444C"/>
+              </a:solidFill>
+            </a:endParaRPr>
+          </a:p>
+          <a:p>
+            <a:pPr marL="228592" lvl="0" indent="-228592" defTabSz="914368">
+              <a:lnSpc>
+                <a:spcPct val="120000"/>
+              </a:lnSpc>
+              <a:spcBef>
+                <a:spcPts val="1000"/>
+              </a:spcBef>
+              <a:buClr>
+                <a:srgbClr val="00BEFF"/>
+              </a:buClr>
+              <a:buSzPct val="110000"/>
+              <a:buFont typeface="Wingdings" panose="05000000000000000000" pitchFamily="2" charset="2"/>
+              <a:buChar char="§"/>
+            </a:pPr>
+            <a:r>
+              <a:rPr lang="en-US" sz="1400" dirty="0">
+                <a:solidFill>
+                  <a:srgbClr val="3E444C"/>
+                </a:solidFill>
+              </a:rPr>
+              <a:t>output after preprocessing:</a:t>
+            </a:r>
+            <a:br>
+              <a:rPr lang="en-US" sz="1400" dirty="0">
+                <a:solidFill>
+                  <a:srgbClr val="3E444C"/>
+                </a:solidFill>
+              </a:rPr>
+            </a:br>
+            <a:r>
+              <a:rPr lang="de-DE" sz="1400" dirty="0">
+                <a:solidFill>
+                  <a:srgbClr val="3E444C"/>
+                </a:solidFill>
+              </a:rPr>
+              <a:t>['</a:t>
+            </a:r>
+            <a:r>
+              <a:rPr lang="de-DE" sz="1400" dirty="0" err="1">
+                <a:solidFill>
+                  <a:srgbClr val="3E444C"/>
+                </a:solidFill>
+              </a:rPr>
+              <a:t>exalt</a:t>
+            </a:r>
+            <a:r>
+              <a:rPr lang="de-DE" sz="1400" dirty="0">
+                <a:solidFill>
+                  <a:srgbClr val="3E444C"/>
+                </a:solidFill>
+              </a:rPr>
+              <a:t>', '</a:t>
+            </a:r>
+            <a:r>
+              <a:rPr lang="de-DE" sz="1400" dirty="0" err="1">
+                <a:solidFill>
+                  <a:srgbClr val="3E444C"/>
+                </a:solidFill>
+              </a:rPr>
+              <a:t>shal</a:t>
+            </a:r>
+            <a:r>
+              <a:rPr lang="de-DE" sz="1400" dirty="0">
+                <a:solidFill>
+                  <a:srgbClr val="3E444C"/>
+                </a:solidFill>
+              </a:rPr>
+              <a:t>', '</a:t>
+            </a:r>
+            <a:r>
+              <a:rPr lang="de-DE" sz="1400" dirty="0" err="1">
+                <a:solidFill>
+                  <a:srgbClr val="3E444C"/>
+                </a:solidFill>
+              </a:rPr>
+              <a:t>humbl</a:t>
+            </a:r>
+            <a:r>
+              <a:rPr lang="de-DE" sz="1400" dirty="0">
+                <a:solidFill>
+                  <a:srgbClr val="3E444C"/>
+                </a:solidFill>
+              </a:rPr>
+              <a:t>', '</a:t>
+            </a:r>
+            <a:r>
+              <a:rPr lang="de-DE" sz="1400" dirty="0" err="1">
+                <a:solidFill>
+                  <a:srgbClr val="3E444C"/>
+                </a:solidFill>
+              </a:rPr>
+              <a:t>humbl</a:t>
+            </a:r>
+            <a:r>
+              <a:rPr lang="de-DE" sz="1400" dirty="0">
+                <a:solidFill>
+                  <a:srgbClr val="3E444C"/>
+                </a:solidFill>
+              </a:rPr>
+              <a:t>', '</a:t>
+            </a:r>
+            <a:r>
+              <a:rPr lang="de-DE" sz="1400" dirty="0" err="1">
+                <a:solidFill>
+                  <a:srgbClr val="3E444C"/>
+                </a:solidFill>
+              </a:rPr>
+              <a:t>shal</a:t>
+            </a:r>
+            <a:r>
+              <a:rPr lang="de-DE" sz="1400" dirty="0">
+                <a:solidFill>
+                  <a:srgbClr val="3E444C"/>
+                </a:solidFill>
+              </a:rPr>
+              <a:t>', '</a:t>
+            </a:r>
+            <a:r>
+              <a:rPr lang="de-DE" sz="1400" dirty="0" err="1">
+                <a:solidFill>
+                  <a:srgbClr val="3E444C"/>
+                </a:solidFill>
+              </a:rPr>
+              <a:t>exalted.matt</a:t>
+            </a:r>
+            <a:r>
+              <a:rPr lang="de-DE" sz="1400" dirty="0">
+                <a:solidFill>
+                  <a:srgbClr val="3E444C"/>
+                </a:solidFill>
+              </a:rPr>
+              <a:t>', '23:12']</a:t>
+            </a:r>
+          </a:p>
+        </p:txBody>
+      </p:sp>
+      <p:sp>
+        <p:nvSpPr>
+          <p:cNvPr id="7" name="Inhaltsplatzhalter 3">
+            <a:extLst>
+              <a:ext uri="{FF2B5EF4-FFF2-40B4-BE49-F238E27FC236}">
+                <a16:creationId xmlns:a16="http://schemas.microsoft.com/office/drawing/2014/main" id="{0AD07BBB-03AD-4DDB-96E9-2517922C3B62}"/>
               </a:ext>
             </a:extLst>
           </p:cNvPr>
@@ -16698,8 +19009,238 @@
         </p:nvSpPr>
         <p:spPr>
           <a:xfrm>
-            <a:off x="624422" y="236155"/>
-            <a:ext cx="10993967" cy="336000"/>
+            <a:off x="6427393" y="1564557"/>
+            <a:ext cx="5059683" cy="4846073"/>
+          </a:xfrm>
+          <a:prstGeom prst="rect">
+            <a:avLst/>
+          </a:prstGeom>
+        </p:spPr>
+        <p:txBody>
+          <a:bodyPr vert="horz" lIns="0" tIns="0" rIns="0" bIns="0" rtlCol="0" anchor="t" anchorCtr="0">
+            <a:noAutofit/>
+          </a:bodyPr>
+          <a:lstStyle>
+            <a:lvl1pPr marL="228592" indent="-228592" algn="l" defTabSz="914368" rtl="0" eaLnBrk="1" latinLnBrk="0" hangingPunct="1">
+              <a:lnSpc>
+                <a:spcPct val="120000"/>
+              </a:lnSpc>
+              <a:spcBef>
+                <a:spcPts val="1000"/>
+              </a:spcBef>
+              <a:buClr>
+                <a:schemeClr val="accent1"/>
+              </a:buClr>
+              <a:buSzPct val="110000"/>
+              <a:buFont typeface="Wingdings" panose="05000000000000000000" pitchFamily="2" charset="2"/>
+              <a:buChar char="§"/>
+              <a:defRPr sz="2200" kern="1200">
+                <a:solidFill>
+                  <a:schemeClr val="tx1"/>
+                </a:solidFill>
+                <a:latin typeface="+mn-lt"/>
+                <a:ea typeface="+mn-ea"/>
+                <a:cs typeface="+mn-cs"/>
+              </a:defRPr>
+            </a:lvl1pPr>
+            <a:lvl2pPr marL="480468" indent="-245525" algn="l" defTabSz="914368" rtl="0" eaLnBrk="1" latinLnBrk="0" hangingPunct="1">
+              <a:lnSpc>
+                <a:spcPct val="120000"/>
+              </a:lnSpc>
+              <a:spcBef>
+                <a:spcPts val="501"/>
+              </a:spcBef>
+              <a:buClr>
+                <a:schemeClr val="accent2"/>
+              </a:buClr>
+              <a:buSzPct val="105000"/>
+              <a:buFont typeface="Wingdings" panose="05000000000000000000" pitchFamily="2" charset="2"/>
+              <a:buChar char="§"/>
+              <a:defRPr sz="2200" kern="1200">
+                <a:solidFill>
+                  <a:schemeClr val="tx1"/>
+                </a:solidFill>
+                <a:latin typeface="+mn-lt"/>
+                <a:ea typeface="+mn-ea"/>
+                <a:cs typeface="+mn-cs"/>
+              </a:defRPr>
+            </a:lvl2pPr>
+            <a:lvl3pPr marL="715409" indent="-234943" algn="l" defTabSz="914368" rtl="0" eaLnBrk="1" latinLnBrk="0" hangingPunct="1">
+              <a:lnSpc>
+                <a:spcPct val="120000"/>
+              </a:lnSpc>
+              <a:spcBef>
+                <a:spcPts val="501"/>
+              </a:spcBef>
+              <a:buClr>
+                <a:schemeClr val="accent1"/>
+              </a:buClr>
+              <a:buFont typeface="Arial" panose="020B0604020202020204" pitchFamily="34" charset="0"/>
+              <a:buChar char="•"/>
+              <a:defRPr sz="2200" kern="1200">
+                <a:solidFill>
+                  <a:schemeClr val="tx1"/>
+                </a:solidFill>
+                <a:latin typeface="+mn-lt"/>
+                <a:ea typeface="+mn-ea"/>
+                <a:cs typeface="+mn-cs"/>
+              </a:defRPr>
+            </a:lvl3pPr>
+            <a:lvl4pPr marL="960933" indent="-245525" algn="l" defTabSz="914368" rtl="0" eaLnBrk="1" latinLnBrk="0" hangingPunct="1">
+              <a:lnSpc>
+                <a:spcPct val="120000"/>
+              </a:lnSpc>
+              <a:spcBef>
+                <a:spcPts val="501"/>
+              </a:spcBef>
+              <a:buClr>
+                <a:schemeClr val="accent2"/>
+              </a:buClr>
+              <a:buFont typeface="Arial" panose="020B0604020202020204" pitchFamily="34" charset="0"/>
+              <a:buChar char="•"/>
+              <a:defRPr sz="2200" kern="1200">
+                <a:solidFill>
+                  <a:schemeClr val="tx1"/>
+                </a:solidFill>
+                <a:latin typeface="+mn-lt"/>
+                <a:ea typeface="+mn-ea"/>
+                <a:cs typeface="+mn-cs"/>
+              </a:defRPr>
+            </a:lvl4pPr>
+            <a:lvl5pPr marL="1195875" indent="-234943" algn="l" defTabSz="914368" rtl="0" eaLnBrk="1" latinLnBrk="0" hangingPunct="1">
+              <a:lnSpc>
+                <a:spcPct val="120000"/>
+              </a:lnSpc>
+              <a:spcBef>
+                <a:spcPts val="501"/>
+              </a:spcBef>
+              <a:buClr>
+                <a:schemeClr val="accent1"/>
+              </a:buClr>
+              <a:buFont typeface="Arial" panose="020B0604020202020204" pitchFamily="34" charset="0"/>
+              <a:buChar char="•"/>
+              <a:defRPr sz="2200" kern="1200">
+                <a:solidFill>
+                  <a:schemeClr val="tx1"/>
+                </a:solidFill>
+                <a:latin typeface="+mn-lt"/>
+                <a:ea typeface="+mn-ea"/>
+                <a:cs typeface="+mn-cs"/>
+              </a:defRPr>
+            </a:lvl5pPr>
+            <a:lvl6pPr marL="2514512" indent="-228592" algn="l" defTabSz="914368" rtl="0" eaLnBrk="1" latinLnBrk="0" hangingPunct="1">
+              <a:lnSpc>
+                <a:spcPct val="90000"/>
+              </a:lnSpc>
+              <a:spcBef>
+                <a:spcPts val="501"/>
+              </a:spcBef>
+              <a:buFont typeface="Arial" panose="020B0604020202020204" pitchFamily="34" charset="0"/>
+              <a:buChar char="•"/>
+              <a:defRPr sz="1800" kern="1200">
+                <a:solidFill>
+                  <a:schemeClr val="tx1"/>
+                </a:solidFill>
+                <a:latin typeface="+mn-lt"/>
+                <a:ea typeface="+mn-ea"/>
+                <a:cs typeface="+mn-cs"/>
+              </a:defRPr>
+            </a:lvl6pPr>
+            <a:lvl7pPr marL="2971696" indent="-228592" algn="l" defTabSz="914368" rtl="0" eaLnBrk="1" latinLnBrk="0" hangingPunct="1">
+              <a:lnSpc>
+                <a:spcPct val="90000"/>
+              </a:lnSpc>
+              <a:spcBef>
+                <a:spcPts val="501"/>
+              </a:spcBef>
+              <a:buFont typeface="Arial" panose="020B0604020202020204" pitchFamily="34" charset="0"/>
+              <a:buChar char="•"/>
+              <a:defRPr sz="1800" kern="1200">
+                <a:solidFill>
+                  <a:schemeClr val="tx1"/>
+                </a:solidFill>
+                <a:latin typeface="+mn-lt"/>
+                <a:ea typeface="+mn-ea"/>
+                <a:cs typeface="+mn-cs"/>
+              </a:defRPr>
+            </a:lvl7pPr>
+            <a:lvl8pPr marL="3428880" indent="-228592" algn="l" defTabSz="914368" rtl="0" eaLnBrk="1" latinLnBrk="0" hangingPunct="1">
+              <a:lnSpc>
+                <a:spcPct val="90000"/>
+              </a:lnSpc>
+              <a:spcBef>
+                <a:spcPts val="501"/>
+              </a:spcBef>
+              <a:buFont typeface="Arial" panose="020B0604020202020204" pitchFamily="34" charset="0"/>
+              <a:buChar char="•"/>
+              <a:defRPr sz="1800" kern="1200">
+                <a:solidFill>
+                  <a:schemeClr val="tx1"/>
+                </a:solidFill>
+                <a:latin typeface="+mn-lt"/>
+                <a:ea typeface="+mn-ea"/>
+                <a:cs typeface="+mn-cs"/>
+              </a:defRPr>
+            </a:lvl8pPr>
+            <a:lvl9pPr marL="3886064" indent="-228592" algn="l" defTabSz="914368" rtl="0" eaLnBrk="1" latinLnBrk="0" hangingPunct="1">
+              <a:lnSpc>
+                <a:spcPct val="90000"/>
+              </a:lnSpc>
+              <a:spcBef>
+                <a:spcPts val="501"/>
+              </a:spcBef>
+              <a:buFont typeface="Arial" panose="020B0604020202020204" pitchFamily="34" charset="0"/>
+              <a:buChar char="•"/>
+              <a:defRPr sz="1800" kern="1200">
+                <a:solidFill>
+                  <a:schemeClr val="tx1"/>
+                </a:solidFill>
+                <a:latin typeface="+mn-lt"/>
+                <a:ea typeface="+mn-ea"/>
+                <a:cs typeface="+mn-cs"/>
+              </a:defRPr>
+            </a:lvl9pPr>
+          </a:lstStyle>
+          <a:p>
+            <a:pPr lvl="1"/>
+            <a:r>
+              <a:rPr lang="en-US" sz="1800" dirty="0">
+                <a:latin typeface="Calibri" panose="020F0502020204030204" pitchFamily="34" charset="0"/>
+                <a:cs typeface="Calibri" panose="020F0502020204030204" pitchFamily="34" charset="0"/>
+              </a:rPr>
+              <a:t>choice of classifier: Naive Bayes</a:t>
+            </a:r>
+          </a:p>
+          <a:p>
+            <a:pPr lvl="2"/>
+            <a:r>
+              <a:rPr lang="en-US" sz="1800" dirty="0">
+                <a:latin typeface="Calibri" panose="020F0502020204030204" pitchFamily="34" charset="0"/>
+                <a:cs typeface="Calibri" panose="020F0502020204030204" pitchFamily="34" charset="0"/>
+              </a:rPr>
+              <a:t>one classifier per emotion</a:t>
+            </a:r>
+          </a:p>
+        </p:txBody>
+      </p:sp>
+      <p:sp>
+        <p:nvSpPr>
+          <p:cNvPr id="10" name="Titel 1">
+            <a:extLst>
+              <a:ext uri="{FF2B5EF4-FFF2-40B4-BE49-F238E27FC236}">
+                <a16:creationId xmlns:a16="http://schemas.microsoft.com/office/drawing/2014/main" id="{9E9BFFA7-D140-4299-868A-19F7E8E9F574}"/>
+              </a:ext>
+            </a:extLst>
+          </p:cNvPr>
+          <p:cNvSpPr txBox="1">
+            <a:spLocks/>
+          </p:cNvSpPr>
+          <p:nvPr/>
+        </p:nvSpPr>
+        <p:spPr>
+          <a:xfrm>
+            <a:off x="624422" y="294967"/>
+            <a:ext cx="10993967" cy="668593"/>
           </a:xfrm>
           <a:prstGeom prst="rect">
             <a:avLst/>
@@ -16730,116 +19271,60 @@
           </a:lstStyle>
           <a:p>
             <a:r>
-              <a:rPr lang="de-DE" dirty="0">
+              <a:rPr lang="de-DE" sz="2400" dirty="0">
                 <a:latin typeface="Calibri" panose="020F0502020204030204" pitchFamily="34" charset="0"/>
                 <a:cs typeface="Calibri" panose="020F0502020204030204" pitchFamily="34" charset="0"/>
               </a:rPr>
-              <a:t>Evaluation</a:t>
+              <a:t>ML feature </a:t>
+            </a:r>
+            <a:r>
+              <a:rPr lang="de-DE" sz="2400" dirty="0" err="1">
+                <a:latin typeface="Calibri" panose="020F0502020204030204" pitchFamily="34" charset="0"/>
+                <a:cs typeface="Calibri" panose="020F0502020204030204" pitchFamily="34" charset="0"/>
+              </a:rPr>
+              <a:t>based</a:t>
+            </a:r>
+            <a:r>
+              <a:rPr lang="de-DE" sz="2400" dirty="0">
+                <a:latin typeface="Calibri" panose="020F0502020204030204" pitchFamily="34" charset="0"/>
+                <a:cs typeface="Calibri" panose="020F0502020204030204" pitchFamily="34" charset="0"/>
+              </a:rPr>
+              <a:t> (SSEC-own </a:t>
+            </a:r>
+            <a:r>
+              <a:rPr lang="de-DE" sz="2400" dirty="0" err="1">
+                <a:latin typeface="Calibri" panose="020F0502020204030204" pitchFamily="34" charset="0"/>
+                <a:cs typeface="Calibri" panose="020F0502020204030204" pitchFamily="34" charset="0"/>
+              </a:rPr>
+              <a:t>corpus</a:t>
+            </a:r>
+            <a:r>
+              <a:rPr lang="de-DE" sz="2400" dirty="0">
+                <a:latin typeface="Calibri" panose="020F0502020204030204" pitchFamily="34" charset="0"/>
+                <a:cs typeface="Calibri" panose="020F0502020204030204" pitchFamily="34" charset="0"/>
+              </a:rPr>
+              <a:t>)</a:t>
             </a:r>
             <a:br>
-              <a:rPr lang="de-DE" dirty="0">
+              <a:rPr lang="de-DE" sz="2400" dirty="0">
                 <a:latin typeface="Calibri" panose="020F0502020204030204" pitchFamily="34" charset="0"/>
                 <a:cs typeface="Calibri" panose="020F0502020204030204" pitchFamily="34" charset="0"/>
               </a:rPr>
             </a:br>
             <a:r>
-              <a:rPr lang="de-DE" b="0" dirty="0">
+              <a:rPr lang="en-US" sz="2400" b="0" dirty="0">
                 <a:latin typeface="Calibri" panose="020F0502020204030204" pitchFamily="34" charset="0"/>
                 <a:cs typeface="Calibri" panose="020F0502020204030204" pitchFamily="34" charset="0"/>
               </a:rPr>
-              <a:t>SSEC </a:t>
-            </a:r>
-            <a:r>
-              <a:rPr lang="de-DE" b="0" dirty="0" err="1">
-                <a:latin typeface="Calibri" panose="020F0502020204030204" pitchFamily="34" charset="0"/>
-                <a:cs typeface="Calibri" panose="020F0502020204030204" pitchFamily="34" charset="0"/>
-              </a:rPr>
-              <a:t>vs</a:t>
-            </a:r>
-            <a:r>
-              <a:rPr lang="de-DE" b="0" dirty="0">
-                <a:latin typeface="Calibri" panose="020F0502020204030204" pitchFamily="34" charset="0"/>
-                <a:cs typeface="Calibri" panose="020F0502020204030204" pitchFamily="34" charset="0"/>
-              </a:rPr>
-              <a:t> </a:t>
-            </a:r>
-            <a:r>
-              <a:rPr lang="de-DE" b="0" dirty="0" err="1">
-                <a:latin typeface="Calibri" panose="020F0502020204030204" pitchFamily="34" charset="0"/>
-                <a:cs typeface="Calibri" panose="020F0502020204030204" pitchFamily="34" charset="0"/>
-              </a:rPr>
-              <a:t>our</a:t>
-            </a:r>
-            <a:r>
-              <a:rPr lang="de-DE" b="0" dirty="0">
-                <a:latin typeface="Calibri" panose="020F0502020204030204" pitchFamily="34" charset="0"/>
-                <a:cs typeface="Calibri" panose="020F0502020204030204" pitchFamily="34" charset="0"/>
-              </a:rPr>
-              <a:t> </a:t>
-            </a:r>
-            <a:r>
-              <a:rPr lang="de-DE" b="0" dirty="0" err="1">
-                <a:latin typeface="Calibri" panose="020F0502020204030204" pitchFamily="34" charset="0"/>
-                <a:cs typeface="Calibri" panose="020F0502020204030204" pitchFamily="34" charset="0"/>
-              </a:rPr>
-              <a:t>corpus</a:t>
-            </a:r>
-            <a:endParaRPr lang="de-DE" b="0" dirty="0">
-              <a:latin typeface="Calibri" panose="020F0502020204030204" pitchFamily="34" charset="0"/>
-              <a:cs typeface="Calibri" panose="020F0502020204030204" pitchFamily="34" charset="0"/>
-            </a:endParaRPr>
-          </a:p>
-        </p:txBody>
-      </p:sp>
-      <p:sp>
-        <p:nvSpPr>
-          <p:cNvPr id="7" name="Fußzeilenplatzhalter 5">
-            <a:extLst>
-              <a:ext uri="{FF2B5EF4-FFF2-40B4-BE49-F238E27FC236}">
-                <a16:creationId xmlns:a16="http://schemas.microsoft.com/office/drawing/2014/main" id="{9AFC3ECE-B344-42DF-A2CC-E67B13DC9D5A}"/>
-              </a:ext>
-            </a:extLst>
-          </p:cNvPr>
-          <p:cNvSpPr>
-            <a:spLocks noGrp="1"/>
-          </p:cNvSpPr>
-          <p:nvPr>
-            <p:ph type="ftr" sz="quarter" idx="11"/>
-          </p:nvPr>
-        </p:nvSpPr>
-        <p:spPr>
-          <a:xfrm>
-            <a:off x="623362" y="6659954"/>
-            <a:ext cx="7460324" cy="314777"/>
-          </a:xfrm>
-        </p:spPr>
-        <p:txBody>
-          <a:bodyPr/>
-          <a:lstStyle/>
-          <a:p>
-            <a:pPr algn="ctr"/>
-            <a:r>
-              <a:rPr lang="de-DE" dirty="0"/>
-              <a:t>Emotion Analysis | ML-</a:t>
-            </a:r>
-            <a:r>
-              <a:rPr lang="de-DE" dirty="0" err="1"/>
-              <a:t>based</a:t>
-            </a:r>
-            <a:r>
-              <a:rPr lang="de-DE" dirty="0"/>
-              <a:t> Emotion Classification		           Felix Bühler | Max Wegge | Carlotta Quensel</a:t>
+              <a:t>implementation</a:t>
             </a:r>
           </a:p>
         </p:txBody>
       </p:sp>
     </p:spTree>
-    <p:custDataLst>
-      <p:tags r:id="rId1"/>
-    </p:custDataLst>
     <p:extLst>
       <p:ext uri="{BB962C8B-B14F-4D97-AF65-F5344CB8AC3E}">
-        <p14:creationId xmlns:p14="http://schemas.microsoft.com/office/powerpoint/2010/main" val="1416660214"/>
+        <p14:creationId xmlns:p14="http://schemas.microsoft.com/office/powerpoint/2010/main" val="209113766"/>
       </p:ext>
     </p:extLst>
   </p:cSld>
@@ -16848,10 +19333,10 @@
   </p:clrMapOvr>
   <mc:AlternateContent xmlns:mc="http://schemas.openxmlformats.org/markup-compatibility/2006" xmlns:p14="http://schemas.microsoft.com/office/powerpoint/2010/main">
     <mc:Choice Requires="p14">
-      <p:transition p14:dur="0" advTm="6696"/>
+      <p:transition p14:dur="0" advTm="2361"/>
     </mc:Choice>
     <mc:Fallback xmlns="">
-      <p:transition advTm="6696"/>
+      <p:transition advTm="2361"/>
     </mc:Fallback>
   </mc:AlternateContent>
 </p:sld>
@@ -16952,10 +19437,552 @@
       </p:sp>
       <p:sp>
         <p:nvSpPr>
-          <p:cNvPr id="8" name="Titel 1">
+          <p:cNvPr id="9" name="Inhaltsplatzhalter 3">
             <a:extLst>
               <a:ext uri="{FF2B5EF4-FFF2-40B4-BE49-F238E27FC236}">
-                <a16:creationId xmlns:a16="http://schemas.microsoft.com/office/drawing/2014/main" id="{7A04DA2A-1F61-41DE-BA08-44B7F1730FE9}"/>
+                <a16:creationId xmlns:a16="http://schemas.microsoft.com/office/drawing/2014/main" id="{0B7302BF-1A02-4205-B6DB-08DEF3D118E1}"/>
+              </a:ext>
+            </a:extLst>
+          </p:cNvPr>
+          <p:cNvSpPr>
+            <a:spLocks noGrp="1"/>
+          </p:cNvSpPr>
+          <p:nvPr>
+            <p:ph sz="half" idx="1"/>
+          </p:nvPr>
+        </p:nvSpPr>
+        <p:spPr>
+          <a:xfrm>
+            <a:off x="623362" y="1564559"/>
+            <a:ext cx="10456443" cy="824680"/>
+          </a:xfrm>
+        </p:spPr>
+        <p:txBody>
+          <a:bodyPr anchor="t" anchorCtr="0"/>
+          <a:lstStyle/>
+          <a:p>
+            <a:pPr lvl="1"/>
+            <a:r>
+              <a:rPr lang="en-US" sz="1800" dirty="0">
+                <a:latin typeface="Calibri" panose="020F0502020204030204" pitchFamily="34" charset="0"/>
+                <a:cs typeface="Calibri" panose="020F0502020204030204" pitchFamily="34" charset="0"/>
+              </a:rPr>
+              <a:t>most informative features (learned from SSEC)</a:t>
+            </a:r>
+          </a:p>
+        </p:txBody>
+      </p:sp>
+      <p:graphicFrame>
+        <p:nvGraphicFramePr>
+          <p:cNvPr id="10" name="Tabelle 4">
+            <a:extLst>
+              <a:ext uri="{FF2B5EF4-FFF2-40B4-BE49-F238E27FC236}">
+                <a16:creationId xmlns:a16="http://schemas.microsoft.com/office/drawing/2014/main" id="{42249B63-8001-485C-AF43-95039823B51F}"/>
+              </a:ext>
+            </a:extLst>
+          </p:cNvPr>
+          <p:cNvGraphicFramePr>
+            <a:graphicFrameLocks/>
+          </p:cNvGraphicFramePr>
+          <p:nvPr>
+            <p:extLst>
+              <p:ext uri="{D42A27DB-BD31-4B8C-83A1-F6EECF244321}">
+                <p14:modId xmlns:p14="http://schemas.microsoft.com/office/powerpoint/2010/main" val="636935267"/>
+              </p:ext>
+            </p:extLst>
+          </p:nvPr>
+        </p:nvGraphicFramePr>
+        <p:xfrm>
+          <a:off x="1112195" y="2389239"/>
+          <a:ext cx="4039274" cy="2595880"/>
+        </p:xfrm>
+        <a:graphic>
+          <a:graphicData uri="http://schemas.openxmlformats.org/drawingml/2006/table">
+            <a:tbl>
+              <a:tblPr firstRow="1" bandRow="1">
+                <a:tableStyleId>{5C22544A-7EE6-4342-B048-85BDC9FD1C3A}</a:tableStyleId>
+              </a:tblPr>
+              <a:tblGrid>
+                <a:gridCol w="931278">
+                  <a:extLst>
+                    <a:ext uri="{9D8B030D-6E8A-4147-A177-3AD203B41FA5}">
+                      <a16:colId xmlns:a16="http://schemas.microsoft.com/office/drawing/2014/main" val="411144143"/>
+                    </a:ext>
+                  </a:extLst>
+                </a:gridCol>
+                <a:gridCol w="1525003">
+                  <a:extLst>
+                    <a:ext uri="{9D8B030D-6E8A-4147-A177-3AD203B41FA5}">
+                      <a16:colId xmlns:a16="http://schemas.microsoft.com/office/drawing/2014/main" val="1658267685"/>
+                    </a:ext>
+                  </a:extLst>
+                </a:gridCol>
+                <a:gridCol w="1582993">
+                  <a:extLst>
+                    <a:ext uri="{9D8B030D-6E8A-4147-A177-3AD203B41FA5}">
+                      <a16:colId xmlns:a16="http://schemas.microsoft.com/office/drawing/2014/main" val="3546822807"/>
+                    </a:ext>
+                  </a:extLst>
+                </a:gridCol>
+              </a:tblGrid>
+              <a:tr h="370840">
+                <a:tc>
+                  <a:txBody>
+                    <a:bodyPr/>
+                    <a:lstStyle/>
+                    <a:p>
+                      <a:r>
+                        <a:rPr lang="de-DE" sz="1600" dirty="0" err="1"/>
+                        <a:t>term</a:t>
+                      </a:r>
+                      <a:endParaRPr lang="de-DE" sz="1600" dirty="0"/>
+                    </a:p>
+                  </a:txBody>
+                  <a:tcPr marL="108000" anchor="ctr"/>
+                </a:tc>
+                <a:tc>
+                  <a:txBody>
+                    <a:bodyPr/>
+                    <a:lstStyle/>
+                    <a:p>
+                      <a:r>
+                        <a:rPr lang="de-DE" sz="1600" dirty="0" err="1"/>
+                        <a:t>probability</a:t>
+                      </a:r>
+                      <a:endParaRPr lang="de-DE" sz="1600" dirty="0"/>
+                    </a:p>
+                  </a:txBody>
+                  <a:tcPr marL="108000" anchor="ctr"/>
+                </a:tc>
+                <a:tc>
+                  <a:txBody>
+                    <a:bodyPr/>
+                    <a:lstStyle/>
+                    <a:p>
+                      <a:r>
+                        <a:rPr lang="de-DE" sz="1600" dirty="0" err="1"/>
+                        <a:t>label</a:t>
+                      </a:r>
+                      <a:endParaRPr lang="de-DE" sz="1600" dirty="0"/>
+                    </a:p>
+                  </a:txBody>
+                  <a:tcPr marL="108000" anchor="ctr"/>
+                </a:tc>
+                <a:extLst>
+                  <a:ext uri="{0D108BD9-81ED-4DB2-BD59-A6C34878D82A}">
+                    <a16:rowId xmlns:a16="http://schemas.microsoft.com/office/drawing/2014/main" val="2588553137"/>
+                  </a:ext>
+                </a:extLst>
+              </a:tr>
+              <a:tr h="370840">
+                <a:tc>
+                  <a:txBody>
+                    <a:bodyPr/>
+                    <a:lstStyle/>
+                    <a:p>
+                      <a:r>
+                        <a:rPr lang="de-DE" sz="1600" dirty="0"/>
+                        <a:t>wow</a:t>
+                      </a:r>
+                    </a:p>
+                  </a:txBody>
+                  <a:tcPr marL="108000" anchor="ctr"/>
+                </a:tc>
+                <a:tc>
+                  <a:txBody>
+                    <a:bodyPr/>
+                    <a:lstStyle/>
+                    <a:p>
+                      <a:r>
+                        <a:rPr lang="de-DE" sz="1600" dirty="0"/>
+                        <a:t>0.97 (32.6 : 1)</a:t>
+                      </a:r>
+                    </a:p>
+                  </a:txBody>
+                  <a:tcPr marL="108000" anchor="ctr"/>
+                </a:tc>
+                <a:tc>
+                  <a:txBody>
+                    <a:bodyPr/>
+                    <a:lstStyle/>
+                    <a:p>
+                      <a:r>
+                        <a:rPr lang="de-DE" sz="1600" dirty="0" err="1"/>
+                        <a:t>surprise</a:t>
+                      </a:r>
+                      <a:endParaRPr lang="de-DE" sz="1600" dirty="0"/>
+                    </a:p>
+                  </a:txBody>
+                  <a:tcPr marL="108000" anchor="ctr"/>
+                </a:tc>
+                <a:extLst>
+                  <a:ext uri="{0D108BD9-81ED-4DB2-BD59-A6C34878D82A}">
+                    <a16:rowId xmlns:a16="http://schemas.microsoft.com/office/drawing/2014/main" val="2594868208"/>
+                  </a:ext>
+                </a:extLst>
+              </a:tr>
+              <a:tr h="370840">
+                <a:tc>
+                  <a:txBody>
+                    <a:bodyPr/>
+                    <a:lstStyle/>
+                    <a:p>
+                      <a:r>
+                        <a:rPr lang="de-DE" sz="1600" dirty="0" err="1"/>
+                        <a:t>lovewin</a:t>
+                      </a:r>
+                      <a:endParaRPr lang="de-DE" sz="1600" dirty="0"/>
+                    </a:p>
+                  </a:txBody>
+                  <a:tcPr marL="108000" anchor="ctr"/>
+                </a:tc>
+                <a:tc>
+                  <a:txBody>
+                    <a:bodyPr/>
+                    <a:lstStyle/>
+                    <a:p>
+                      <a:r>
+                        <a:rPr lang="de-DE" sz="1600" dirty="0"/>
+                        <a:t>0.96 (23 : 1)</a:t>
+                      </a:r>
+                    </a:p>
+                  </a:txBody>
+                  <a:tcPr marL="108000" anchor="ctr"/>
+                </a:tc>
+                <a:tc>
+                  <a:txBody>
+                    <a:bodyPr/>
+                    <a:lstStyle/>
+                    <a:p>
+                      <a:r>
+                        <a:rPr lang="de-DE" sz="1600" dirty="0" err="1"/>
+                        <a:t>joy</a:t>
+                      </a:r>
+                      <a:endParaRPr lang="de-DE" sz="1600" dirty="0"/>
+                    </a:p>
+                  </a:txBody>
+                  <a:tcPr marL="108000" anchor="ctr"/>
+                </a:tc>
+                <a:extLst>
+                  <a:ext uri="{0D108BD9-81ED-4DB2-BD59-A6C34878D82A}">
+                    <a16:rowId xmlns:a16="http://schemas.microsoft.com/office/drawing/2014/main" val="396537574"/>
+                  </a:ext>
+                </a:extLst>
+              </a:tr>
+              <a:tr h="370840">
+                <a:tc>
+                  <a:txBody>
+                    <a:bodyPr/>
+                    <a:lstStyle/>
+                    <a:p>
+                      <a:r>
+                        <a:rPr lang="de-DE" sz="1600" dirty="0" err="1"/>
+                        <a:t>liberty</a:t>
+                      </a:r>
+                      <a:endParaRPr lang="de-DE" sz="1600" dirty="0"/>
+                    </a:p>
+                  </a:txBody>
+                  <a:tcPr marL="108000" anchor="ctr"/>
+                </a:tc>
+                <a:tc>
+                  <a:txBody>
+                    <a:bodyPr/>
+                    <a:lstStyle/>
+                    <a:p>
+                      <a:r>
+                        <a:rPr lang="de-DE" sz="1600" dirty="0"/>
+                        <a:t>0.89 (8 : 1)</a:t>
+                      </a:r>
+                    </a:p>
+                  </a:txBody>
+                  <a:tcPr marL="108000" anchor="ctr"/>
+                </a:tc>
+                <a:tc>
+                  <a:txBody>
+                    <a:bodyPr/>
+                    <a:lstStyle/>
+                    <a:p>
+                      <a:r>
+                        <a:rPr lang="de-DE" sz="1600" dirty="0"/>
+                        <a:t>not </a:t>
+                      </a:r>
+                      <a:r>
+                        <a:rPr lang="de-DE" sz="1600" dirty="0" err="1"/>
+                        <a:t>sadness</a:t>
+                      </a:r>
+                      <a:endParaRPr lang="de-DE" sz="1600" dirty="0"/>
+                    </a:p>
+                  </a:txBody>
+                  <a:tcPr marL="108000" anchor="ctr"/>
+                </a:tc>
+                <a:extLst>
+                  <a:ext uri="{0D108BD9-81ED-4DB2-BD59-A6C34878D82A}">
+                    <a16:rowId xmlns:a16="http://schemas.microsoft.com/office/drawing/2014/main" val="1313115264"/>
+                  </a:ext>
+                </a:extLst>
+              </a:tr>
+              <a:tr h="370840">
+                <a:tc>
+                  <a:txBody>
+                    <a:bodyPr/>
+                    <a:lstStyle/>
+                    <a:p>
+                      <a:r>
+                        <a:rPr lang="de-DE" sz="1600" dirty="0"/>
+                        <a:t>happy</a:t>
+                      </a:r>
+                    </a:p>
+                  </a:txBody>
+                  <a:tcPr marL="108000" anchor="ctr"/>
+                </a:tc>
+                <a:tc>
+                  <a:txBody>
+                    <a:bodyPr/>
+                    <a:lstStyle/>
+                    <a:p>
+                      <a:r>
+                        <a:rPr lang="de-DE" sz="1600" dirty="0"/>
+                        <a:t>0.92 (11.8 : 1)</a:t>
+                      </a:r>
+                    </a:p>
+                  </a:txBody>
+                  <a:tcPr marL="108000" anchor="ctr"/>
+                </a:tc>
+                <a:tc>
+                  <a:txBody>
+                    <a:bodyPr/>
+                    <a:lstStyle/>
+                    <a:p>
+                      <a:r>
+                        <a:rPr lang="de-DE" sz="1600" dirty="0"/>
+                        <a:t>not </a:t>
+                      </a:r>
+                      <a:r>
+                        <a:rPr lang="de-DE" sz="1600" dirty="0" err="1"/>
+                        <a:t>fear</a:t>
+                      </a:r>
+                      <a:endParaRPr lang="de-DE" sz="1600" dirty="0"/>
+                    </a:p>
+                  </a:txBody>
+                  <a:tcPr marL="108000" anchor="ctr"/>
+                </a:tc>
+                <a:extLst>
+                  <a:ext uri="{0D108BD9-81ED-4DB2-BD59-A6C34878D82A}">
+                    <a16:rowId xmlns:a16="http://schemas.microsoft.com/office/drawing/2014/main" val="66197941"/>
+                  </a:ext>
+                </a:extLst>
+              </a:tr>
+              <a:tr h="370840">
+                <a:tc>
+                  <a:txBody>
+                    <a:bodyPr/>
+                    <a:lstStyle/>
+                    <a:p>
+                      <a:r>
+                        <a:rPr lang="de-DE" sz="1600" dirty="0"/>
+                        <a:t>c</a:t>
+                      </a:r>
+                    </a:p>
+                  </a:txBody>
+                  <a:tcPr marL="108000" anchor="ctr"/>
+                </a:tc>
+                <a:tc>
+                  <a:txBody>
+                    <a:bodyPr/>
+                    <a:lstStyle/>
+                    <a:p>
+                      <a:r>
+                        <a:rPr lang="de-DE" sz="1600" dirty="0"/>
+                        <a:t>0.92 (11.6 : 1)</a:t>
+                      </a:r>
+                    </a:p>
+                  </a:txBody>
+                  <a:tcPr marL="108000" anchor="ctr"/>
+                </a:tc>
+                <a:tc>
+                  <a:txBody>
+                    <a:bodyPr/>
+                    <a:lstStyle/>
+                    <a:p>
+                      <a:r>
+                        <a:rPr lang="de-DE" sz="1600" dirty="0" err="1"/>
+                        <a:t>surprise</a:t>
+                      </a:r>
+                      <a:endParaRPr lang="de-DE" sz="1600" dirty="0"/>
+                    </a:p>
+                  </a:txBody>
+                  <a:tcPr marL="108000" anchor="ctr"/>
+                </a:tc>
+                <a:extLst>
+                  <a:ext uri="{0D108BD9-81ED-4DB2-BD59-A6C34878D82A}">
+                    <a16:rowId xmlns:a16="http://schemas.microsoft.com/office/drawing/2014/main" val="3535009680"/>
+                  </a:ext>
+                </a:extLst>
+              </a:tr>
+              <a:tr h="370840">
+                <a:tc>
+                  <a:txBody>
+                    <a:bodyPr/>
+                    <a:lstStyle/>
+                    <a:p>
+                      <a:r>
+                        <a:rPr lang="de-DE" sz="1600" dirty="0" err="1"/>
+                        <a:t>rap</a:t>
+                      </a:r>
+                      <a:endParaRPr lang="de-DE" sz="1600" dirty="0"/>
+                    </a:p>
+                  </a:txBody>
+                  <a:tcPr marL="108000" anchor="ctr"/>
+                </a:tc>
+                <a:tc>
+                  <a:txBody>
+                    <a:bodyPr/>
+                    <a:lstStyle/>
+                    <a:p>
+                      <a:r>
+                        <a:rPr lang="de-DE" sz="1600" dirty="0"/>
+                        <a:t>0.97 (29.8 : 1)</a:t>
+                      </a:r>
+                    </a:p>
+                  </a:txBody>
+                  <a:tcPr marL="108000" anchor="ctr"/>
+                </a:tc>
+                <a:tc>
+                  <a:txBody>
+                    <a:bodyPr/>
+                    <a:lstStyle/>
+                    <a:p>
+                      <a:r>
+                        <a:rPr lang="de-DE" sz="1600" dirty="0" err="1"/>
+                        <a:t>disgust</a:t>
+                      </a:r>
+                      <a:endParaRPr lang="de-DE" sz="1600" dirty="0"/>
+                    </a:p>
+                  </a:txBody>
+                  <a:tcPr marL="108000" anchor="ctr"/>
+                </a:tc>
+                <a:extLst>
+                  <a:ext uri="{0D108BD9-81ED-4DB2-BD59-A6C34878D82A}">
+                    <a16:rowId xmlns:a16="http://schemas.microsoft.com/office/drawing/2014/main" val="3359924802"/>
+                  </a:ext>
+                </a:extLst>
+              </a:tr>
+            </a:tbl>
+          </a:graphicData>
+        </a:graphic>
+      </p:graphicFrame>
+      <p:sp>
+        <p:nvSpPr>
+          <p:cNvPr id="2" name="Textfeld 1">
+            <a:extLst>
+              <a:ext uri="{FF2B5EF4-FFF2-40B4-BE49-F238E27FC236}">
+                <a16:creationId xmlns:a16="http://schemas.microsoft.com/office/drawing/2014/main" id="{5C3E2A9A-C708-4EC2-86F0-7B11DAA747D6}"/>
+              </a:ext>
+            </a:extLst>
+          </p:cNvPr>
+          <p:cNvSpPr txBox="1"/>
+          <p:nvPr/>
+        </p:nvSpPr>
+        <p:spPr>
+          <a:xfrm>
+            <a:off x="6468029" y="4530359"/>
+            <a:ext cx="5112040" cy="571182"/>
+          </a:xfrm>
+          <a:prstGeom prst="rect">
+            <a:avLst/>
+          </a:prstGeom>
+          <a:noFill/>
+        </p:spPr>
+        <p:txBody>
+          <a:bodyPr wrap="none" lIns="0" tIns="0" rIns="0" bIns="0" rtlCol="0">
+            <a:spAutoFit/>
+          </a:bodyPr>
+          <a:lstStyle/>
+          <a:p>
+            <a:pPr>
+              <a:lnSpc>
+                <a:spcPct val="120000"/>
+              </a:lnSpc>
+              <a:spcBef>
+                <a:spcPts val="750"/>
+              </a:spcBef>
+              <a:buClr>
+                <a:schemeClr val="accent1"/>
+              </a:buClr>
+            </a:pPr>
+            <a:r>
+              <a:rPr lang="en-US" sz="1600" dirty="0">
+                <a:latin typeface="Calibri" panose="020F0502020204030204" pitchFamily="34" charset="0"/>
+                <a:cs typeface="Calibri" panose="020F0502020204030204" pitchFamily="34" charset="0"/>
+              </a:rPr>
+              <a:t>although generally advantageous, stemming/lemmatizing can</a:t>
+            </a:r>
+            <a:br>
+              <a:rPr lang="en-US" sz="1600" dirty="0">
+                <a:latin typeface="Calibri" panose="020F0502020204030204" pitchFamily="34" charset="0"/>
+                <a:cs typeface="Calibri" panose="020F0502020204030204" pitchFamily="34" charset="0"/>
+              </a:rPr>
+            </a:br>
+            <a:r>
+              <a:rPr lang="en-US" sz="1600" dirty="0">
+                <a:latin typeface="Calibri" panose="020F0502020204030204" pitchFamily="34" charset="0"/>
+                <a:cs typeface="Calibri" panose="020F0502020204030204" pitchFamily="34" charset="0"/>
+              </a:rPr>
+              <a:t>have unwanted side effects</a:t>
+            </a:r>
+          </a:p>
+        </p:txBody>
+      </p:sp>
+      <p:cxnSp>
+        <p:nvCxnSpPr>
+          <p:cNvPr id="4" name="Gerader Verbinder 3">
+            <a:extLst>
+              <a:ext uri="{FF2B5EF4-FFF2-40B4-BE49-F238E27FC236}">
+                <a16:creationId xmlns:a16="http://schemas.microsoft.com/office/drawing/2014/main" id="{2EBA8B00-6295-4BEB-AF62-ADB746F50D89}"/>
+              </a:ext>
+            </a:extLst>
+          </p:cNvPr>
+          <p:cNvCxnSpPr>
+            <a:cxnSpLocks/>
+            <a:stCxn id="2" idx="1"/>
+          </p:cNvCxnSpPr>
+          <p:nvPr/>
+        </p:nvCxnSpPr>
+        <p:spPr>
+          <a:xfrm flipH="1" flipV="1">
+            <a:off x="5151469" y="4453360"/>
+            <a:ext cx="1316560" cy="362590"/>
+          </a:xfrm>
+          <a:prstGeom prst="line">
+            <a:avLst/>
+          </a:prstGeom>
+          <a:ln w="12700">
+            <a:solidFill>
+              <a:schemeClr val="tx1"/>
+            </a:solidFill>
+          </a:ln>
+        </p:spPr>
+        <p:style>
+          <a:lnRef idx="1">
+            <a:schemeClr val="accent1"/>
+          </a:lnRef>
+          <a:fillRef idx="0">
+            <a:schemeClr val="accent1"/>
+          </a:fillRef>
+          <a:effectRef idx="0">
+            <a:schemeClr val="accent1"/>
+          </a:effectRef>
+          <a:fontRef idx="minor">
+            <a:schemeClr val="tx1"/>
+          </a:fontRef>
+        </p:style>
+      </p:cxnSp>
+      <p:sp>
+        <p:nvSpPr>
+          <p:cNvPr id="16" name="Titel 1">
+            <a:extLst>
+              <a:ext uri="{FF2B5EF4-FFF2-40B4-BE49-F238E27FC236}">
+                <a16:creationId xmlns:a16="http://schemas.microsoft.com/office/drawing/2014/main" id="{088FB711-ED23-469C-BCF9-1A99A1EE368B}"/>
               </a:ext>
             </a:extLst>
           </p:cNvPr>
@@ -16966,8 +19993,8 @@
         </p:nvSpPr>
         <p:spPr>
           <a:xfrm>
-            <a:off x="624422" y="236155"/>
-            <a:ext cx="10993967" cy="336000"/>
+            <a:off x="624422" y="294967"/>
+            <a:ext cx="10993967" cy="668593"/>
           </a:xfrm>
           <a:prstGeom prst="rect">
             <a:avLst/>
@@ -16998,186 +20025,62 @@
           </a:lstStyle>
           <a:p>
             <a:r>
-              <a:rPr lang="de-DE" dirty="0" err="1">
+              <a:rPr lang="de-DE" sz="2400" dirty="0">
                 <a:latin typeface="Calibri" panose="020F0502020204030204" pitchFamily="34" charset="0"/>
                 <a:cs typeface="Calibri" panose="020F0502020204030204" pitchFamily="34" charset="0"/>
               </a:rPr>
-              <a:t>research</a:t>
-            </a:r>
-            <a:r>
-              <a:rPr lang="de-DE" dirty="0">
+              <a:t>ML feature </a:t>
+            </a:r>
+            <a:r>
+              <a:rPr lang="de-DE" sz="2400" dirty="0" err="1">
                 <a:latin typeface="Calibri" panose="020F0502020204030204" pitchFamily="34" charset="0"/>
                 <a:cs typeface="Calibri" panose="020F0502020204030204" pitchFamily="34" charset="0"/>
               </a:rPr>
-              <a:t> </a:t>
-            </a:r>
-            <a:r>
-              <a:rPr lang="de-DE" dirty="0" err="1">
+              <a:t>based</a:t>
+            </a:r>
+            <a:r>
+              <a:rPr lang="de-DE" sz="2400" dirty="0">
                 <a:latin typeface="Calibri" panose="020F0502020204030204" pitchFamily="34" charset="0"/>
                 <a:cs typeface="Calibri" panose="020F0502020204030204" pitchFamily="34" charset="0"/>
               </a:rPr>
-              <a:t>question</a:t>
+              <a:t> (SSEC-own </a:t>
+            </a:r>
+            <a:r>
+              <a:rPr lang="de-DE" sz="2400" dirty="0" err="1">
+                <a:latin typeface="Calibri" panose="020F0502020204030204" pitchFamily="34" charset="0"/>
+                <a:cs typeface="Calibri" panose="020F0502020204030204" pitchFamily="34" charset="0"/>
+              </a:rPr>
+              <a:t>corpus</a:t>
+            </a:r>
+            <a:r>
+              <a:rPr lang="de-DE" sz="2400" dirty="0">
+                <a:latin typeface="Calibri" panose="020F0502020204030204" pitchFamily="34" charset="0"/>
+                <a:cs typeface="Calibri" panose="020F0502020204030204" pitchFamily="34" charset="0"/>
+              </a:rPr>
+              <a:t>)</a:t>
             </a:r>
             <a:br>
-              <a:rPr lang="de-DE" dirty="0">
+              <a:rPr lang="de-DE" sz="2400" dirty="0">
                 <a:latin typeface="Calibri" panose="020F0502020204030204" pitchFamily="34" charset="0"/>
                 <a:cs typeface="Calibri" panose="020F0502020204030204" pitchFamily="34" charset="0"/>
               </a:rPr>
             </a:br>
             <a:r>
-              <a:rPr lang="en-US" b="0" dirty="0">
+              <a:rPr lang="en-US" sz="2400" b="0" dirty="0">
                 <a:latin typeface="Calibri" panose="020F0502020204030204" pitchFamily="34" charset="0"/>
                 <a:cs typeface="Calibri" panose="020F0502020204030204" pitchFamily="34" charset="0"/>
               </a:rPr>
-              <a:t>second corpus/method</a:t>
-            </a:r>
-          </a:p>
-        </p:txBody>
-      </p:sp>
-      <p:sp>
-        <p:nvSpPr>
-          <p:cNvPr id="7" name="Inhaltsplatzhalter 3">
+              <a:t>evaluation</a:t>
+            </a:r>
+          </a:p>
+        </p:txBody>
+      </p:sp>
+      <p:sp>
+        <p:nvSpPr>
+          <p:cNvPr id="17" name="Textfeld 16">
             <a:extLst>
               <a:ext uri="{FF2B5EF4-FFF2-40B4-BE49-F238E27FC236}">
-                <a16:creationId xmlns:a16="http://schemas.microsoft.com/office/drawing/2014/main" id="{514DE648-80A0-4EF3-AB1B-044DAFBD5493}"/>
-              </a:ext>
-            </a:extLst>
-          </p:cNvPr>
-          <p:cNvSpPr>
-            <a:spLocks noGrp="1"/>
-          </p:cNvSpPr>
-          <p:nvPr>
-            <p:ph sz="half" idx="1"/>
-          </p:nvPr>
-        </p:nvSpPr>
-        <p:spPr>
-          <a:xfrm>
-            <a:off x="622300" y="2179293"/>
-            <a:ext cx="10456443" cy="3170623"/>
-          </a:xfrm>
-        </p:spPr>
-        <p:txBody>
-          <a:bodyPr anchor="t" anchorCtr="0"/>
-          <a:lstStyle/>
-          <a:p>
-            <a:r>
-              <a:rPr lang="en-US" sz="2000" dirty="0">
-                <a:latin typeface="Calibri" panose="020F0502020204030204" pitchFamily="34" charset="0"/>
-                <a:cs typeface="Calibri" panose="020F0502020204030204" pitchFamily="34" charset="0"/>
-              </a:rPr>
-              <a:t>data source </a:t>
-            </a:r>
-            <a:r>
-              <a:rPr lang="en-US" sz="2000" dirty="0">
-                <a:solidFill>
-                  <a:schemeClr val="accent1"/>
-                </a:solidFill>
-                <a:latin typeface="Calibri" panose="020F0502020204030204" pitchFamily="34" charset="0"/>
-                <a:cs typeface="Calibri" panose="020F0502020204030204" pitchFamily="34" charset="0"/>
-                <a:sym typeface="Wingdings" panose="05000000000000000000" pitchFamily="2" charset="2"/>
-              </a:rPr>
-              <a:t></a:t>
-            </a:r>
-            <a:r>
-              <a:rPr lang="en-US" sz="2000" dirty="0">
-                <a:latin typeface="Calibri" panose="020F0502020204030204" pitchFamily="34" charset="0"/>
-                <a:cs typeface="Calibri" panose="020F0502020204030204" pitchFamily="34" charset="0"/>
-                <a:sym typeface="Wingdings" panose="05000000000000000000" pitchFamily="2" charset="2"/>
-              </a:rPr>
-              <a:t> TEC and CrowdFlower</a:t>
-            </a:r>
-            <a:endParaRPr lang="en-US" sz="2000" dirty="0">
-              <a:latin typeface="Calibri" panose="020F0502020204030204" pitchFamily="34" charset="0"/>
-              <a:cs typeface="Calibri" panose="020F0502020204030204" pitchFamily="34" charset="0"/>
-            </a:endParaRPr>
-          </a:p>
-          <a:p>
-            <a:pPr lvl="1"/>
-            <a:r>
-              <a:rPr lang="en-US" sz="2000" dirty="0">
-                <a:latin typeface="Calibri" panose="020F0502020204030204" pitchFamily="34" charset="0"/>
-                <a:cs typeface="Calibri" panose="020F0502020204030204" pitchFamily="34" charset="0"/>
-              </a:rPr>
-              <a:t>same emotion categories and annotation type</a:t>
-            </a:r>
-          </a:p>
-          <a:p>
-            <a:pPr lvl="2"/>
-            <a:r>
-              <a:rPr lang="en-US" sz="2000" dirty="0">
-                <a:latin typeface="Calibri" panose="020F0502020204030204" pitchFamily="34" charset="0"/>
-                <a:cs typeface="Calibri" panose="020F0502020204030204" pitchFamily="34" charset="0"/>
-              </a:rPr>
-              <a:t>numeric valences or categories, single or multi-label…</a:t>
-            </a:r>
-          </a:p>
-          <a:p>
-            <a:pPr lvl="1"/>
-            <a:r>
-              <a:rPr lang="en-US" sz="2000" dirty="0">
-                <a:latin typeface="Calibri" panose="020F0502020204030204" pitchFamily="34" charset="0"/>
-                <a:cs typeface="Calibri" panose="020F0502020204030204" pitchFamily="34" charset="0"/>
-              </a:rPr>
-              <a:t>similar size for training and testing</a:t>
-            </a:r>
-          </a:p>
-          <a:p>
-            <a:pPr lvl="1"/>
-            <a:r>
-              <a:rPr lang="en-US" sz="2000" dirty="0">
-                <a:latin typeface="Calibri" panose="020F0502020204030204" pitchFamily="34" charset="0"/>
-                <a:cs typeface="Calibri" panose="020F0502020204030204" pitchFamily="34" charset="0"/>
-              </a:rPr>
-              <a:t>similar (or no specific) domain and data type (tweets, sentences, …)</a:t>
-            </a:r>
-          </a:p>
-          <a:p>
-            <a:r>
-              <a:rPr lang="en-US" sz="2000" dirty="0">
-                <a:latin typeface="Calibri" panose="020F0502020204030204" pitchFamily="34" charset="0"/>
-                <a:cs typeface="Calibri" panose="020F0502020204030204" pitchFamily="34" charset="0"/>
-              </a:rPr>
-              <a:t>method </a:t>
-            </a:r>
-            <a:r>
-              <a:rPr lang="en-US" sz="2000" dirty="0">
-                <a:solidFill>
-                  <a:schemeClr val="accent1"/>
-                </a:solidFill>
-                <a:latin typeface="Calibri" panose="020F0502020204030204" pitchFamily="34" charset="0"/>
-                <a:cs typeface="Calibri" panose="020F0502020204030204" pitchFamily="34" charset="0"/>
-                <a:sym typeface="Wingdings" panose="05000000000000000000" pitchFamily="2" charset="2"/>
-              </a:rPr>
-              <a:t></a:t>
-            </a:r>
-            <a:r>
-              <a:rPr lang="en-US" sz="2000" dirty="0">
-                <a:latin typeface="Calibri" panose="020F0502020204030204" pitchFamily="34" charset="0"/>
-                <a:cs typeface="Calibri" panose="020F0502020204030204" pitchFamily="34" charset="0"/>
-                <a:sym typeface="Wingdings" panose="05000000000000000000" pitchFamily="2" charset="2"/>
-              </a:rPr>
-              <a:t> deep learning </a:t>
-            </a:r>
-            <a:r>
-              <a:rPr lang="en-US" sz="2000" dirty="0">
-                <a:highlight>
-                  <a:srgbClr val="FFFF00"/>
-                </a:highlight>
-                <a:latin typeface="Calibri" panose="020F0502020204030204" pitchFamily="34" charset="0"/>
-                <a:cs typeface="Calibri" panose="020F0502020204030204" pitchFamily="34" charset="0"/>
-                <a:sym typeface="Wingdings" panose="05000000000000000000" pitchFamily="2" charset="2"/>
-              </a:rPr>
-              <a:t>XY</a:t>
-            </a:r>
-          </a:p>
-        </p:txBody>
-      </p:sp>
-      <p:sp>
-        <p:nvSpPr>
-          <p:cNvPr id="2" name="Textfeld 1">
-            <a:extLst>
-              <a:ext uri="{FF2B5EF4-FFF2-40B4-BE49-F238E27FC236}">
-                <a16:creationId xmlns:a16="http://schemas.microsoft.com/office/drawing/2014/main" id="{85FE11BF-250B-4600-A61E-DD285B609904}"/>
+                <a16:creationId xmlns:a16="http://schemas.microsoft.com/office/drawing/2014/main" id="{DF919B75-31B8-4EB7-854D-E2F7970DEEB7}"/>
               </a:ext>
             </a:extLst>
           </p:cNvPr>
@@ -17186,8 +20089,8 @@
         </p:nvSpPr>
         <p:spPr>
           <a:xfrm>
-            <a:off x="623362" y="1508084"/>
-            <a:ext cx="10456442" cy="615553"/>
+            <a:off x="6468029" y="2618406"/>
+            <a:ext cx="4082528" cy="571182"/>
           </a:xfrm>
           <a:prstGeom prst="rect">
             <a:avLst/>
@@ -17195,45 +20098,103 @@
           <a:noFill/>
         </p:spPr>
         <p:txBody>
-          <a:bodyPr wrap="square" lIns="0" tIns="0" rIns="0" bIns="0" rtlCol="0">
+          <a:bodyPr wrap="none" lIns="0" tIns="0" rIns="0" bIns="0" rtlCol="0">
             <a:spAutoFit/>
           </a:bodyPr>
           <a:lstStyle/>
           <a:p>
-            <a:r>
-              <a:rPr lang="en-US" sz="2000" b="1" dirty="0">
+            <a:pPr>
+              <a:lnSpc>
+                <a:spcPct val="120000"/>
+              </a:lnSpc>
+              <a:spcBef>
+                <a:spcPts val="750"/>
+              </a:spcBef>
+              <a:buClr>
+                <a:schemeClr val="accent1"/>
+              </a:buClr>
+            </a:pPr>
+            <a:r>
+              <a:rPr lang="en-US" sz="1600" dirty="0">
                 <a:latin typeface="Calibri" panose="020F0502020204030204" pitchFamily="34" charset="0"/>
                 <a:cs typeface="Calibri" panose="020F0502020204030204" pitchFamily="34" charset="0"/>
               </a:rPr>
-              <a:t>Comparison between domain independent corpora with the same annotation categories result:</a:t>
-            </a:r>
-          </a:p>
-          <a:p>
-            <a:r>
-              <a:rPr lang="en-US" sz="2000" b="1" dirty="0">
+              <a:t>the features for the emotions sadness (and trust)</a:t>
+            </a:r>
+            <a:br>
+              <a:rPr lang="en-US" sz="1600" dirty="0">
                 <a:latin typeface="Calibri" panose="020F0502020204030204" pitchFamily="34" charset="0"/>
                 <a:cs typeface="Calibri" panose="020F0502020204030204" pitchFamily="34" charset="0"/>
               </a:rPr>
-              <a:t>Will an algorithm trained on a corpus evaluate the same on the other corpus as on its own test set?</a:t>
-            </a:r>
-          </a:p>
-        </p:txBody>
-      </p:sp>
+            </a:br>
+            <a:r>
+              <a:rPr lang="en-US" sz="1600" dirty="0">
+                <a:latin typeface="Calibri" panose="020F0502020204030204" pitchFamily="34" charset="0"/>
+                <a:cs typeface="Calibri" panose="020F0502020204030204" pitchFamily="34" charset="0"/>
+              </a:rPr>
+              <a:t>are comparably less informative </a:t>
+            </a:r>
+          </a:p>
+        </p:txBody>
+      </p:sp>
+      <p:cxnSp>
+        <p:nvCxnSpPr>
+          <p:cNvPr id="19" name="Gerader Verbinder 18">
+            <a:extLst>
+              <a:ext uri="{FF2B5EF4-FFF2-40B4-BE49-F238E27FC236}">
+                <a16:creationId xmlns:a16="http://schemas.microsoft.com/office/drawing/2014/main" id="{591B378A-A9DC-4F3E-9FC7-C44976D5E4C7}"/>
+              </a:ext>
+            </a:extLst>
+          </p:cNvPr>
+          <p:cNvCxnSpPr>
+            <a:endCxn id="17" idx="1"/>
+          </p:cNvCxnSpPr>
+          <p:nvPr/>
+        </p:nvCxnSpPr>
+        <p:spPr>
+          <a:xfrm flipV="1">
+            <a:off x="5151469" y="2903997"/>
+            <a:ext cx="1316560" cy="783182"/>
+          </a:xfrm>
+          <a:prstGeom prst="line">
+            <a:avLst/>
+          </a:prstGeom>
+          <a:ln w="12700">
+            <a:solidFill>
+              <a:schemeClr val="tx1"/>
+            </a:solidFill>
+          </a:ln>
+        </p:spPr>
+        <p:style>
+          <a:lnRef idx="1">
+            <a:schemeClr val="accent1"/>
+          </a:lnRef>
+          <a:fillRef idx="0">
+            <a:schemeClr val="accent1"/>
+          </a:fillRef>
+          <a:effectRef idx="0">
+            <a:schemeClr val="accent1"/>
+          </a:effectRef>
+          <a:fontRef idx="minor">
+            <a:schemeClr val="tx1"/>
+          </a:fontRef>
+        </p:style>
+      </p:cxnSp>
     </p:spTree>
     <p:extLst>
       <p:ext uri="{BB962C8B-B14F-4D97-AF65-F5344CB8AC3E}">
-        <p14:creationId xmlns:p14="http://schemas.microsoft.com/office/powerpoint/2010/main" val="1067270195"/>
+        <p14:creationId xmlns:p14="http://schemas.microsoft.com/office/powerpoint/2010/main" val="4070859628"/>
       </p:ext>
     </p:extLst>
   </p:cSld>
   <p:clrMapOvr>
     <a:masterClrMapping/>
   </p:clrMapOvr>
-  <mc:AlternateContent xmlns:mc="http://schemas.openxmlformats.org/markup-compatibility/2006">
-    <mc:Choice xmlns:p14="http://schemas.microsoft.com/office/powerpoint/2010/main" Requires="p14">
+  <mc:AlternateContent xmlns:mc="http://schemas.openxmlformats.org/markup-compatibility/2006" xmlns:p14="http://schemas.microsoft.com/office/powerpoint/2010/main">
+    <mc:Choice Requires="p14">
       <p:transition p14:dur="0" advTm="2361"/>
     </mc:Choice>
-    <mc:Fallback>
+    <mc:Fallback xmlns="">
       <p:transition advTm="2361"/>
     </mc:Fallback>
   </mc:AlternateContent>
@@ -17259,43 +20220,10 @@
       </p:grpSpPr>
       <p:sp>
         <p:nvSpPr>
-          <p:cNvPr id="3" name="Inhaltsplatzhalter 2">
+          <p:cNvPr id="5" name="Foliennummernplatzhalter 4">
             <a:extLst>
               <a:ext uri="{FF2B5EF4-FFF2-40B4-BE49-F238E27FC236}">
-                <a16:creationId xmlns:a16="http://schemas.microsoft.com/office/drawing/2014/main" id="{30C071D9-C152-4B4C-8670-17953DFAFBAD}"/>
-              </a:ext>
-            </a:extLst>
-          </p:cNvPr>
-          <p:cNvSpPr>
-            <a:spLocks noGrp="1"/>
-          </p:cNvSpPr>
-          <p:nvPr>
-            <p:ph idx="1"/>
-          </p:nvPr>
-        </p:nvSpPr>
-        <p:spPr>
-          <a:xfrm>
-            <a:off x="623362" y="1724144"/>
-            <a:ext cx="8228808" cy="3247248"/>
-          </a:xfrm>
-        </p:spPr>
-        <p:txBody>
-          <a:bodyPr/>
-          <a:lstStyle/>
-          <a:p>
-            <a:endParaRPr lang="en-US" sz="2000" dirty="0">
-              <a:latin typeface="Calibri" panose="020F0502020204030204" pitchFamily="34" charset="0"/>
-              <a:cs typeface="Calibri" panose="020F0502020204030204" pitchFamily="34" charset="0"/>
-            </a:endParaRPr>
-          </a:p>
-        </p:txBody>
-      </p:sp>
-      <p:sp>
-        <p:nvSpPr>
-          <p:cNvPr id="5" name="Foliennummernplatzhalter 4">
-            <a:extLst>
-              <a:ext uri="{FF2B5EF4-FFF2-40B4-BE49-F238E27FC236}">
-                <a16:creationId xmlns:a16="http://schemas.microsoft.com/office/drawing/2014/main" id="{8AA0AB04-E529-4D5B-8313-25777FD9A531}"/>
+                <a16:creationId xmlns:a16="http://schemas.microsoft.com/office/drawing/2014/main" id="{178677E2-3871-4EB1-9638-C60EABEB7788}"/>
               </a:ext>
             </a:extLst>
           </p:cNvPr>
@@ -17326,10 +20254,1671 @@
       </p:sp>
       <p:sp>
         <p:nvSpPr>
-          <p:cNvPr id="8" name="Titel 1">
+          <p:cNvPr id="6" name="Fußzeilenplatzhalter 5">
             <a:extLst>
               <a:ext uri="{FF2B5EF4-FFF2-40B4-BE49-F238E27FC236}">
-                <a16:creationId xmlns:a16="http://schemas.microsoft.com/office/drawing/2014/main" id="{030E1C4A-A844-41C0-9D98-62558EDA55DC}"/>
+                <a16:creationId xmlns:a16="http://schemas.microsoft.com/office/drawing/2014/main" id="{8C3F8C20-2557-41C5-939A-FD6E581E5742}"/>
+              </a:ext>
+            </a:extLst>
+          </p:cNvPr>
+          <p:cNvSpPr>
+            <a:spLocks noGrp="1"/>
+          </p:cNvSpPr>
+          <p:nvPr>
+            <p:ph type="ftr" sz="quarter" idx="11"/>
+          </p:nvPr>
+        </p:nvSpPr>
+        <p:spPr>
+          <a:xfrm>
+            <a:off x="623362" y="6659954"/>
+            <a:ext cx="7460324" cy="314777"/>
+          </a:xfrm>
+        </p:spPr>
+        <p:txBody>
+          <a:bodyPr/>
+          <a:lstStyle/>
+          <a:p>
+            <a:pPr algn="ctr"/>
+            <a:r>
+              <a:rPr lang="de-DE" dirty="0"/>
+              <a:t>Emotion Analysis | ML-</a:t>
+            </a:r>
+            <a:r>
+              <a:rPr lang="de-DE" dirty="0" err="1"/>
+              <a:t>based</a:t>
+            </a:r>
+            <a:r>
+              <a:rPr lang="de-DE" dirty="0"/>
+              <a:t> Emotion Classification		           Felix Bühler | Max Wegge | Carlotta Quensel</a:t>
+            </a:r>
+          </a:p>
+        </p:txBody>
+      </p:sp>
+      <p:sp>
+        <p:nvSpPr>
+          <p:cNvPr id="9" name="Inhaltsplatzhalter 3">
+            <a:extLst>
+              <a:ext uri="{FF2B5EF4-FFF2-40B4-BE49-F238E27FC236}">
+                <a16:creationId xmlns:a16="http://schemas.microsoft.com/office/drawing/2014/main" id="{0B7302BF-1A02-4205-B6DB-08DEF3D118E1}"/>
+              </a:ext>
+            </a:extLst>
+          </p:cNvPr>
+          <p:cNvSpPr>
+            <a:spLocks noGrp="1"/>
+          </p:cNvSpPr>
+          <p:nvPr>
+            <p:ph sz="half" idx="1"/>
+          </p:nvPr>
+        </p:nvSpPr>
+        <p:spPr>
+          <a:xfrm>
+            <a:off x="9184621" y="2045498"/>
+            <a:ext cx="2814176" cy="668593"/>
+          </a:xfrm>
+        </p:spPr>
+        <p:txBody>
+          <a:bodyPr anchor="t" anchorCtr="0"/>
+          <a:lstStyle/>
+          <a:p>
+            <a:pPr marL="0" indent="0">
+              <a:buNone/>
+            </a:pPr>
+            <a:r>
+              <a:rPr lang="en-US" sz="1800" dirty="0">
+                <a:latin typeface="Calibri" panose="020F0502020204030204" pitchFamily="34" charset="0"/>
+                <a:cs typeface="Calibri" panose="020F0502020204030204" pitchFamily="34" charset="0"/>
+              </a:rPr>
+              <a:t>‘Anticipation’ does not occur in the training data</a:t>
+            </a:r>
+          </a:p>
+        </p:txBody>
+      </p:sp>
+      <p:graphicFrame>
+        <p:nvGraphicFramePr>
+          <p:cNvPr id="11" name="Tabelle 5">
+            <a:extLst>
+              <a:ext uri="{FF2B5EF4-FFF2-40B4-BE49-F238E27FC236}">
+                <a16:creationId xmlns:a16="http://schemas.microsoft.com/office/drawing/2014/main" id="{08690047-01DD-47DB-8356-6513B730E3DB}"/>
+              </a:ext>
+            </a:extLst>
+          </p:cNvPr>
+          <p:cNvGraphicFramePr>
+            <a:graphicFrameLocks noGrp="1"/>
+          </p:cNvGraphicFramePr>
+          <p:nvPr>
+            <p:extLst>
+              <p:ext uri="{D42A27DB-BD31-4B8C-83A1-F6EECF244321}">
+                <p14:modId xmlns:p14="http://schemas.microsoft.com/office/powerpoint/2010/main" val="63425558"/>
+              </p:ext>
+            </p:extLst>
+          </p:nvPr>
+        </p:nvGraphicFramePr>
+        <p:xfrm>
+          <a:off x="193203" y="1571438"/>
+          <a:ext cx="8616635" cy="1854200"/>
+        </p:xfrm>
+        <a:graphic>
+          <a:graphicData uri="http://schemas.openxmlformats.org/drawingml/2006/table">
+            <a:tbl>
+              <a:tblPr firstRow="1" firstCol="1" bandRow="1">
+                <a:tableStyleId>{5C22544A-7EE6-4342-B048-85BDC9FD1C3A}</a:tableStyleId>
+              </a:tblPr>
+              <a:tblGrid>
+                <a:gridCol w="1143318">
+                  <a:extLst>
+                    <a:ext uri="{9D8B030D-6E8A-4147-A177-3AD203B41FA5}">
+                      <a16:colId xmlns:a16="http://schemas.microsoft.com/office/drawing/2014/main" val="904522008"/>
+                    </a:ext>
+                  </a:extLst>
+                </a:gridCol>
+                <a:gridCol w="748030">
+                  <a:extLst>
+                    <a:ext uri="{9D8B030D-6E8A-4147-A177-3AD203B41FA5}">
+                      <a16:colId xmlns:a16="http://schemas.microsoft.com/office/drawing/2014/main" val="3206008072"/>
+                    </a:ext>
+                  </a:extLst>
+                </a:gridCol>
+                <a:gridCol w="1051243">
+                  <a:extLst>
+                    <a:ext uri="{9D8B030D-6E8A-4147-A177-3AD203B41FA5}">
+                      <a16:colId xmlns:a16="http://schemas.microsoft.com/office/drawing/2014/main" val="3161580150"/>
+                    </a:ext>
+                  </a:extLst>
+                </a:gridCol>
+                <a:gridCol w="748030">
+                  <a:extLst>
+                    <a:ext uri="{9D8B030D-6E8A-4147-A177-3AD203B41FA5}">
+                      <a16:colId xmlns:a16="http://schemas.microsoft.com/office/drawing/2014/main" val="3850954421"/>
+                    </a:ext>
+                  </a:extLst>
+                </a:gridCol>
+                <a:gridCol w="962343">
+                  <a:extLst>
+                    <a:ext uri="{9D8B030D-6E8A-4147-A177-3AD203B41FA5}">
+                      <a16:colId xmlns:a16="http://schemas.microsoft.com/office/drawing/2014/main" val="876656155"/>
+                    </a:ext>
+                  </a:extLst>
+                </a:gridCol>
+                <a:gridCol w="792480">
+                  <a:extLst>
+                    <a:ext uri="{9D8B030D-6E8A-4147-A177-3AD203B41FA5}">
+                      <a16:colId xmlns:a16="http://schemas.microsoft.com/office/drawing/2014/main" val="4199812047"/>
+                    </a:ext>
+                  </a:extLst>
+                </a:gridCol>
+                <a:gridCol w="748030">
+                  <a:extLst>
+                    <a:ext uri="{9D8B030D-6E8A-4147-A177-3AD203B41FA5}">
+                      <a16:colId xmlns:a16="http://schemas.microsoft.com/office/drawing/2014/main" val="3748414775"/>
+                    </a:ext>
+                  </a:extLst>
+                </a:gridCol>
+                <a:gridCol w="1041718">
+                  <a:extLst>
+                    <a:ext uri="{9D8B030D-6E8A-4147-A177-3AD203B41FA5}">
+                      <a16:colId xmlns:a16="http://schemas.microsoft.com/office/drawing/2014/main" val="1920332073"/>
+                    </a:ext>
+                  </a:extLst>
+                </a:gridCol>
+                <a:gridCol w="1381443">
+                  <a:extLst>
+                    <a:ext uri="{9D8B030D-6E8A-4147-A177-3AD203B41FA5}">
+                      <a16:colId xmlns:a16="http://schemas.microsoft.com/office/drawing/2014/main" val="3866347521"/>
+                    </a:ext>
+                  </a:extLst>
+                </a:gridCol>
+              </a:tblGrid>
+              <a:tr h="370840">
+                <a:tc>
+                  <a:txBody>
+                    <a:bodyPr/>
+                    <a:lstStyle/>
+                    <a:p>
+                      <a:endParaRPr lang="de-DE" sz="1600" dirty="0"/>
+                    </a:p>
+                  </a:txBody>
+                  <a:tcPr>
+                    <a:noFill/>
+                  </a:tcPr>
+                </a:tc>
+                <a:tc>
+                  <a:txBody>
+                    <a:bodyPr/>
+                    <a:lstStyle/>
+                    <a:p>
+                      <a:r>
+                        <a:rPr lang="de-DE" sz="1600" dirty="0" err="1"/>
+                        <a:t>joy</a:t>
+                      </a:r>
+                      <a:endParaRPr lang="de-DE" sz="1600" dirty="0"/>
+                    </a:p>
+                  </a:txBody>
+                  <a:tcPr/>
+                </a:tc>
+                <a:tc>
+                  <a:txBody>
+                    <a:bodyPr/>
+                    <a:lstStyle/>
+                    <a:p>
+                      <a:r>
+                        <a:rPr lang="de-DE" sz="1600" dirty="0" err="1"/>
+                        <a:t>sadness</a:t>
+                      </a:r>
+                      <a:endParaRPr lang="de-DE" sz="1600" dirty="0"/>
+                    </a:p>
+                  </a:txBody>
+                  <a:tcPr/>
+                </a:tc>
+                <a:tc>
+                  <a:txBody>
+                    <a:bodyPr/>
+                    <a:lstStyle/>
+                    <a:p>
+                      <a:r>
+                        <a:rPr lang="de-DE" sz="1600" dirty="0" err="1"/>
+                        <a:t>trust</a:t>
+                      </a:r>
+                      <a:endParaRPr lang="de-DE" sz="1600" dirty="0"/>
+                    </a:p>
+                  </a:txBody>
+                  <a:tcPr/>
+                </a:tc>
+                <a:tc>
+                  <a:txBody>
+                    <a:bodyPr/>
+                    <a:lstStyle/>
+                    <a:p>
+                      <a:r>
+                        <a:rPr lang="de-DE" sz="1600" dirty="0" err="1"/>
+                        <a:t>disgust</a:t>
+                      </a:r>
+                      <a:endParaRPr lang="de-DE" sz="1600" dirty="0"/>
+                    </a:p>
+                  </a:txBody>
+                  <a:tcPr/>
+                </a:tc>
+                <a:tc>
+                  <a:txBody>
+                    <a:bodyPr/>
+                    <a:lstStyle/>
+                    <a:p>
+                      <a:r>
+                        <a:rPr lang="de-DE" sz="1600" dirty="0" err="1"/>
+                        <a:t>anger</a:t>
+                      </a:r>
+                      <a:endParaRPr lang="de-DE" sz="1600" dirty="0"/>
+                    </a:p>
+                  </a:txBody>
+                  <a:tcPr/>
+                </a:tc>
+                <a:tc>
+                  <a:txBody>
+                    <a:bodyPr/>
+                    <a:lstStyle/>
+                    <a:p>
+                      <a:r>
+                        <a:rPr lang="de-DE" sz="1600" dirty="0" err="1"/>
+                        <a:t>fear</a:t>
+                      </a:r>
+                      <a:endParaRPr lang="de-DE" sz="1600" dirty="0"/>
+                    </a:p>
+                  </a:txBody>
+                  <a:tcPr/>
+                </a:tc>
+                <a:tc>
+                  <a:txBody>
+                    <a:bodyPr/>
+                    <a:lstStyle/>
+                    <a:p>
+                      <a:r>
+                        <a:rPr lang="de-DE" sz="1600" dirty="0" err="1"/>
+                        <a:t>surprise</a:t>
+                      </a:r>
+                      <a:endParaRPr lang="de-DE" sz="1600" dirty="0"/>
+                    </a:p>
+                  </a:txBody>
+                  <a:tcPr/>
+                </a:tc>
+                <a:tc>
+                  <a:txBody>
+                    <a:bodyPr/>
+                    <a:lstStyle/>
+                    <a:p>
+                      <a:r>
+                        <a:rPr lang="de-DE" sz="1600" dirty="0" err="1"/>
+                        <a:t>anticipation</a:t>
+                      </a:r>
+                      <a:endParaRPr lang="de-DE" sz="1600" dirty="0"/>
+                    </a:p>
+                  </a:txBody>
+                  <a:tcPr/>
+                </a:tc>
+                <a:extLst>
+                  <a:ext uri="{0D108BD9-81ED-4DB2-BD59-A6C34878D82A}">
+                    <a16:rowId xmlns:a16="http://schemas.microsoft.com/office/drawing/2014/main" val="3600120221"/>
+                  </a:ext>
+                </a:extLst>
+              </a:tr>
+              <a:tr h="370840">
+                <a:tc>
+                  <a:txBody>
+                    <a:bodyPr/>
+                    <a:lstStyle/>
+                    <a:p>
+                      <a:r>
+                        <a:rPr lang="de-DE" sz="1600" dirty="0" err="1"/>
+                        <a:t>precision</a:t>
+                      </a:r>
+                      <a:endParaRPr lang="de-DE" sz="1600" dirty="0"/>
+                    </a:p>
+                  </a:txBody>
+                  <a:tcPr/>
+                </a:tc>
+                <a:tc>
+                  <a:txBody>
+                    <a:bodyPr/>
+                    <a:lstStyle/>
+                    <a:p>
+                      <a:r>
+                        <a:rPr lang="de-DE" sz="1600" dirty="0"/>
+                        <a:t>0.654</a:t>
+                      </a:r>
+                    </a:p>
+                  </a:txBody>
+                  <a:tcPr/>
+                </a:tc>
+                <a:tc>
+                  <a:txBody>
+                    <a:bodyPr/>
+                    <a:lstStyle/>
+                    <a:p>
+                      <a:r>
+                        <a:rPr lang="de-DE" sz="1600"/>
+                        <a:t>0.687</a:t>
+                      </a:r>
+                      <a:endParaRPr lang="de-DE" sz="1600" dirty="0"/>
+                    </a:p>
+                  </a:txBody>
+                  <a:tcPr/>
+                </a:tc>
+                <a:tc>
+                  <a:txBody>
+                    <a:bodyPr/>
+                    <a:lstStyle/>
+                    <a:p>
+                      <a:r>
+                        <a:rPr lang="de-DE" sz="1600" dirty="0"/>
+                        <a:t>0.612</a:t>
+                      </a:r>
+                    </a:p>
+                  </a:txBody>
+                  <a:tcPr/>
+                </a:tc>
+                <a:tc>
+                  <a:txBody>
+                    <a:bodyPr/>
+                    <a:lstStyle/>
+                    <a:p>
+                      <a:r>
+                        <a:rPr lang="de-DE" sz="1600" dirty="0"/>
+                        <a:t>0.653</a:t>
+                      </a:r>
+                    </a:p>
+                  </a:txBody>
+                  <a:tcPr/>
+                </a:tc>
+                <a:tc>
+                  <a:txBody>
+                    <a:bodyPr/>
+                    <a:lstStyle/>
+                    <a:p>
+                      <a:r>
+                        <a:rPr lang="de-DE" sz="1600" dirty="0"/>
+                        <a:t>0.747</a:t>
+                      </a:r>
+                    </a:p>
+                  </a:txBody>
+                  <a:tcPr/>
+                </a:tc>
+                <a:tc>
+                  <a:txBody>
+                    <a:bodyPr/>
+                    <a:lstStyle/>
+                    <a:p>
+                      <a:r>
+                        <a:rPr lang="de-DE" sz="1600" dirty="0"/>
+                        <a:t>0.533</a:t>
+                      </a:r>
+                    </a:p>
+                  </a:txBody>
+                  <a:tcPr/>
+                </a:tc>
+                <a:tc>
+                  <a:txBody>
+                    <a:bodyPr/>
+                    <a:lstStyle/>
+                    <a:p>
+                      <a:r>
+                        <a:rPr lang="de-DE" sz="1600" dirty="0"/>
+                        <a:t>0.209</a:t>
+                      </a:r>
+                    </a:p>
+                  </a:txBody>
+                  <a:tcPr/>
+                </a:tc>
+                <a:tc>
+                  <a:txBody>
+                    <a:bodyPr/>
+                    <a:lstStyle/>
+                    <a:p>
+                      <a:r>
+                        <a:rPr lang="de-DE" sz="1600" dirty="0"/>
+                        <a:t>0</a:t>
+                      </a:r>
+                    </a:p>
+                  </a:txBody>
+                  <a:tcPr/>
+                </a:tc>
+                <a:extLst>
+                  <a:ext uri="{0D108BD9-81ED-4DB2-BD59-A6C34878D82A}">
+                    <a16:rowId xmlns:a16="http://schemas.microsoft.com/office/drawing/2014/main" val="4114767378"/>
+                  </a:ext>
+                </a:extLst>
+              </a:tr>
+              <a:tr h="370840">
+                <a:tc>
+                  <a:txBody>
+                    <a:bodyPr/>
+                    <a:lstStyle/>
+                    <a:p>
+                      <a:r>
+                        <a:rPr lang="de-DE" sz="1600" dirty="0" err="1"/>
+                        <a:t>recall</a:t>
+                      </a:r>
+                      <a:endParaRPr lang="de-DE" sz="1600" dirty="0"/>
+                    </a:p>
+                  </a:txBody>
+                  <a:tcPr/>
+                </a:tc>
+                <a:tc>
+                  <a:txBody>
+                    <a:bodyPr/>
+                    <a:lstStyle/>
+                    <a:p>
+                      <a:r>
+                        <a:rPr lang="de-DE" sz="1600" dirty="0"/>
+                        <a:t>0.621</a:t>
+                      </a:r>
+                    </a:p>
+                  </a:txBody>
+                  <a:tcPr/>
+                </a:tc>
+                <a:tc>
+                  <a:txBody>
+                    <a:bodyPr/>
+                    <a:lstStyle/>
+                    <a:p>
+                      <a:r>
+                        <a:rPr lang="de-DE" sz="1600" dirty="0"/>
+                        <a:t>0.75</a:t>
+                      </a:r>
+                    </a:p>
+                  </a:txBody>
+                  <a:tcPr/>
+                </a:tc>
+                <a:tc>
+                  <a:txBody>
+                    <a:bodyPr/>
+                    <a:lstStyle/>
+                    <a:p>
+                      <a:r>
+                        <a:rPr lang="de-DE" sz="1600" dirty="0"/>
+                        <a:t>0.644</a:t>
+                      </a:r>
+                    </a:p>
+                  </a:txBody>
+                  <a:tcPr/>
+                </a:tc>
+                <a:tc>
+                  <a:txBody>
+                    <a:bodyPr/>
+                    <a:lstStyle/>
+                    <a:p>
+                      <a:r>
+                        <a:rPr lang="de-DE" sz="1600" dirty="0"/>
+                        <a:t>0.7</a:t>
+                      </a:r>
+                    </a:p>
+                  </a:txBody>
+                  <a:tcPr/>
+                </a:tc>
+                <a:tc>
+                  <a:txBody>
+                    <a:bodyPr/>
+                    <a:lstStyle/>
+                    <a:p>
+                      <a:r>
+                        <a:rPr lang="de-DE" sz="1600" dirty="0"/>
+                        <a:t>0.813</a:t>
+                      </a:r>
+                    </a:p>
+                  </a:txBody>
+                  <a:tcPr/>
+                </a:tc>
+                <a:tc>
+                  <a:txBody>
+                    <a:bodyPr/>
+                    <a:lstStyle/>
+                    <a:p>
+                      <a:r>
+                        <a:rPr lang="de-DE" sz="1600" dirty="0"/>
+                        <a:t>0.596</a:t>
+                      </a:r>
+                    </a:p>
+                  </a:txBody>
+                  <a:tcPr/>
+                </a:tc>
+                <a:tc>
+                  <a:txBody>
+                    <a:bodyPr/>
+                    <a:lstStyle/>
+                    <a:p>
+                      <a:r>
+                        <a:rPr lang="de-DE" sz="1600" dirty="0"/>
+                        <a:t>0.267</a:t>
+                      </a:r>
+                    </a:p>
+                  </a:txBody>
+                  <a:tcPr/>
+                </a:tc>
+                <a:tc>
+                  <a:txBody>
+                    <a:bodyPr/>
+                    <a:lstStyle/>
+                    <a:p>
+                      <a:r>
+                        <a:rPr lang="de-DE" sz="1600" dirty="0"/>
+                        <a:t>0</a:t>
+                      </a:r>
+                    </a:p>
+                  </a:txBody>
+                  <a:tcPr/>
+                </a:tc>
+                <a:extLst>
+                  <a:ext uri="{0D108BD9-81ED-4DB2-BD59-A6C34878D82A}">
+                    <a16:rowId xmlns:a16="http://schemas.microsoft.com/office/drawing/2014/main" val="1543987583"/>
+                  </a:ext>
+                </a:extLst>
+              </a:tr>
+              <a:tr h="370840">
+                <a:tc>
+                  <a:txBody>
+                    <a:bodyPr/>
+                    <a:lstStyle/>
+                    <a:p>
+                      <a:r>
+                        <a:rPr lang="de-DE" sz="1600" dirty="0" err="1"/>
+                        <a:t>accuracy</a:t>
+                      </a:r>
+                      <a:endParaRPr lang="de-DE" sz="1600" dirty="0"/>
+                    </a:p>
+                  </a:txBody>
+                  <a:tcPr/>
+                </a:tc>
+                <a:tc>
+                  <a:txBody>
+                    <a:bodyPr/>
+                    <a:lstStyle/>
+                    <a:p>
+                      <a:r>
+                        <a:rPr lang="de-DE" sz="1600" dirty="0"/>
+                        <a:t>0.728</a:t>
+                      </a:r>
+                    </a:p>
+                  </a:txBody>
+                  <a:tcPr/>
+                </a:tc>
+                <a:tc>
+                  <a:txBody>
+                    <a:bodyPr/>
+                    <a:lstStyle/>
+                    <a:p>
+                      <a:r>
+                        <a:rPr lang="de-DE" sz="1600" dirty="0"/>
+                        <a:t>0.655</a:t>
+                      </a:r>
+                    </a:p>
+                  </a:txBody>
+                  <a:tcPr/>
+                </a:tc>
+                <a:tc>
+                  <a:txBody>
+                    <a:bodyPr/>
+                    <a:lstStyle/>
+                    <a:p>
+                      <a:r>
+                        <a:rPr lang="de-DE" sz="1600" dirty="0"/>
+                        <a:t>0.579</a:t>
+                      </a:r>
+                    </a:p>
+                  </a:txBody>
+                  <a:tcPr/>
+                </a:tc>
+                <a:tc>
+                  <a:txBody>
+                    <a:bodyPr/>
+                    <a:lstStyle/>
+                    <a:p>
+                      <a:r>
+                        <a:rPr lang="de-DE" sz="1600" dirty="0"/>
+                        <a:t>0.664</a:t>
+                      </a:r>
+                    </a:p>
+                  </a:txBody>
+                  <a:tcPr/>
+                </a:tc>
+                <a:tc>
+                  <a:txBody>
+                    <a:bodyPr/>
+                    <a:lstStyle/>
+                    <a:p>
+                      <a:r>
+                        <a:rPr lang="de-DE" sz="1600" dirty="0"/>
+                        <a:t>0.707</a:t>
+                      </a:r>
+                    </a:p>
+                  </a:txBody>
+                  <a:tcPr/>
+                </a:tc>
+                <a:tc>
+                  <a:txBody>
+                    <a:bodyPr/>
+                    <a:lstStyle/>
+                    <a:p>
+                      <a:r>
+                        <a:rPr lang="de-DE" sz="1600" dirty="0"/>
+                        <a:t>0.637</a:t>
+                      </a:r>
+                    </a:p>
+                  </a:txBody>
+                  <a:tcPr/>
+                </a:tc>
+                <a:tc>
+                  <a:txBody>
+                    <a:bodyPr/>
+                    <a:lstStyle/>
+                    <a:p>
+                      <a:r>
+                        <a:rPr lang="de-DE" sz="1600" dirty="0"/>
+                        <a:t>0.692</a:t>
+                      </a:r>
+                    </a:p>
+                  </a:txBody>
+                  <a:tcPr/>
+                </a:tc>
+                <a:tc>
+                  <a:txBody>
+                    <a:bodyPr/>
+                    <a:lstStyle/>
+                    <a:p>
+                      <a:r>
+                        <a:rPr lang="de-DE" sz="1600" dirty="0"/>
+                        <a:t>1</a:t>
+                      </a:r>
+                    </a:p>
+                  </a:txBody>
+                  <a:tcPr/>
+                </a:tc>
+                <a:extLst>
+                  <a:ext uri="{0D108BD9-81ED-4DB2-BD59-A6C34878D82A}">
+                    <a16:rowId xmlns:a16="http://schemas.microsoft.com/office/drawing/2014/main" val="2531524731"/>
+                  </a:ext>
+                </a:extLst>
+              </a:tr>
+              <a:tr h="370840">
+                <a:tc>
+                  <a:txBody>
+                    <a:bodyPr/>
+                    <a:lstStyle/>
+                    <a:p>
+                      <a:r>
+                        <a:rPr lang="de-DE" sz="1600" dirty="0"/>
+                        <a:t>f1</a:t>
+                      </a:r>
+                    </a:p>
+                  </a:txBody>
+                  <a:tcPr/>
+                </a:tc>
+                <a:tc>
+                  <a:txBody>
+                    <a:bodyPr/>
+                    <a:lstStyle/>
+                    <a:p>
+                      <a:r>
+                        <a:rPr lang="de-DE" sz="1600" dirty="0"/>
+                        <a:t>0.637</a:t>
+                      </a:r>
+                    </a:p>
+                  </a:txBody>
+                  <a:tcPr/>
+                </a:tc>
+                <a:tc>
+                  <a:txBody>
+                    <a:bodyPr/>
+                    <a:lstStyle/>
+                    <a:p>
+                      <a:r>
+                        <a:rPr lang="de-DE" sz="1600" dirty="0"/>
+                        <a:t>0.717</a:t>
+                      </a:r>
+                    </a:p>
+                  </a:txBody>
+                  <a:tcPr/>
+                </a:tc>
+                <a:tc>
+                  <a:txBody>
+                    <a:bodyPr/>
+                    <a:lstStyle/>
+                    <a:p>
+                      <a:r>
+                        <a:rPr lang="de-DE" sz="1600" dirty="0"/>
+                        <a:t>0.628</a:t>
+                      </a:r>
+                    </a:p>
+                  </a:txBody>
+                  <a:tcPr/>
+                </a:tc>
+                <a:tc>
+                  <a:txBody>
+                    <a:bodyPr/>
+                    <a:lstStyle/>
+                    <a:p>
+                      <a:r>
+                        <a:rPr lang="de-DE" sz="1600" dirty="0"/>
+                        <a:t>0.676</a:t>
+                      </a:r>
+                    </a:p>
+                  </a:txBody>
+                  <a:tcPr/>
+                </a:tc>
+                <a:tc>
+                  <a:txBody>
+                    <a:bodyPr/>
+                    <a:lstStyle/>
+                    <a:p>
+                      <a:r>
+                        <a:rPr lang="de-DE" sz="1600" dirty="0"/>
+                        <a:t>0.779</a:t>
+                      </a:r>
+                    </a:p>
+                  </a:txBody>
+                  <a:tcPr/>
+                </a:tc>
+                <a:tc>
+                  <a:txBody>
+                    <a:bodyPr/>
+                    <a:lstStyle/>
+                    <a:p>
+                      <a:r>
+                        <a:rPr lang="de-DE" sz="1600" dirty="0"/>
+                        <a:t>0.563</a:t>
+                      </a:r>
+                    </a:p>
+                  </a:txBody>
+                  <a:tcPr/>
+                </a:tc>
+                <a:tc>
+                  <a:txBody>
+                    <a:bodyPr/>
+                    <a:lstStyle/>
+                    <a:p>
+                      <a:r>
+                        <a:rPr lang="de-DE" sz="1600" dirty="0"/>
+                        <a:t>0.235</a:t>
+                      </a:r>
+                    </a:p>
+                  </a:txBody>
+                  <a:tcPr/>
+                </a:tc>
+                <a:tc>
+                  <a:txBody>
+                    <a:bodyPr/>
+                    <a:lstStyle/>
+                    <a:p>
+                      <a:r>
+                        <a:rPr lang="de-DE" sz="1600" dirty="0"/>
+                        <a:t>0</a:t>
+                      </a:r>
+                    </a:p>
+                  </a:txBody>
+                  <a:tcPr/>
+                </a:tc>
+                <a:extLst>
+                  <a:ext uri="{0D108BD9-81ED-4DB2-BD59-A6C34878D82A}">
+                    <a16:rowId xmlns:a16="http://schemas.microsoft.com/office/drawing/2014/main" val="3729773777"/>
+                  </a:ext>
+                </a:extLst>
+              </a:tr>
+            </a:tbl>
+          </a:graphicData>
+        </a:graphic>
+      </p:graphicFrame>
+      <p:graphicFrame>
+        <p:nvGraphicFramePr>
+          <p:cNvPr id="12" name="Tabelle 5">
+            <a:extLst>
+              <a:ext uri="{FF2B5EF4-FFF2-40B4-BE49-F238E27FC236}">
+                <a16:creationId xmlns:a16="http://schemas.microsoft.com/office/drawing/2014/main" id="{BC662168-B67A-436A-9E71-0DFCA8CF08EB}"/>
+              </a:ext>
+            </a:extLst>
+          </p:cNvPr>
+          <p:cNvGraphicFramePr>
+            <a:graphicFrameLocks noGrp="1"/>
+          </p:cNvGraphicFramePr>
+          <p:nvPr>
+            <p:extLst>
+              <p:ext uri="{D42A27DB-BD31-4B8C-83A1-F6EECF244321}">
+                <p14:modId xmlns:p14="http://schemas.microsoft.com/office/powerpoint/2010/main" val="3602014648"/>
+              </p:ext>
+            </p:extLst>
+          </p:nvPr>
+        </p:nvGraphicFramePr>
+        <p:xfrm>
+          <a:off x="193202" y="4163836"/>
+          <a:ext cx="8616635" cy="1854200"/>
+        </p:xfrm>
+        <a:graphic>
+          <a:graphicData uri="http://schemas.openxmlformats.org/drawingml/2006/table">
+            <a:tbl>
+              <a:tblPr firstRow="1" firstCol="1" bandRow="1">
+                <a:tableStyleId>{5C22544A-7EE6-4342-B048-85BDC9FD1C3A}</a:tableStyleId>
+              </a:tblPr>
+              <a:tblGrid>
+                <a:gridCol w="1143318">
+                  <a:extLst>
+                    <a:ext uri="{9D8B030D-6E8A-4147-A177-3AD203B41FA5}">
+                      <a16:colId xmlns:a16="http://schemas.microsoft.com/office/drawing/2014/main" val="904522008"/>
+                    </a:ext>
+                  </a:extLst>
+                </a:gridCol>
+                <a:gridCol w="748030">
+                  <a:extLst>
+                    <a:ext uri="{9D8B030D-6E8A-4147-A177-3AD203B41FA5}">
+                      <a16:colId xmlns:a16="http://schemas.microsoft.com/office/drawing/2014/main" val="3206008072"/>
+                    </a:ext>
+                  </a:extLst>
+                </a:gridCol>
+                <a:gridCol w="1051243">
+                  <a:extLst>
+                    <a:ext uri="{9D8B030D-6E8A-4147-A177-3AD203B41FA5}">
+                      <a16:colId xmlns:a16="http://schemas.microsoft.com/office/drawing/2014/main" val="3161580150"/>
+                    </a:ext>
+                  </a:extLst>
+                </a:gridCol>
+                <a:gridCol w="748030">
+                  <a:extLst>
+                    <a:ext uri="{9D8B030D-6E8A-4147-A177-3AD203B41FA5}">
+                      <a16:colId xmlns:a16="http://schemas.microsoft.com/office/drawing/2014/main" val="3850954421"/>
+                    </a:ext>
+                  </a:extLst>
+                </a:gridCol>
+                <a:gridCol w="962343">
+                  <a:extLst>
+                    <a:ext uri="{9D8B030D-6E8A-4147-A177-3AD203B41FA5}">
+                      <a16:colId xmlns:a16="http://schemas.microsoft.com/office/drawing/2014/main" val="876656155"/>
+                    </a:ext>
+                  </a:extLst>
+                </a:gridCol>
+                <a:gridCol w="792480">
+                  <a:extLst>
+                    <a:ext uri="{9D8B030D-6E8A-4147-A177-3AD203B41FA5}">
+                      <a16:colId xmlns:a16="http://schemas.microsoft.com/office/drawing/2014/main" val="4199812047"/>
+                    </a:ext>
+                  </a:extLst>
+                </a:gridCol>
+                <a:gridCol w="748030">
+                  <a:extLst>
+                    <a:ext uri="{9D8B030D-6E8A-4147-A177-3AD203B41FA5}">
+                      <a16:colId xmlns:a16="http://schemas.microsoft.com/office/drawing/2014/main" val="3748414775"/>
+                    </a:ext>
+                  </a:extLst>
+                </a:gridCol>
+                <a:gridCol w="1041718">
+                  <a:extLst>
+                    <a:ext uri="{9D8B030D-6E8A-4147-A177-3AD203B41FA5}">
+                      <a16:colId xmlns:a16="http://schemas.microsoft.com/office/drawing/2014/main" val="1920332073"/>
+                    </a:ext>
+                  </a:extLst>
+                </a:gridCol>
+                <a:gridCol w="1381443">
+                  <a:extLst>
+                    <a:ext uri="{9D8B030D-6E8A-4147-A177-3AD203B41FA5}">
+                      <a16:colId xmlns:a16="http://schemas.microsoft.com/office/drawing/2014/main" val="3866347521"/>
+                    </a:ext>
+                  </a:extLst>
+                </a:gridCol>
+              </a:tblGrid>
+              <a:tr h="370840">
+                <a:tc>
+                  <a:txBody>
+                    <a:bodyPr/>
+                    <a:lstStyle/>
+                    <a:p>
+                      <a:endParaRPr lang="de-DE" sz="1600" dirty="0"/>
+                    </a:p>
+                  </a:txBody>
+                  <a:tcPr>
+                    <a:noFill/>
+                  </a:tcPr>
+                </a:tc>
+                <a:tc>
+                  <a:txBody>
+                    <a:bodyPr/>
+                    <a:lstStyle/>
+                    <a:p>
+                      <a:r>
+                        <a:rPr lang="de-DE" sz="1600" dirty="0" err="1"/>
+                        <a:t>joy</a:t>
+                      </a:r>
+                      <a:endParaRPr lang="de-DE" sz="1600" dirty="0"/>
+                    </a:p>
+                  </a:txBody>
+                  <a:tcPr/>
+                </a:tc>
+                <a:tc>
+                  <a:txBody>
+                    <a:bodyPr/>
+                    <a:lstStyle/>
+                    <a:p>
+                      <a:r>
+                        <a:rPr lang="de-DE" sz="1600" dirty="0" err="1"/>
+                        <a:t>sadness</a:t>
+                      </a:r>
+                      <a:endParaRPr lang="de-DE" sz="1600" dirty="0"/>
+                    </a:p>
+                  </a:txBody>
+                  <a:tcPr/>
+                </a:tc>
+                <a:tc>
+                  <a:txBody>
+                    <a:bodyPr/>
+                    <a:lstStyle/>
+                    <a:p>
+                      <a:r>
+                        <a:rPr lang="de-DE" sz="1600" dirty="0" err="1"/>
+                        <a:t>trust</a:t>
+                      </a:r>
+                      <a:endParaRPr lang="de-DE" sz="1600" dirty="0"/>
+                    </a:p>
+                  </a:txBody>
+                  <a:tcPr/>
+                </a:tc>
+                <a:tc>
+                  <a:txBody>
+                    <a:bodyPr/>
+                    <a:lstStyle/>
+                    <a:p>
+                      <a:r>
+                        <a:rPr lang="de-DE" sz="1600" dirty="0" err="1"/>
+                        <a:t>disgust</a:t>
+                      </a:r>
+                      <a:endParaRPr lang="de-DE" sz="1600" dirty="0"/>
+                    </a:p>
+                  </a:txBody>
+                  <a:tcPr/>
+                </a:tc>
+                <a:tc>
+                  <a:txBody>
+                    <a:bodyPr/>
+                    <a:lstStyle/>
+                    <a:p>
+                      <a:r>
+                        <a:rPr lang="de-DE" sz="1600" dirty="0" err="1"/>
+                        <a:t>anger</a:t>
+                      </a:r>
+                      <a:endParaRPr lang="de-DE" sz="1600" dirty="0"/>
+                    </a:p>
+                  </a:txBody>
+                  <a:tcPr/>
+                </a:tc>
+                <a:tc>
+                  <a:txBody>
+                    <a:bodyPr/>
+                    <a:lstStyle/>
+                    <a:p>
+                      <a:r>
+                        <a:rPr lang="de-DE" sz="1600" dirty="0" err="1"/>
+                        <a:t>fear</a:t>
+                      </a:r>
+                      <a:endParaRPr lang="de-DE" sz="1600" dirty="0"/>
+                    </a:p>
+                  </a:txBody>
+                  <a:tcPr/>
+                </a:tc>
+                <a:tc>
+                  <a:txBody>
+                    <a:bodyPr/>
+                    <a:lstStyle/>
+                    <a:p>
+                      <a:r>
+                        <a:rPr lang="de-DE" sz="1600" dirty="0" err="1"/>
+                        <a:t>surprise</a:t>
+                      </a:r>
+                      <a:endParaRPr lang="de-DE" sz="1600" dirty="0"/>
+                    </a:p>
+                  </a:txBody>
+                  <a:tcPr/>
+                </a:tc>
+                <a:tc>
+                  <a:txBody>
+                    <a:bodyPr/>
+                    <a:lstStyle/>
+                    <a:p>
+                      <a:r>
+                        <a:rPr lang="de-DE" sz="1600" dirty="0" err="1"/>
+                        <a:t>anticipation</a:t>
+                      </a:r>
+                      <a:endParaRPr lang="de-DE" sz="1600" dirty="0"/>
+                    </a:p>
+                  </a:txBody>
+                  <a:tcPr/>
+                </a:tc>
+                <a:extLst>
+                  <a:ext uri="{0D108BD9-81ED-4DB2-BD59-A6C34878D82A}">
+                    <a16:rowId xmlns:a16="http://schemas.microsoft.com/office/drawing/2014/main" val="3600120221"/>
+                  </a:ext>
+                </a:extLst>
+              </a:tr>
+              <a:tr h="370840">
+                <a:tc>
+                  <a:txBody>
+                    <a:bodyPr/>
+                    <a:lstStyle/>
+                    <a:p>
+                      <a:r>
+                        <a:rPr lang="de-DE" sz="1600" dirty="0" err="1"/>
+                        <a:t>precision</a:t>
+                      </a:r>
+                      <a:endParaRPr lang="de-DE" sz="1600" dirty="0"/>
+                    </a:p>
+                  </a:txBody>
+                  <a:tcPr/>
+                </a:tc>
+                <a:tc>
+                  <a:txBody>
+                    <a:bodyPr/>
+                    <a:lstStyle/>
+                    <a:p>
+                      <a:r>
+                        <a:rPr lang="de-DE" sz="1600" dirty="0"/>
+                        <a:t>0.23</a:t>
+                      </a:r>
+                    </a:p>
+                  </a:txBody>
+                  <a:tcPr/>
+                </a:tc>
+                <a:tc>
+                  <a:txBody>
+                    <a:bodyPr/>
+                    <a:lstStyle/>
+                    <a:p>
+                      <a:r>
+                        <a:rPr lang="de-DE" sz="1600" dirty="0"/>
+                        <a:t>0.055</a:t>
+                      </a:r>
+                    </a:p>
+                  </a:txBody>
+                  <a:tcPr/>
+                </a:tc>
+                <a:tc>
+                  <a:txBody>
+                    <a:bodyPr/>
+                    <a:lstStyle/>
+                    <a:p>
+                      <a:r>
+                        <a:rPr lang="de-DE" sz="1600" dirty="0"/>
+                        <a:t>0.141</a:t>
+                      </a:r>
+                    </a:p>
+                  </a:txBody>
+                  <a:tcPr/>
+                </a:tc>
+                <a:tc>
+                  <a:txBody>
+                    <a:bodyPr/>
+                    <a:lstStyle/>
+                    <a:p>
+                      <a:r>
+                        <a:rPr lang="de-DE" sz="1600" dirty="0"/>
+                        <a:t>0.078</a:t>
+                      </a:r>
+                    </a:p>
+                  </a:txBody>
+                  <a:tcPr/>
+                </a:tc>
+                <a:tc>
+                  <a:txBody>
+                    <a:bodyPr/>
+                    <a:lstStyle/>
+                    <a:p>
+                      <a:r>
+                        <a:rPr lang="de-DE" sz="1600" dirty="0"/>
+                        <a:t>0.167</a:t>
+                      </a:r>
+                    </a:p>
+                  </a:txBody>
+                  <a:tcPr/>
+                </a:tc>
+                <a:tc>
+                  <a:txBody>
+                    <a:bodyPr/>
+                    <a:lstStyle/>
+                    <a:p>
+                      <a:r>
+                        <a:rPr lang="de-DE" sz="1600" dirty="0"/>
+                        <a:t>0</a:t>
+                      </a:r>
+                    </a:p>
+                  </a:txBody>
+                  <a:tcPr/>
+                </a:tc>
+                <a:tc>
+                  <a:txBody>
+                    <a:bodyPr/>
+                    <a:lstStyle/>
+                    <a:p>
+                      <a:r>
+                        <a:rPr lang="de-DE" sz="1600" dirty="0"/>
+                        <a:t>0.176</a:t>
+                      </a:r>
+                    </a:p>
+                  </a:txBody>
+                  <a:tcPr/>
+                </a:tc>
+                <a:tc>
+                  <a:txBody>
+                    <a:bodyPr/>
+                    <a:lstStyle/>
+                    <a:p>
+                      <a:r>
+                        <a:rPr lang="de-DE" sz="1600" dirty="0"/>
+                        <a:t>0</a:t>
+                      </a:r>
+                    </a:p>
+                  </a:txBody>
+                  <a:tcPr/>
+                </a:tc>
+                <a:extLst>
+                  <a:ext uri="{0D108BD9-81ED-4DB2-BD59-A6C34878D82A}">
+                    <a16:rowId xmlns:a16="http://schemas.microsoft.com/office/drawing/2014/main" val="4114767378"/>
+                  </a:ext>
+                </a:extLst>
+              </a:tr>
+              <a:tr h="370840">
+                <a:tc>
+                  <a:txBody>
+                    <a:bodyPr/>
+                    <a:lstStyle/>
+                    <a:p>
+                      <a:r>
+                        <a:rPr lang="de-DE" sz="1600" dirty="0" err="1"/>
+                        <a:t>recall</a:t>
+                      </a:r>
+                      <a:endParaRPr lang="de-DE" sz="1600" dirty="0"/>
+                    </a:p>
+                  </a:txBody>
+                  <a:tcPr/>
+                </a:tc>
+                <a:tc>
+                  <a:txBody>
+                    <a:bodyPr/>
+                    <a:lstStyle/>
+                    <a:p>
+                      <a:r>
+                        <a:rPr lang="de-DE" sz="1600" dirty="0"/>
+                        <a:t>0.609</a:t>
+                      </a:r>
+                    </a:p>
+                  </a:txBody>
+                  <a:tcPr/>
+                </a:tc>
+                <a:tc>
+                  <a:txBody>
+                    <a:bodyPr/>
+                    <a:lstStyle/>
+                    <a:p>
+                      <a:r>
+                        <a:rPr lang="de-DE" sz="1600" dirty="0"/>
+                        <a:t>0.8</a:t>
+                      </a:r>
+                    </a:p>
+                  </a:txBody>
+                  <a:tcPr/>
+                </a:tc>
+                <a:tc>
+                  <a:txBody>
+                    <a:bodyPr/>
+                    <a:lstStyle/>
+                    <a:p>
+                      <a:r>
+                        <a:rPr lang="de-DE" sz="1600" dirty="0"/>
+                        <a:t>0.562</a:t>
+                      </a:r>
+                    </a:p>
+                  </a:txBody>
+                  <a:tcPr/>
+                </a:tc>
+                <a:tc>
+                  <a:txBody>
+                    <a:bodyPr/>
+                    <a:lstStyle/>
+                    <a:p>
+                      <a:r>
+                        <a:rPr lang="de-DE" sz="1600" dirty="0"/>
+                        <a:t>0.8</a:t>
+                      </a:r>
+                    </a:p>
+                  </a:txBody>
+                  <a:tcPr/>
+                </a:tc>
+                <a:tc>
+                  <a:txBody>
+                    <a:bodyPr/>
+                    <a:lstStyle/>
+                    <a:p>
+                      <a:r>
+                        <a:rPr lang="de-DE" sz="1600" dirty="0"/>
+                        <a:t>0.667</a:t>
+                      </a:r>
+                    </a:p>
+                  </a:txBody>
+                  <a:tcPr/>
+                </a:tc>
+                <a:tc>
+                  <a:txBody>
+                    <a:bodyPr/>
+                    <a:lstStyle/>
+                    <a:p>
+                      <a:r>
+                        <a:rPr lang="de-DE" sz="1600" dirty="0"/>
+                        <a:t>0</a:t>
+                      </a:r>
+                    </a:p>
+                  </a:txBody>
+                  <a:tcPr/>
+                </a:tc>
+                <a:tc>
+                  <a:txBody>
+                    <a:bodyPr/>
+                    <a:lstStyle/>
+                    <a:p>
+                      <a:r>
+                        <a:rPr lang="de-DE" sz="1600" dirty="0"/>
+                        <a:t>0.353</a:t>
+                      </a:r>
+                    </a:p>
+                  </a:txBody>
+                  <a:tcPr/>
+                </a:tc>
+                <a:tc>
+                  <a:txBody>
+                    <a:bodyPr/>
+                    <a:lstStyle/>
+                    <a:p>
+                      <a:r>
+                        <a:rPr lang="de-DE" sz="1600" dirty="0"/>
+                        <a:t>0</a:t>
+                      </a:r>
+                    </a:p>
+                  </a:txBody>
+                  <a:tcPr/>
+                </a:tc>
+                <a:extLst>
+                  <a:ext uri="{0D108BD9-81ED-4DB2-BD59-A6C34878D82A}">
+                    <a16:rowId xmlns:a16="http://schemas.microsoft.com/office/drawing/2014/main" val="1543987583"/>
+                  </a:ext>
+                </a:extLst>
+              </a:tr>
+              <a:tr h="370840">
+                <a:tc>
+                  <a:txBody>
+                    <a:bodyPr/>
+                    <a:lstStyle/>
+                    <a:p>
+                      <a:r>
+                        <a:rPr lang="de-DE" sz="1600" dirty="0" err="1"/>
+                        <a:t>accuracy</a:t>
+                      </a:r>
+                      <a:endParaRPr lang="de-DE" sz="1600" dirty="0"/>
+                    </a:p>
+                  </a:txBody>
+                  <a:tcPr/>
+                </a:tc>
+                <a:tc>
+                  <a:txBody>
+                    <a:bodyPr/>
+                    <a:lstStyle/>
+                    <a:p>
+                      <a:r>
+                        <a:rPr lang="de-DE" sz="1600" dirty="0"/>
+                        <a:t>0.434</a:t>
+                      </a:r>
+                    </a:p>
+                  </a:txBody>
+                  <a:tcPr/>
+                </a:tc>
+                <a:tc>
+                  <a:txBody>
+                    <a:bodyPr/>
+                    <a:lstStyle/>
+                    <a:p>
+                      <a:r>
+                        <a:rPr lang="de-DE" sz="1600" dirty="0"/>
+                        <a:t>0.293</a:t>
+                      </a:r>
+                    </a:p>
+                  </a:txBody>
+                  <a:tcPr/>
+                </a:tc>
+                <a:tc>
+                  <a:txBody>
+                    <a:bodyPr/>
+                    <a:lstStyle/>
+                    <a:p>
+                      <a:r>
+                        <a:rPr lang="de-DE" sz="1600" dirty="0"/>
+                        <a:t>0.374</a:t>
+                      </a:r>
+                    </a:p>
+                  </a:txBody>
+                  <a:tcPr/>
+                </a:tc>
+                <a:tc>
+                  <a:txBody>
+                    <a:bodyPr/>
+                    <a:lstStyle/>
+                    <a:p>
+                      <a:r>
+                        <a:rPr lang="de-DE" sz="1600" dirty="0"/>
+                        <a:t>0.515</a:t>
+                      </a:r>
+                    </a:p>
+                  </a:txBody>
+                  <a:tcPr/>
+                </a:tc>
+                <a:tc>
+                  <a:txBody>
+                    <a:bodyPr/>
+                    <a:lstStyle/>
+                    <a:p>
+                      <a:r>
+                        <a:rPr lang="de-DE" sz="1600" dirty="0"/>
+                        <a:t>0.333</a:t>
+                      </a:r>
+                    </a:p>
+                  </a:txBody>
+                  <a:tcPr/>
+                </a:tc>
+                <a:tc>
+                  <a:txBody>
+                    <a:bodyPr/>
+                    <a:lstStyle/>
+                    <a:p>
+                      <a:r>
+                        <a:rPr lang="de-DE" sz="1600" dirty="0"/>
+                        <a:t>0.657</a:t>
+                      </a:r>
+                    </a:p>
+                  </a:txBody>
+                  <a:tcPr/>
+                </a:tc>
+                <a:tc>
+                  <a:txBody>
+                    <a:bodyPr/>
+                    <a:lstStyle/>
+                    <a:p>
+                      <a:r>
+                        <a:rPr lang="de-DE" sz="1600" dirty="0"/>
+                        <a:t>0.606</a:t>
+                      </a:r>
+                    </a:p>
+                  </a:txBody>
+                  <a:tcPr/>
+                </a:tc>
+                <a:tc>
+                  <a:txBody>
+                    <a:bodyPr/>
+                    <a:lstStyle/>
+                    <a:p>
+                      <a:r>
+                        <a:rPr lang="de-DE" sz="1600" dirty="0"/>
+                        <a:t>0.98</a:t>
+                      </a:r>
+                    </a:p>
+                  </a:txBody>
+                  <a:tcPr/>
+                </a:tc>
+                <a:extLst>
+                  <a:ext uri="{0D108BD9-81ED-4DB2-BD59-A6C34878D82A}">
+                    <a16:rowId xmlns:a16="http://schemas.microsoft.com/office/drawing/2014/main" val="2531524731"/>
+                  </a:ext>
+                </a:extLst>
+              </a:tr>
+              <a:tr h="370840">
+                <a:tc>
+                  <a:txBody>
+                    <a:bodyPr/>
+                    <a:lstStyle/>
+                    <a:p>
+                      <a:r>
+                        <a:rPr lang="de-DE" sz="1600" dirty="0"/>
+                        <a:t>f1</a:t>
+                      </a:r>
+                    </a:p>
+                  </a:txBody>
+                  <a:tcPr/>
+                </a:tc>
+                <a:tc>
+                  <a:txBody>
+                    <a:bodyPr/>
+                    <a:lstStyle/>
+                    <a:p>
+                      <a:r>
+                        <a:rPr lang="de-DE" sz="1600" dirty="0"/>
+                        <a:t>0.333</a:t>
+                      </a:r>
+                    </a:p>
+                  </a:txBody>
+                  <a:tcPr/>
+                </a:tc>
+                <a:tc>
+                  <a:txBody>
+                    <a:bodyPr/>
+                    <a:lstStyle/>
+                    <a:p>
+                      <a:r>
+                        <a:rPr lang="de-DE" sz="1600" dirty="0"/>
+                        <a:t>0.103</a:t>
+                      </a:r>
+                    </a:p>
+                  </a:txBody>
+                  <a:tcPr/>
+                </a:tc>
+                <a:tc>
+                  <a:txBody>
+                    <a:bodyPr/>
+                    <a:lstStyle/>
+                    <a:p>
+                      <a:r>
+                        <a:rPr lang="de-DE" sz="1600" dirty="0"/>
+                        <a:t>0.225</a:t>
+                      </a:r>
+                    </a:p>
+                  </a:txBody>
+                  <a:tcPr/>
+                </a:tc>
+                <a:tc>
+                  <a:txBody>
+                    <a:bodyPr/>
+                    <a:lstStyle/>
+                    <a:p>
+                      <a:r>
+                        <a:rPr lang="de-DE" sz="1600" dirty="0"/>
+                        <a:t>0.143</a:t>
+                      </a:r>
+                    </a:p>
+                  </a:txBody>
+                  <a:tcPr/>
+                </a:tc>
+                <a:tc>
+                  <a:txBody>
+                    <a:bodyPr/>
+                    <a:lstStyle/>
+                    <a:p>
+                      <a:r>
+                        <a:rPr lang="de-DE" sz="1600" dirty="0"/>
+                        <a:t>0.267</a:t>
+                      </a:r>
+                    </a:p>
+                  </a:txBody>
+                  <a:tcPr/>
+                </a:tc>
+                <a:tc>
+                  <a:txBody>
+                    <a:bodyPr/>
+                    <a:lstStyle/>
+                    <a:p>
+                      <a:r>
+                        <a:rPr lang="de-DE" sz="1600" dirty="0"/>
+                        <a:t>0</a:t>
+                      </a:r>
+                    </a:p>
+                  </a:txBody>
+                  <a:tcPr/>
+                </a:tc>
+                <a:tc>
+                  <a:txBody>
+                    <a:bodyPr/>
+                    <a:lstStyle/>
+                    <a:p>
+                      <a:r>
+                        <a:rPr lang="de-DE" sz="1600" dirty="0"/>
+                        <a:t>0.235</a:t>
+                      </a:r>
+                    </a:p>
+                  </a:txBody>
+                  <a:tcPr/>
+                </a:tc>
+                <a:tc>
+                  <a:txBody>
+                    <a:bodyPr/>
+                    <a:lstStyle/>
+                    <a:p>
+                      <a:r>
+                        <a:rPr lang="de-DE" sz="1600" dirty="0"/>
+                        <a:t>0</a:t>
+                      </a:r>
+                    </a:p>
+                  </a:txBody>
+                  <a:tcPr/>
+                </a:tc>
+                <a:extLst>
+                  <a:ext uri="{0D108BD9-81ED-4DB2-BD59-A6C34878D82A}">
+                    <a16:rowId xmlns:a16="http://schemas.microsoft.com/office/drawing/2014/main" val="3729773777"/>
+                  </a:ext>
+                </a:extLst>
+              </a:tr>
+            </a:tbl>
+          </a:graphicData>
+        </a:graphic>
+      </p:graphicFrame>
+      <p:sp>
+        <p:nvSpPr>
+          <p:cNvPr id="2" name="Textfeld 1">
+            <a:extLst>
+              <a:ext uri="{FF2B5EF4-FFF2-40B4-BE49-F238E27FC236}">
+                <a16:creationId xmlns:a16="http://schemas.microsoft.com/office/drawing/2014/main" id="{2DF5592E-8E7C-4F59-82A1-55136DB6036A}"/>
+              </a:ext>
+            </a:extLst>
+          </p:cNvPr>
+          <p:cNvSpPr txBox="1"/>
+          <p:nvPr/>
+        </p:nvSpPr>
+        <p:spPr>
+          <a:xfrm>
+            <a:off x="3386228" y="3490079"/>
+            <a:ext cx="2633734" cy="268279"/>
+          </a:xfrm>
+          <a:prstGeom prst="rect">
+            <a:avLst/>
+          </a:prstGeom>
+          <a:noFill/>
+        </p:spPr>
+        <p:txBody>
+          <a:bodyPr wrap="none" lIns="0" tIns="0" rIns="0" bIns="0" rtlCol="0">
+            <a:spAutoFit/>
+          </a:bodyPr>
+          <a:lstStyle/>
+          <a:p>
+            <a:pPr>
+              <a:lnSpc>
+                <a:spcPct val="120000"/>
+              </a:lnSpc>
+              <a:spcBef>
+                <a:spcPts val="750"/>
+              </a:spcBef>
+              <a:buClr>
+                <a:schemeClr val="accent1"/>
+              </a:buClr>
+            </a:pPr>
+            <a:r>
+              <a:rPr lang="de-DE" sz="1600" dirty="0" err="1"/>
+              <a:t>evaluation</a:t>
+            </a:r>
+            <a:r>
+              <a:rPr lang="de-DE" sz="1600" dirty="0"/>
+              <a:t> on SSEC (</a:t>
+            </a:r>
+            <a:r>
+              <a:rPr lang="de-DE" sz="1600" dirty="0" err="1"/>
+              <a:t>testset</a:t>
+            </a:r>
+            <a:r>
+              <a:rPr lang="de-DE" sz="1600" dirty="0"/>
+              <a:t>)</a:t>
+            </a:r>
+          </a:p>
+        </p:txBody>
+      </p:sp>
+      <p:sp>
+        <p:nvSpPr>
+          <p:cNvPr id="13" name="Textfeld 12">
+            <a:extLst>
+              <a:ext uri="{FF2B5EF4-FFF2-40B4-BE49-F238E27FC236}">
+                <a16:creationId xmlns:a16="http://schemas.microsoft.com/office/drawing/2014/main" id="{B6F7D4ED-555B-4B33-8F60-621A0469833A}"/>
+              </a:ext>
+            </a:extLst>
+          </p:cNvPr>
+          <p:cNvSpPr txBox="1"/>
+          <p:nvPr/>
+        </p:nvSpPr>
+        <p:spPr>
+          <a:xfrm>
+            <a:off x="3404237" y="6105931"/>
+            <a:ext cx="2678618" cy="268279"/>
+          </a:xfrm>
+          <a:prstGeom prst="rect">
+            <a:avLst/>
+          </a:prstGeom>
+          <a:noFill/>
+        </p:spPr>
+        <p:txBody>
+          <a:bodyPr wrap="none" lIns="0" tIns="0" rIns="0" bIns="0" rtlCol="0">
+            <a:spAutoFit/>
+          </a:bodyPr>
+          <a:lstStyle/>
+          <a:p>
+            <a:pPr>
+              <a:lnSpc>
+                <a:spcPct val="120000"/>
+              </a:lnSpc>
+              <a:spcBef>
+                <a:spcPts val="750"/>
+              </a:spcBef>
+              <a:buClr>
+                <a:schemeClr val="accent1"/>
+              </a:buClr>
+            </a:pPr>
+            <a:r>
+              <a:rPr lang="de-DE" sz="1600" dirty="0" err="1"/>
+              <a:t>evaluation</a:t>
+            </a:r>
+            <a:r>
+              <a:rPr lang="de-DE" sz="1600" dirty="0"/>
+              <a:t> on </a:t>
+            </a:r>
+            <a:r>
+              <a:rPr lang="de-DE" sz="1600" dirty="0" err="1"/>
+              <a:t>our</a:t>
+            </a:r>
+            <a:r>
+              <a:rPr lang="de-DE" sz="1600" dirty="0"/>
+              <a:t> own </a:t>
+            </a:r>
+            <a:r>
+              <a:rPr lang="de-DE" sz="1600" dirty="0" err="1"/>
+              <a:t>corpus</a:t>
+            </a:r>
+            <a:endParaRPr lang="de-DE" sz="1600" dirty="0"/>
+          </a:p>
+        </p:txBody>
+      </p:sp>
+      <p:sp>
+        <p:nvSpPr>
+          <p:cNvPr id="14" name="Titel 1">
+            <a:extLst>
+              <a:ext uri="{FF2B5EF4-FFF2-40B4-BE49-F238E27FC236}">
+                <a16:creationId xmlns:a16="http://schemas.microsoft.com/office/drawing/2014/main" id="{6B887D92-5B89-4A7C-B34E-1B14039F17BF}"/>
               </a:ext>
             </a:extLst>
           </p:cNvPr>
@@ -17340,8 +21929,8 @@
         </p:nvSpPr>
         <p:spPr>
           <a:xfrm>
-            <a:off x="624422" y="236155"/>
-            <a:ext cx="10993967" cy="336000"/>
+            <a:off x="624422" y="294967"/>
+            <a:ext cx="10993967" cy="668593"/>
           </a:xfrm>
           <a:prstGeom prst="rect">
             <a:avLst/>
@@ -17372,114 +21961,174 @@
           </a:lstStyle>
           <a:p>
             <a:r>
-              <a:rPr lang="de-DE" dirty="0">
+              <a:rPr lang="de-DE" sz="2400" dirty="0">
                 <a:latin typeface="Calibri" panose="020F0502020204030204" pitchFamily="34" charset="0"/>
                 <a:cs typeface="Calibri" panose="020F0502020204030204" pitchFamily="34" charset="0"/>
               </a:rPr>
-              <a:t>Evaluation</a:t>
+              <a:t>ML feature </a:t>
+            </a:r>
+            <a:r>
+              <a:rPr lang="de-DE" sz="2400" dirty="0" err="1">
+                <a:latin typeface="Calibri" panose="020F0502020204030204" pitchFamily="34" charset="0"/>
+                <a:cs typeface="Calibri" panose="020F0502020204030204" pitchFamily="34" charset="0"/>
+              </a:rPr>
+              <a:t>based</a:t>
+            </a:r>
+            <a:r>
+              <a:rPr lang="de-DE" sz="2400" dirty="0">
+                <a:latin typeface="Calibri" panose="020F0502020204030204" pitchFamily="34" charset="0"/>
+                <a:cs typeface="Calibri" panose="020F0502020204030204" pitchFamily="34" charset="0"/>
+              </a:rPr>
+              <a:t> (SSEC-own </a:t>
+            </a:r>
+            <a:r>
+              <a:rPr lang="de-DE" sz="2400" dirty="0" err="1">
+                <a:latin typeface="Calibri" panose="020F0502020204030204" pitchFamily="34" charset="0"/>
+                <a:cs typeface="Calibri" panose="020F0502020204030204" pitchFamily="34" charset="0"/>
+              </a:rPr>
+              <a:t>corpus</a:t>
+            </a:r>
+            <a:r>
+              <a:rPr lang="de-DE" sz="2400" dirty="0">
+                <a:latin typeface="Calibri" panose="020F0502020204030204" pitchFamily="34" charset="0"/>
+                <a:cs typeface="Calibri" panose="020F0502020204030204" pitchFamily="34" charset="0"/>
+              </a:rPr>
+              <a:t>)</a:t>
             </a:r>
             <a:br>
-              <a:rPr lang="de-DE" dirty="0">
+              <a:rPr lang="de-DE" sz="2400" dirty="0">
                 <a:latin typeface="Calibri" panose="020F0502020204030204" pitchFamily="34" charset="0"/>
                 <a:cs typeface="Calibri" panose="020F0502020204030204" pitchFamily="34" charset="0"/>
               </a:rPr>
             </a:br>
             <a:r>
-              <a:rPr lang="de-DE" b="0" dirty="0">
+              <a:rPr lang="en-US" sz="2400" b="0" dirty="0">
                 <a:latin typeface="Calibri" panose="020F0502020204030204" pitchFamily="34" charset="0"/>
                 <a:cs typeface="Calibri" panose="020F0502020204030204" pitchFamily="34" charset="0"/>
               </a:rPr>
-              <a:t>TEC </a:t>
-            </a:r>
-            <a:r>
-              <a:rPr lang="de-DE" b="0" dirty="0" err="1">
-                <a:latin typeface="Calibri" panose="020F0502020204030204" pitchFamily="34" charset="0"/>
-                <a:cs typeface="Calibri" panose="020F0502020204030204" pitchFamily="34" charset="0"/>
-              </a:rPr>
-              <a:t>vs</a:t>
-            </a:r>
-            <a:r>
-              <a:rPr lang="de-DE" b="0" dirty="0">
-                <a:latin typeface="Calibri" panose="020F0502020204030204" pitchFamily="34" charset="0"/>
-                <a:cs typeface="Calibri" panose="020F0502020204030204" pitchFamily="34" charset="0"/>
-              </a:rPr>
+              <a:t>evaluation</a:t>
+            </a:r>
+          </a:p>
+        </p:txBody>
+      </p:sp>
+      <p:cxnSp>
+        <p:nvCxnSpPr>
+          <p:cNvPr id="4" name="Gerader Verbinder 3">
+            <a:extLst>
+              <a:ext uri="{FF2B5EF4-FFF2-40B4-BE49-F238E27FC236}">
+                <a16:creationId xmlns:a16="http://schemas.microsoft.com/office/drawing/2014/main" id="{5575A564-E602-4FD6-BEAD-B97B47A48803}"/>
+              </a:ext>
+            </a:extLst>
+          </p:cNvPr>
+          <p:cNvCxnSpPr>
+            <a:cxnSpLocks/>
+            <a:endCxn id="9" idx="1"/>
+          </p:cNvCxnSpPr>
+          <p:nvPr/>
+        </p:nvCxnSpPr>
+        <p:spPr>
+          <a:xfrm flipV="1">
+            <a:off x="8809837" y="2379795"/>
+            <a:ext cx="374784" cy="525582"/>
+          </a:xfrm>
+          <a:prstGeom prst="line">
+            <a:avLst/>
+          </a:prstGeom>
+          <a:ln w="12700">
+            <a:solidFill>
+              <a:schemeClr val="tx1"/>
+            </a:solidFill>
+          </a:ln>
+        </p:spPr>
+        <p:style>
+          <a:lnRef idx="1">
+            <a:schemeClr val="accent1"/>
+          </a:lnRef>
+          <a:fillRef idx="0">
+            <a:schemeClr val="accent1"/>
+          </a:fillRef>
+          <a:effectRef idx="0">
+            <a:schemeClr val="accent1"/>
+          </a:effectRef>
+          <a:fontRef idx="minor">
+            <a:schemeClr val="tx1"/>
+          </a:fontRef>
+        </p:style>
+      </p:cxnSp>
+      <p:sp>
+        <p:nvSpPr>
+          <p:cNvPr id="16" name="Textfeld 15">
+            <a:extLst>
+              <a:ext uri="{FF2B5EF4-FFF2-40B4-BE49-F238E27FC236}">
+                <a16:creationId xmlns:a16="http://schemas.microsoft.com/office/drawing/2014/main" id="{F10F4B65-CB8C-422D-99C9-6E4BBC02200C}"/>
+              </a:ext>
+            </a:extLst>
+          </p:cNvPr>
+          <p:cNvSpPr txBox="1"/>
+          <p:nvPr/>
+        </p:nvSpPr>
+        <p:spPr>
+          <a:xfrm>
+            <a:off x="7900267" y="6105930"/>
+            <a:ext cx="2691442" cy="268279"/>
+          </a:xfrm>
+          <a:prstGeom prst="rect">
+            <a:avLst/>
+          </a:prstGeom>
+          <a:noFill/>
+        </p:spPr>
+        <p:txBody>
+          <a:bodyPr wrap="none" lIns="0" tIns="0" rIns="0" bIns="0" rtlCol="0">
+            <a:spAutoFit/>
+          </a:bodyPr>
+          <a:lstStyle/>
+          <a:p>
+            <a:pPr>
+              <a:lnSpc>
+                <a:spcPct val="120000"/>
+              </a:lnSpc>
+              <a:spcBef>
+                <a:spcPts val="750"/>
+              </a:spcBef>
+              <a:buClr>
+                <a:schemeClr val="accent1"/>
+              </a:buClr>
+            </a:pPr>
+            <a:r>
+              <a:rPr lang="de-DE" sz="1600" dirty="0" err="1"/>
+              <a:t>Accumulated</a:t>
+            </a:r>
+            <a:r>
+              <a:rPr lang="de-DE" sz="1600" dirty="0"/>
               <a:t> </a:t>
             </a:r>
             <a:r>
-              <a:rPr lang="de-DE" b="0" dirty="0" err="1">
-                <a:latin typeface="Calibri" panose="020F0502020204030204" pitchFamily="34" charset="0"/>
-                <a:cs typeface="Calibri" panose="020F0502020204030204" pitchFamily="34" charset="0"/>
-              </a:rPr>
-              <a:t>CrowdFlower</a:t>
-            </a:r>
-            <a:endParaRPr lang="de-DE" b="0" dirty="0">
-              <a:latin typeface="Calibri" panose="020F0502020204030204" pitchFamily="34" charset="0"/>
-              <a:cs typeface="Calibri" panose="020F0502020204030204" pitchFamily="34" charset="0"/>
-            </a:endParaRPr>
-          </a:p>
-        </p:txBody>
-      </p:sp>
-      <p:sp>
-        <p:nvSpPr>
-          <p:cNvPr id="7" name="Fußzeilenplatzhalter 5">
-            <a:extLst>
-              <a:ext uri="{FF2B5EF4-FFF2-40B4-BE49-F238E27FC236}">
-                <a16:creationId xmlns:a16="http://schemas.microsoft.com/office/drawing/2014/main" id="{9AFC3ECE-B344-42DF-A2CC-E67B13DC9D5A}"/>
-              </a:ext>
-            </a:extLst>
-          </p:cNvPr>
-          <p:cNvSpPr>
-            <a:spLocks noGrp="1"/>
-          </p:cNvSpPr>
-          <p:nvPr>
-            <p:ph type="ftr" sz="quarter" idx="11"/>
-          </p:nvPr>
-        </p:nvSpPr>
-        <p:spPr>
-          <a:xfrm>
-            <a:off x="623362" y="6659954"/>
-            <a:ext cx="7460324" cy="314777"/>
-          </a:xfrm>
-        </p:spPr>
-        <p:txBody>
-          <a:bodyPr/>
-          <a:lstStyle/>
-          <a:p>
-            <a:pPr algn="ctr"/>
-            <a:r>
-              <a:rPr lang="de-DE" dirty="0"/>
-              <a:t>Emotion Analysis | ML-</a:t>
-            </a:r>
-            <a:r>
-              <a:rPr lang="de-DE" dirty="0" err="1"/>
-              <a:t>based</a:t>
-            </a:r>
-            <a:r>
-              <a:rPr lang="de-DE" dirty="0"/>
-              <a:t> Emotion Classification		           Felix Bühler | Max Wegge | Carlotta Quensel</a:t>
+              <a:rPr lang="de-DE" sz="1600" dirty="0" err="1"/>
+              <a:t>accuracy</a:t>
+            </a:r>
+            <a:r>
+              <a:rPr lang="de-DE" sz="1600" dirty="0"/>
+              <a:t>: 0.101</a:t>
             </a:r>
           </a:p>
         </p:txBody>
       </p:sp>
     </p:spTree>
-    <p:custDataLst>
-      <p:tags r:id="rId1"/>
-    </p:custDataLst>
     <p:extLst>
       <p:ext uri="{BB962C8B-B14F-4D97-AF65-F5344CB8AC3E}">
-        <p14:creationId xmlns:p14="http://schemas.microsoft.com/office/powerpoint/2010/main" val="3771829026"/>
+        <p14:creationId xmlns:p14="http://schemas.microsoft.com/office/powerpoint/2010/main" val="1354582321"/>
       </p:ext>
     </p:extLst>
   </p:cSld>
   <p:clrMapOvr>
     <a:masterClrMapping/>
   </p:clrMapOvr>
-  <mc:AlternateContent xmlns:mc="http://schemas.openxmlformats.org/markup-compatibility/2006">
-    <mc:Choice xmlns:p14="http://schemas.microsoft.com/office/powerpoint/2010/main" Requires="p14">
-      <p:transition p14:dur="0" advTm="6696"/>
+  <mc:AlternateContent xmlns:mc="http://schemas.openxmlformats.org/markup-compatibility/2006" xmlns:p14="http://schemas.microsoft.com/office/powerpoint/2010/main">
+    <mc:Choice Requires="p14">
+      <p:transition p14:dur="0" advTm="2361"/>
     </mc:Choice>
-    <mc:Fallback>
-      <p:transition advTm="6696"/>
+    <mc:Fallback xmlns="">
+      <p:transition advTm="2361"/>
     </mc:Fallback>
   </mc:AlternateContent>
 </p:sld>
@@ -17504,10 +22153,86 @@
       </p:grpSpPr>
       <p:sp>
         <p:nvSpPr>
-          <p:cNvPr id="11" name="Inhaltsplatzhalter 3">
+          <p:cNvPr id="5" name="Foliennummernplatzhalter 4">
             <a:extLst>
               <a:ext uri="{FF2B5EF4-FFF2-40B4-BE49-F238E27FC236}">
-                <a16:creationId xmlns:a16="http://schemas.microsoft.com/office/drawing/2014/main" id="{FA5DE64A-CE1C-4347-BF1F-74D1F403E415}"/>
+                <a16:creationId xmlns:a16="http://schemas.microsoft.com/office/drawing/2014/main" id="{178677E2-3871-4EB1-9638-C60EABEB7788}"/>
+              </a:ext>
+            </a:extLst>
+          </p:cNvPr>
+          <p:cNvSpPr>
+            <a:spLocks noGrp="1"/>
+          </p:cNvSpPr>
+          <p:nvPr>
+            <p:ph type="sldNum" sz="quarter" idx="12"/>
+          </p:nvPr>
+        </p:nvSpPr>
+        <p:spPr/>
+        <p:txBody>
+          <a:bodyPr/>
+          <a:lstStyle/>
+          <a:p>
+            <a:fld id="{54518C2F-5E54-4CF8-B37A-4631A050CED9}" type="slidenum">
+              <a:rPr lang="de-DE" smtClean="0"/>
+              <a:pPr/>
+              <a:t>6</a:t>
+            </a:fld>
+            <a:endParaRPr lang="de-DE" dirty="0">
+              <a:solidFill>
+                <a:schemeClr val="bg1"/>
+              </a:solidFill>
+            </a:endParaRPr>
+          </a:p>
+        </p:txBody>
+      </p:sp>
+      <p:sp>
+        <p:nvSpPr>
+          <p:cNvPr id="6" name="Fußzeilenplatzhalter 5">
+            <a:extLst>
+              <a:ext uri="{FF2B5EF4-FFF2-40B4-BE49-F238E27FC236}">
+                <a16:creationId xmlns:a16="http://schemas.microsoft.com/office/drawing/2014/main" id="{8C3F8C20-2557-41C5-939A-FD6E581E5742}"/>
+              </a:ext>
+            </a:extLst>
+          </p:cNvPr>
+          <p:cNvSpPr>
+            <a:spLocks noGrp="1"/>
+          </p:cNvSpPr>
+          <p:nvPr>
+            <p:ph type="ftr" sz="quarter" idx="11"/>
+          </p:nvPr>
+        </p:nvSpPr>
+        <p:spPr>
+          <a:xfrm>
+            <a:off x="623362" y="6659954"/>
+            <a:ext cx="7460324" cy="314777"/>
+          </a:xfrm>
+        </p:spPr>
+        <p:txBody>
+          <a:bodyPr/>
+          <a:lstStyle/>
+          <a:p>
+            <a:pPr algn="ctr"/>
+            <a:r>
+              <a:rPr lang="de-DE" dirty="0"/>
+              <a:t>Emotion Analysis | ML-</a:t>
+            </a:r>
+            <a:r>
+              <a:rPr lang="de-DE" dirty="0" err="1"/>
+              <a:t>based</a:t>
+            </a:r>
+            <a:r>
+              <a:rPr lang="de-DE" dirty="0"/>
+              <a:t> Emotion Classification		           Felix Bühler | Max Wegge | Carlotta Quensel</a:t>
+            </a:r>
+          </a:p>
+        </p:txBody>
+      </p:sp>
+      <p:sp>
+        <p:nvSpPr>
+          <p:cNvPr id="9" name="Titel 1">
+            <a:extLst>
+              <a:ext uri="{FF2B5EF4-FFF2-40B4-BE49-F238E27FC236}">
+                <a16:creationId xmlns:a16="http://schemas.microsoft.com/office/drawing/2014/main" id="{CE468950-A75B-4591-855F-538029193858}"/>
               </a:ext>
             </a:extLst>
           </p:cNvPr>
@@ -17517,19 +22242,100 @@
           <p:nvPr/>
         </p:nvSpPr>
         <p:spPr>
-          <a:xfrm rot="350831">
-            <a:off x="9360179" y="5934484"/>
-            <a:ext cx="3001082" cy="596480"/>
+          <a:xfrm>
+            <a:off x="624422" y="294967"/>
+            <a:ext cx="10993967" cy="668593"/>
           </a:xfrm>
           <a:prstGeom prst="rect">
             <a:avLst/>
           </a:prstGeom>
-          <a:ln>
-            <a:noFill/>
-          </a:ln>
         </p:spPr>
         <p:txBody>
           <a:bodyPr vert="horz" lIns="0" tIns="0" rIns="0" bIns="0" rtlCol="0" anchor="t">
+            <a:noAutofit/>
+          </a:bodyPr>
+          <a:lstStyle>
+            <a:lvl1pPr algn="l" defTabSz="914368" rtl="0" eaLnBrk="1" latinLnBrk="0" hangingPunct="1">
+              <a:lnSpc>
+                <a:spcPct val="90000"/>
+              </a:lnSpc>
+              <a:spcBef>
+                <a:spcPct val="0"/>
+              </a:spcBef>
+              <a:buNone/>
+              <a:defRPr sz="2800" b="1" kern="1200">
+                <a:solidFill>
+                  <a:schemeClr val="tx1"/>
+                </a:solidFill>
+                <a:latin typeface="+mj-lt"/>
+                <a:ea typeface="+mj-ea"/>
+                <a:cs typeface="+mj-cs"/>
+              </a:defRPr>
+            </a:lvl1pPr>
+          </a:lstStyle>
+          <a:p>
+            <a:r>
+              <a:rPr lang="de-DE" sz="2400" dirty="0">
+                <a:latin typeface="Calibri" panose="020F0502020204030204" pitchFamily="34" charset="0"/>
+                <a:cs typeface="Calibri" panose="020F0502020204030204" pitchFamily="34" charset="0"/>
+              </a:rPr>
+              <a:t>Deep Learning (TEC-</a:t>
+            </a:r>
+            <a:r>
+              <a:rPr lang="de-DE" sz="2400" dirty="0" err="1">
+                <a:latin typeface="Calibri" panose="020F0502020204030204" pitchFamily="34" charset="0"/>
+                <a:cs typeface="Calibri" panose="020F0502020204030204" pitchFamily="34" charset="0"/>
+              </a:rPr>
+              <a:t>CrowdFlower</a:t>
+            </a:r>
+            <a:r>
+              <a:rPr lang="de-DE" sz="2400" dirty="0">
+                <a:latin typeface="Calibri" panose="020F0502020204030204" pitchFamily="34" charset="0"/>
+                <a:cs typeface="Calibri" panose="020F0502020204030204" pitchFamily="34" charset="0"/>
+              </a:rPr>
+              <a:t>)</a:t>
+            </a:r>
+            <a:br>
+              <a:rPr lang="de-DE" sz="2400" dirty="0">
+                <a:latin typeface="Calibri" panose="020F0502020204030204" pitchFamily="34" charset="0"/>
+                <a:cs typeface="Calibri" panose="020F0502020204030204" pitchFamily="34" charset="0"/>
+              </a:rPr>
+            </a:br>
+            <a:r>
+              <a:rPr lang="en-US" sz="2400" b="0" dirty="0">
+                <a:latin typeface="Calibri" panose="020F0502020204030204" pitchFamily="34" charset="0"/>
+                <a:cs typeface="Calibri" panose="020F0502020204030204" pitchFamily="34" charset="0"/>
+              </a:rPr>
+              <a:t>background</a:t>
+            </a:r>
+          </a:p>
+        </p:txBody>
+      </p:sp>
+      <p:sp>
+        <p:nvSpPr>
+          <p:cNvPr id="10" name="Inhaltsplatzhalter 3">
+            <a:extLst>
+              <a:ext uri="{FF2B5EF4-FFF2-40B4-BE49-F238E27FC236}">
+                <a16:creationId xmlns:a16="http://schemas.microsoft.com/office/drawing/2014/main" id="{E3C6E8CC-FDD5-46B3-8793-ABC1EEDFEB38}"/>
+              </a:ext>
+            </a:extLst>
+          </p:cNvPr>
+          <p:cNvSpPr txBox="1">
+            <a:spLocks/>
+          </p:cNvSpPr>
+          <p:nvPr/>
+        </p:nvSpPr>
+        <p:spPr>
+          <a:xfrm>
+            <a:off x="1435511" y="3280287"/>
+            <a:ext cx="5266160" cy="2515829"/>
+          </a:xfrm>
+          <a:prstGeom prst="rect">
+            <a:avLst/>
+          </a:prstGeom>
+        </p:spPr>
+        <p:txBody>
+          <a:bodyPr vert="horz" lIns="0" tIns="0" rIns="0" bIns="0" rtlCol="0" anchor="t" anchorCtr="0">
             <a:noAutofit/>
           </a:bodyPr>
           <a:lstStyle>
@@ -17543,9 +22349,10 @@
               <a:buClr>
                 <a:schemeClr val="accent1"/>
               </a:buClr>
-              <a:buFont typeface="Arial" panose="020B0604020202020204" pitchFamily="34" charset="0"/>
-              <a:buChar char="•"/>
-              <a:defRPr sz="2133" kern="1200">
+              <a:buSzPct val="110000"/>
+              <a:buFont typeface="Wingdings" panose="05000000000000000000" pitchFamily="2" charset="2"/>
+              <a:buChar char="§"/>
+              <a:defRPr sz="2200" kern="1200">
                 <a:solidFill>
                   <a:schemeClr val="tx1"/>
                 </a:solidFill>
@@ -17562,11 +22369,12 @@
                 <a:spcPts val="501"/>
               </a:spcBef>
               <a:buClr>
-                <a:schemeClr val="tx1"/>
+                <a:schemeClr val="accent2"/>
               </a:buClr>
-              <a:buFont typeface="Arial" panose="020B0604020202020204" pitchFamily="34" charset="0"/>
-              <a:buChar char="•"/>
-              <a:defRPr sz="2133" kern="1200">
+              <a:buSzPct val="105000"/>
+              <a:buFont typeface="Wingdings" panose="05000000000000000000" pitchFamily="2" charset="2"/>
+              <a:buChar char="§"/>
+              <a:defRPr sz="2200" kern="1200">
                 <a:solidFill>
                   <a:schemeClr val="tx1"/>
                 </a:solidFill>
@@ -17583,11 +22391,11 @@
                 <a:spcPts val="501"/>
               </a:spcBef>
               <a:buClr>
-                <a:schemeClr val="tx1"/>
+                <a:schemeClr val="accent1"/>
               </a:buClr>
               <a:buFont typeface="Arial" panose="020B0604020202020204" pitchFamily="34" charset="0"/>
               <a:buChar char="•"/>
-              <a:defRPr sz="1867" kern="1200">
+              <a:defRPr sz="2200" kern="1200">
                 <a:solidFill>
                   <a:schemeClr val="tx1"/>
                 </a:solidFill>
@@ -17604,11 +22412,11 @@
                 <a:spcPts val="501"/>
               </a:spcBef>
               <a:buClr>
-                <a:schemeClr val="tx1"/>
+                <a:schemeClr val="accent2"/>
               </a:buClr>
               <a:buFont typeface="Arial" panose="020B0604020202020204" pitchFamily="34" charset="0"/>
               <a:buChar char="•"/>
-              <a:defRPr sz="1867" kern="1200">
+              <a:defRPr sz="2200" kern="1200">
                 <a:solidFill>
                   <a:schemeClr val="tx1"/>
                 </a:solidFill>
@@ -17625,11 +22433,11 @@
                 <a:spcPts val="501"/>
               </a:spcBef>
               <a:buClr>
-                <a:schemeClr val="tx1"/>
+                <a:schemeClr val="accent1"/>
               </a:buClr>
               <a:buFont typeface="Arial" panose="020B0604020202020204" pitchFamily="34" charset="0"/>
               <a:buChar char="•"/>
-              <a:defRPr sz="1867" kern="1200">
+              <a:defRPr sz="2200" kern="1200">
                 <a:solidFill>
                   <a:schemeClr val="tx1"/>
                 </a:solidFill>
@@ -17712,42 +22520,597 @@
             </a:lvl9pPr>
           </a:lstStyle>
           <a:p>
-            <a:pPr marL="234943" lvl="1" indent="0">
-              <a:buNone/>
+            <a:pPr lvl="0">
+              <a:buClr>
+                <a:srgbClr val="00BEFF"/>
+              </a:buClr>
             </a:pPr>
             <a:r>
-              <a:rPr lang="en-US" sz="1400" i="1" dirty="0">
+              <a:rPr lang="en-US" sz="1600" dirty="0">
+                <a:solidFill>
+                  <a:srgbClr val="3E444C"/>
+                </a:solidFill>
                 <a:latin typeface="Calibri" panose="020F0502020204030204" pitchFamily="34" charset="0"/>
                 <a:cs typeface="Calibri" panose="020F0502020204030204" pitchFamily="34" charset="0"/>
               </a:rPr>
-              <a:t>We started to hate each other.</a:t>
+              <a:t>to use the data of each corpus for both training and testing, both </a:t>
+            </a:r>
+            <a:r>
+              <a:rPr lang="en-US" sz="1600" dirty="0" err="1">
+                <a:solidFill>
+                  <a:srgbClr val="3E444C"/>
+                </a:solidFill>
+                <a:latin typeface="Calibri" panose="020F0502020204030204" pitchFamily="34" charset="0"/>
+                <a:cs typeface="Calibri" panose="020F0502020204030204" pitchFamily="34" charset="0"/>
+              </a:rPr>
+              <a:t>coprora</a:t>
+            </a:r>
+            <a:r>
+              <a:rPr lang="en-US" sz="1600" dirty="0">
+                <a:solidFill>
+                  <a:srgbClr val="3E444C"/>
+                </a:solidFill>
+                <a:latin typeface="Calibri" panose="020F0502020204030204" pitchFamily="34" charset="0"/>
+                <a:cs typeface="Calibri" panose="020F0502020204030204" pitchFamily="34" charset="0"/>
+              </a:rPr>
+              <a:t> must meet the following criteria:</a:t>
+            </a:r>
+          </a:p>
+          <a:p>
+            <a:pPr lvl="1">
+              <a:buClr>
+                <a:srgbClr val="00519E"/>
+              </a:buClr>
+            </a:pPr>
+            <a:r>
+              <a:rPr lang="en-US" sz="1600" dirty="0">
+                <a:solidFill>
+                  <a:srgbClr val="3E444C"/>
+                </a:solidFill>
+                <a:latin typeface="Calibri" panose="020F0502020204030204" pitchFamily="34" charset="0"/>
+                <a:cs typeface="Calibri" panose="020F0502020204030204" pitchFamily="34" charset="0"/>
+              </a:rPr>
+              <a:t>sufficient amount of (training) data</a:t>
+            </a:r>
+          </a:p>
+          <a:p>
+            <a:pPr lvl="1">
+              <a:buClr>
+                <a:srgbClr val="00519E"/>
+              </a:buClr>
+            </a:pPr>
+            <a:r>
+              <a:rPr lang="en-US" sz="1600" dirty="0">
+                <a:solidFill>
+                  <a:srgbClr val="3E444C"/>
+                </a:solidFill>
+                <a:latin typeface="Calibri" panose="020F0502020204030204" pitchFamily="34" charset="0"/>
+                <a:cs typeface="Calibri" panose="020F0502020204030204" pitchFamily="34" charset="0"/>
+              </a:rPr>
+              <a:t>matching annotation labels</a:t>
+            </a:r>
+          </a:p>
+          <a:p>
+            <a:pPr lvl="1">
+              <a:buClr>
+                <a:srgbClr val="00519E"/>
+              </a:buClr>
+            </a:pPr>
+            <a:r>
+              <a:rPr lang="en-US" sz="1600" dirty="0">
+                <a:solidFill>
+                  <a:srgbClr val="3E444C"/>
+                </a:solidFill>
+                <a:latin typeface="Calibri" panose="020F0502020204030204" pitchFamily="34" charset="0"/>
+                <a:cs typeface="Calibri" panose="020F0502020204030204" pitchFamily="34" charset="0"/>
+              </a:rPr>
+              <a:t>similar (or no specific) domain and data type (tweets, sentences, …)</a:t>
+            </a:r>
+          </a:p>
+          <a:p>
+            <a:pPr lvl="1">
+              <a:buClr>
+                <a:srgbClr val="00519E"/>
+              </a:buClr>
+            </a:pPr>
+            <a:r>
+              <a:rPr lang="en-US" sz="1600" dirty="0">
+                <a:solidFill>
+                  <a:srgbClr val="3E444C"/>
+                </a:solidFill>
+                <a:latin typeface="Calibri" panose="020F0502020204030204" pitchFamily="34" charset="0"/>
+                <a:cs typeface="Calibri" panose="020F0502020204030204" pitchFamily="34" charset="0"/>
+              </a:rPr>
+              <a:t>-&gt; TEC and CrowdFlower</a:t>
+            </a:r>
+          </a:p>
+          <a:p>
+            <a:pPr lvl="1">
+              <a:buClr>
+                <a:srgbClr val="00519E"/>
+              </a:buClr>
+            </a:pPr>
+            <a:endParaRPr lang="en-US" sz="1600" dirty="0">
+              <a:solidFill>
+                <a:srgbClr val="FF0000"/>
+              </a:solidFill>
+              <a:latin typeface="Calibri" panose="020F0502020204030204" pitchFamily="34" charset="0"/>
+              <a:cs typeface="Calibri" panose="020F0502020204030204" pitchFamily="34" charset="0"/>
+            </a:endParaRPr>
+          </a:p>
+        </p:txBody>
+      </p:sp>
+      <p:sp>
+        <p:nvSpPr>
+          <p:cNvPr id="3" name="Textfeld 2">
+            <a:extLst>
+              <a:ext uri="{FF2B5EF4-FFF2-40B4-BE49-F238E27FC236}">
+                <a16:creationId xmlns:a16="http://schemas.microsoft.com/office/drawing/2014/main" id="{EDE9EA4A-4F49-40B6-88BE-7F2B4DF1A196}"/>
+              </a:ext>
+            </a:extLst>
+          </p:cNvPr>
+          <p:cNvSpPr txBox="1"/>
+          <p:nvPr/>
+        </p:nvSpPr>
+        <p:spPr>
+          <a:xfrm>
+            <a:off x="1344109" y="1775518"/>
+            <a:ext cx="9503782" cy="977516"/>
+          </a:xfrm>
+          <a:prstGeom prst="roundRect">
+            <a:avLst/>
+          </a:prstGeom>
+        </p:spPr>
+        <p:style>
+          <a:lnRef idx="2">
+            <a:schemeClr val="accent1"/>
+          </a:lnRef>
+          <a:fillRef idx="1">
+            <a:schemeClr val="lt1"/>
+          </a:fillRef>
+          <a:effectRef idx="0">
+            <a:schemeClr val="accent1"/>
+          </a:effectRef>
+          <a:fontRef idx="minor">
+            <a:schemeClr val="dk1"/>
+          </a:fontRef>
+        </p:style>
+        <p:txBody>
+          <a:bodyPr wrap="none" lIns="0" tIns="0" rIns="0" bIns="0" rtlCol="0" anchor="ctr">
+            <a:noAutofit/>
+          </a:bodyPr>
+          <a:lstStyle/>
+          <a:p>
+            <a:r>
+              <a:rPr lang="en-US" sz="1800" b="1" dirty="0">
+                <a:latin typeface="Calibri" panose="020F0502020204030204" pitchFamily="34" charset="0"/>
+                <a:cs typeface="Calibri" panose="020F0502020204030204" pitchFamily="34" charset="0"/>
+              </a:rPr>
+              <a:t>research question:</a:t>
+            </a:r>
+          </a:p>
+          <a:p>
+            <a:r>
+              <a:rPr lang="en-US" sz="1800" dirty="0">
+                <a:latin typeface="Calibri" panose="020F0502020204030204" pitchFamily="34" charset="0"/>
+                <a:cs typeface="Calibri" panose="020F0502020204030204" pitchFamily="34" charset="0"/>
+              </a:rPr>
+              <a:t>Will a NN trained on one dataset evaluate as well on the other corpus as it does on its own test set?</a:t>
+            </a:r>
+          </a:p>
+        </p:txBody>
+      </p:sp>
+    </p:spTree>
+    <p:extLst>
+      <p:ext uri="{BB962C8B-B14F-4D97-AF65-F5344CB8AC3E}">
+        <p14:creationId xmlns:p14="http://schemas.microsoft.com/office/powerpoint/2010/main" val="2014919455"/>
+      </p:ext>
+    </p:extLst>
+  </p:cSld>
+  <p:clrMapOvr>
+    <a:masterClrMapping/>
+  </p:clrMapOvr>
+  <mc:AlternateContent xmlns:mc="http://schemas.openxmlformats.org/markup-compatibility/2006" xmlns:p14="http://schemas.microsoft.com/office/powerpoint/2010/main">
+    <mc:Choice Requires="p14">
+      <p:transition p14:dur="0" advTm="2361"/>
+    </mc:Choice>
+    <mc:Fallback xmlns="">
+      <p:transition advTm="2361"/>
+    </mc:Fallback>
+  </mc:AlternateContent>
+</p:sld>
+</file>
+
+<file path=ppt/slides/slide7.xml><?xml version="1.0" encoding="utf-8"?>
+<p:sld xmlns:a="http://schemas.openxmlformats.org/drawingml/2006/main" xmlns:r="http://schemas.openxmlformats.org/officeDocument/2006/relationships" xmlns:p="http://schemas.openxmlformats.org/presentationml/2006/main">
+  <p:cSld>
+    <p:spTree>
+      <p:nvGrpSpPr>
+        <p:cNvPr id="1" name=""/>
+        <p:cNvGrpSpPr/>
+        <p:nvPr/>
+      </p:nvGrpSpPr>
+      <p:grpSpPr>
+        <a:xfrm>
+          <a:off x="0" y="0"/>
+          <a:ext cx="0" cy="0"/>
+          <a:chOff x="0" y="0"/>
+          <a:chExt cx="0" cy="0"/>
+        </a:xfrm>
+      </p:grpSpPr>
+      <p:cxnSp>
+        <p:nvCxnSpPr>
+          <p:cNvPr id="4" name="Gerade Verbindung mit Pfeil 3">
+            <a:extLst>
+              <a:ext uri="{FF2B5EF4-FFF2-40B4-BE49-F238E27FC236}">
+                <a16:creationId xmlns:a16="http://schemas.microsoft.com/office/drawing/2014/main" id="{584A9D92-5C1B-4B45-AF6A-A2E469B38292}"/>
+              </a:ext>
+            </a:extLst>
+          </p:cNvPr>
+          <p:cNvCxnSpPr/>
+          <p:nvPr/>
+        </p:nvCxnSpPr>
+        <p:spPr>
+          <a:xfrm>
+            <a:off x="9025526" y="1450646"/>
+            <a:ext cx="0" cy="4231801"/>
+          </a:xfrm>
+          <a:prstGeom prst="straightConnector1">
+            <a:avLst/>
+          </a:prstGeom>
+          <a:ln w="57150" cap="flat" cmpd="sng" algn="ctr">
+            <a:solidFill>
+              <a:schemeClr val="accent2"/>
+            </a:solidFill>
+            <a:prstDash val="solid"/>
+            <a:round/>
+            <a:headEnd type="none" w="med" len="med"/>
+            <a:tailEnd type="arrow" w="med" len="med"/>
+          </a:ln>
+        </p:spPr>
+        <p:style>
+          <a:lnRef idx="0">
+            <a:scrgbClr r="0" g="0" b="0"/>
+          </a:lnRef>
+          <a:fillRef idx="0">
+            <a:scrgbClr r="0" g="0" b="0"/>
+          </a:fillRef>
+          <a:effectRef idx="0">
+            <a:scrgbClr r="0" g="0" b="0"/>
+          </a:effectRef>
+          <a:fontRef idx="minor">
+            <a:schemeClr val="tx1"/>
+          </a:fontRef>
+        </p:style>
+      </p:cxnSp>
+      <p:sp>
+        <p:nvSpPr>
+          <p:cNvPr id="5" name="Foliennummernplatzhalter 4">
+            <a:extLst>
+              <a:ext uri="{FF2B5EF4-FFF2-40B4-BE49-F238E27FC236}">
+                <a16:creationId xmlns:a16="http://schemas.microsoft.com/office/drawing/2014/main" id="{178677E2-3871-4EB1-9638-C60EABEB7788}"/>
+              </a:ext>
+            </a:extLst>
+          </p:cNvPr>
+          <p:cNvSpPr>
+            <a:spLocks noGrp="1"/>
+          </p:cNvSpPr>
+          <p:nvPr>
+            <p:ph type="sldNum" sz="quarter" idx="12"/>
+          </p:nvPr>
+        </p:nvSpPr>
+        <p:spPr/>
+        <p:txBody>
+          <a:bodyPr/>
+          <a:lstStyle/>
+          <a:p>
+            <a:fld id="{54518C2F-5E54-4CF8-B37A-4631A050CED9}" type="slidenum">
+              <a:rPr lang="de-DE" smtClean="0"/>
+              <a:pPr/>
+              <a:t>7</a:t>
+            </a:fld>
+            <a:endParaRPr lang="de-DE" dirty="0">
+              <a:solidFill>
+                <a:schemeClr val="bg1"/>
+              </a:solidFill>
+            </a:endParaRPr>
+          </a:p>
+        </p:txBody>
+      </p:sp>
+      <p:sp>
+        <p:nvSpPr>
+          <p:cNvPr id="6" name="Fußzeilenplatzhalter 5">
+            <a:extLst>
+              <a:ext uri="{FF2B5EF4-FFF2-40B4-BE49-F238E27FC236}">
+                <a16:creationId xmlns:a16="http://schemas.microsoft.com/office/drawing/2014/main" id="{8C3F8C20-2557-41C5-939A-FD6E581E5742}"/>
+              </a:ext>
+            </a:extLst>
+          </p:cNvPr>
+          <p:cNvSpPr>
+            <a:spLocks noGrp="1"/>
+          </p:cNvSpPr>
+          <p:nvPr>
+            <p:ph type="ftr" sz="quarter" idx="11"/>
+          </p:nvPr>
+        </p:nvSpPr>
+        <p:spPr>
+          <a:xfrm>
+            <a:off x="623362" y="6659954"/>
+            <a:ext cx="7460324" cy="314777"/>
+          </a:xfrm>
+        </p:spPr>
+        <p:txBody>
+          <a:bodyPr/>
+          <a:lstStyle/>
+          <a:p>
+            <a:pPr algn="ctr"/>
+            <a:r>
+              <a:rPr lang="de-DE" dirty="0"/>
+              <a:t>Emotion Analysis | ML-</a:t>
+            </a:r>
+            <a:r>
+              <a:rPr lang="de-DE" dirty="0" err="1"/>
+              <a:t>based</a:t>
+            </a:r>
+            <a:r>
+              <a:rPr lang="de-DE" dirty="0"/>
+              <a:t> Emotion Classification		           Felix Bühler | Max Wegge | Carlotta Quensel</a:t>
+            </a:r>
+          </a:p>
+        </p:txBody>
+      </p:sp>
+      <p:sp>
+        <p:nvSpPr>
+          <p:cNvPr id="8" name="Titel 1">
+            <a:extLst>
+              <a:ext uri="{FF2B5EF4-FFF2-40B4-BE49-F238E27FC236}">
+                <a16:creationId xmlns:a16="http://schemas.microsoft.com/office/drawing/2014/main" id="{7A04DA2A-1F61-41DE-BA08-44B7F1730FE9}"/>
+              </a:ext>
+            </a:extLst>
+          </p:cNvPr>
+          <p:cNvSpPr txBox="1">
+            <a:spLocks/>
+          </p:cNvSpPr>
+          <p:nvPr/>
+        </p:nvSpPr>
+        <p:spPr>
+          <a:xfrm>
+            <a:off x="624422" y="236155"/>
+            <a:ext cx="10993967" cy="336000"/>
+          </a:xfrm>
+          <a:prstGeom prst="rect">
+            <a:avLst/>
+          </a:prstGeom>
+        </p:spPr>
+        <p:txBody>
+          <a:bodyPr vert="horz" lIns="0" tIns="0" rIns="0" bIns="0" rtlCol="0" anchor="t">
+            <a:noAutofit/>
+          </a:bodyPr>
+          <a:lstStyle>
+            <a:lvl1pPr algn="l" defTabSz="914368" rtl="0" eaLnBrk="1" latinLnBrk="0" hangingPunct="1">
+              <a:lnSpc>
+                <a:spcPct val="90000"/>
+              </a:lnSpc>
+              <a:spcBef>
+                <a:spcPct val="0"/>
+              </a:spcBef>
+              <a:buNone/>
+              <a:defRPr sz="2800" b="1" kern="1200">
+                <a:solidFill>
+                  <a:schemeClr val="tx1"/>
+                </a:solidFill>
+                <a:latin typeface="+mj-lt"/>
+                <a:ea typeface="+mj-ea"/>
+                <a:cs typeface="+mj-cs"/>
+              </a:defRPr>
+            </a:lvl1pPr>
+          </a:lstStyle>
+          <a:p>
+            <a:r>
+              <a:rPr lang="de-DE" dirty="0">
+                <a:latin typeface="Calibri" panose="020F0502020204030204" pitchFamily="34" charset="0"/>
+                <a:cs typeface="Calibri" panose="020F0502020204030204" pitchFamily="34" charset="0"/>
+              </a:rPr>
+              <a:t>2. </a:t>
+            </a:r>
+            <a:r>
+              <a:rPr lang="de-DE" dirty="0" err="1">
+                <a:latin typeface="Calibri" panose="020F0502020204030204" pitchFamily="34" charset="0"/>
+                <a:cs typeface="Calibri" panose="020F0502020204030204" pitchFamily="34" charset="0"/>
+              </a:rPr>
+              <a:t>research</a:t>
+            </a:r>
+            <a:r>
+              <a:rPr lang="de-DE" dirty="0">
+                <a:latin typeface="Calibri" panose="020F0502020204030204" pitchFamily="34" charset="0"/>
+                <a:cs typeface="Calibri" panose="020F0502020204030204" pitchFamily="34" charset="0"/>
+              </a:rPr>
+              <a:t> </a:t>
+            </a:r>
+            <a:r>
+              <a:rPr lang="de-DE" dirty="0" err="1">
+                <a:latin typeface="Calibri" panose="020F0502020204030204" pitchFamily="34" charset="0"/>
+                <a:cs typeface="Calibri" panose="020F0502020204030204" pitchFamily="34" charset="0"/>
+              </a:rPr>
+              <a:t>question</a:t>
             </a:r>
             <a:br>
-              <a:rPr lang="en-US" sz="1400" i="1" dirty="0">
+              <a:rPr lang="de-DE" dirty="0">
                 <a:latin typeface="Calibri" panose="020F0502020204030204" pitchFamily="34" charset="0"/>
                 <a:cs typeface="Calibri" panose="020F0502020204030204" pitchFamily="34" charset="0"/>
               </a:rPr>
             </a:br>
             <a:r>
-              <a:rPr lang="en-US" sz="1400" dirty="0">
+              <a:rPr lang="en-US" b="0" dirty="0">
                 <a:latin typeface="Calibri" panose="020F0502020204030204" pitchFamily="34" charset="0"/>
                 <a:cs typeface="Calibri" panose="020F0502020204030204" pitchFamily="34" charset="0"/>
               </a:rPr>
-              <a:t>[ID 235]</a:t>
-            </a:r>
-            <a:endParaRPr lang="de-DE" sz="1050" dirty="0">
+              <a:t>method (architecture)</a:t>
+            </a:r>
+          </a:p>
+        </p:txBody>
+      </p:sp>
+      <p:sp>
+        <p:nvSpPr>
+          <p:cNvPr id="7" name="Inhaltsplatzhalter 3">
+            <a:extLst>
+              <a:ext uri="{FF2B5EF4-FFF2-40B4-BE49-F238E27FC236}">
+                <a16:creationId xmlns:a16="http://schemas.microsoft.com/office/drawing/2014/main" id="{514DE648-80A0-4EF3-AB1B-044DAFBD5493}"/>
+              </a:ext>
+            </a:extLst>
+          </p:cNvPr>
+          <p:cNvSpPr>
+            <a:spLocks noGrp="1"/>
+          </p:cNvSpPr>
+          <p:nvPr>
+            <p:ph sz="half" idx="1"/>
+          </p:nvPr>
+        </p:nvSpPr>
+        <p:spPr>
+          <a:xfrm>
+            <a:off x="623362" y="1564559"/>
+            <a:ext cx="10456443" cy="4826616"/>
+          </a:xfrm>
+        </p:spPr>
+        <p:txBody>
+          <a:bodyPr anchor="t" anchorCtr="0"/>
+          <a:lstStyle/>
+          <a:p>
+            <a:r>
+              <a:rPr lang="en-US" sz="1800" dirty="0">
+                <a:latin typeface="Calibri" panose="020F0502020204030204" pitchFamily="34" charset="0"/>
+                <a:cs typeface="Calibri" panose="020F0502020204030204" pitchFamily="34" charset="0"/>
+              </a:rPr>
+              <a:t>preprocessing</a:t>
+            </a:r>
+          </a:p>
+          <a:p>
+            <a:pPr lvl="1"/>
+            <a:r>
+              <a:rPr lang="en-US" sz="1800" dirty="0">
+                <a:latin typeface="Calibri" panose="020F0502020204030204" pitchFamily="34" charset="0"/>
+                <a:cs typeface="Calibri" panose="020F0502020204030204" pitchFamily="34" charset="0"/>
+              </a:rPr>
+              <a:t>remove </a:t>
+            </a:r>
+            <a:r>
+              <a:rPr lang="en-US" sz="1800" dirty="0" err="1">
+                <a:latin typeface="Calibri" panose="020F0502020204030204" pitchFamily="34" charset="0"/>
+                <a:cs typeface="Calibri" panose="020F0502020204030204" pitchFamily="34" charset="0"/>
+              </a:rPr>
+              <a:t>nltk-stopwords</a:t>
+            </a:r>
+            <a:r>
+              <a:rPr lang="en-US" sz="1800" dirty="0">
+                <a:latin typeface="Calibri" panose="020F0502020204030204" pitchFamily="34" charset="0"/>
+                <a:cs typeface="Calibri" panose="020F0502020204030204" pitchFamily="34" charset="0"/>
+              </a:rPr>
+              <a:t> (except "not" and "but“)</a:t>
+            </a:r>
+          </a:p>
+          <a:p>
+            <a:pPr lvl="1"/>
+            <a:r>
+              <a:rPr lang="en-US" sz="1800" dirty="0">
+                <a:latin typeface="Calibri" panose="020F0502020204030204" pitchFamily="34" charset="0"/>
+                <a:cs typeface="Calibri" panose="020F0502020204030204" pitchFamily="34" charset="0"/>
+              </a:rPr>
+              <a:t>lemmatizing (WordNet </a:t>
+            </a:r>
+            <a:r>
+              <a:rPr lang="en-US" sz="1800" dirty="0" err="1">
+                <a:latin typeface="Calibri" panose="020F0502020204030204" pitchFamily="34" charset="0"/>
+                <a:cs typeface="Calibri" panose="020F0502020204030204" pitchFamily="34" charset="0"/>
+              </a:rPr>
+              <a:t>Lemmatizer</a:t>
+            </a:r>
+            <a:r>
+              <a:rPr lang="en-US" sz="1800" dirty="0">
+                <a:latin typeface="Calibri" panose="020F0502020204030204" pitchFamily="34" charset="0"/>
+                <a:cs typeface="Calibri" panose="020F0502020204030204" pitchFamily="34" charset="0"/>
+              </a:rPr>
+              <a:t>)</a:t>
+            </a:r>
+          </a:p>
+          <a:p>
+            <a:pPr lvl="1"/>
+            <a:r>
+              <a:rPr lang="en-US" sz="1800" dirty="0">
+                <a:latin typeface="Calibri" panose="020F0502020204030204" pitchFamily="34" charset="0"/>
+                <a:cs typeface="Calibri" panose="020F0502020204030204" pitchFamily="34" charset="0"/>
+              </a:rPr>
+              <a:t>stemming (Porter Stemmer)</a:t>
+            </a:r>
+          </a:p>
+          <a:p>
+            <a:r>
+              <a:rPr lang="en-US" sz="1800" dirty="0" err="1">
+                <a:latin typeface="Calibri" panose="020F0502020204030204" pitchFamily="34" charset="0"/>
+                <a:cs typeface="Calibri" panose="020F0502020204030204" pitchFamily="34" charset="0"/>
+              </a:rPr>
+              <a:t>VocSize</a:t>
+            </a:r>
+            <a:r>
+              <a:rPr lang="en-US" sz="1800" dirty="0">
+                <a:latin typeface="Calibri" panose="020F0502020204030204" pitchFamily="34" charset="0"/>
+                <a:cs typeface="Calibri" panose="020F0502020204030204" pitchFamily="34" charset="0"/>
+              </a:rPr>
+              <a:t> = 400.000, Input length = 33 words</a:t>
+            </a:r>
+          </a:p>
+          <a:p>
+            <a:r>
+              <a:rPr lang="en-US" sz="1800" dirty="0" err="1">
+                <a:latin typeface="Calibri" panose="020F0502020204030204" pitchFamily="34" charset="0"/>
+                <a:cs typeface="Calibri" panose="020F0502020204030204" pitchFamily="34" charset="0"/>
+              </a:rPr>
+              <a:t>GloVe</a:t>
+            </a:r>
+            <a:r>
+              <a:rPr lang="en-US" sz="1800" dirty="0">
+                <a:latin typeface="Calibri" panose="020F0502020204030204" pitchFamily="34" charset="0"/>
+                <a:cs typeface="Calibri" panose="020F0502020204030204" pitchFamily="34" charset="0"/>
+              </a:rPr>
+              <a:t> Embedding</a:t>
+            </a:r>
+          </a:p>
+          <a:p>
+            <a:r>
+              <a:rPr lang="en-US" sz="1800" dirty="0">
+                <a:latin typeface="Calibri" panose="020F0502020204030204" pitchFamily="34" charset="0"/>
+                <a:cs typeface="Calibri" panose="020F0502020204030204" pitchFamily="34" charset="0"/>
+              </a:rPr>
+              <a:t>counter class-imbalances using </a:t>
+            </a:r>
+            <a:r>
+              <a:rPr lang="en-US" sz="1800" dirty="0" err="1">
+                <a:latin typeface="Calibri" panose="020F0502020204030204" pitchFamily="34" charset="0"/>
+                <a:cs typeface="Calibri" panose="020F0502020204030204" pitchFamily="34" charset="0"/>
+              </a:rPr>
+              <a:t>class_weights</a:t>
+            </a:r>
+            <a:endParaRPr lang="en-US" sz="1800" dirty="0">
               <a:latin typeface="Calibri" panose="020F0502020204030204" pitchFamily="34" charset="0"/>
               <a:cs typeface="Calibri" panose="020F0502020204030204" pitchFamily="34" charset="0"/>
             </a:endParaRPr>
           </a:p>
-        </p:txBody>
-      </p:sp>
-      <p:sp>
-        <p:nvSpPr>
-          <p:cNvPr id="12" name="Rechteck: diagonal liegende Ecken abgerundet 11">
+          <a:p>
+            <a:r>
+              <a:rPr lang="en-US" sz="1800" dirty="0">
+                <a:latin typeface="Calibri" panose="020F0502020204030204" pitchFamily="34" charset="0"/>
+                <a:cs typeface="Calibri" panose="020F0502020204030204" pitchFamily="34" charset="0"/>
+              </a:rPr>
+              <a:t>reduce learning rate on plateau</a:t>
+            </a:r>
+          </a:p>
+        </p:txBody>
+      </p:sp>
+      <p:sp>
+        <p:nvSpPr>
+          <p:cNvPr id="2" name="Rechteck 1">
             <a:extLst>
               <a:ext uri="{FF2B5EF4-FFF2-40B4-BE49-F238E27FC236}">
-                <a16:creationId xmlns:a16="http://schemas.microsoft.com/office/drawing/2014/main" id="{E2BBC3D4-AAF2-422C-AD2B-DFCD7849F3DD}"/>
+                <a16:creationId xmlns:a16="http://schemas.microsoft.com/office/drawing/2014/main" id="{BE48F5FB-64D3-4A4E-97B1-BA10866E2A0A}"/>
               </a:ext>
             </a:extLst>
           </p:cNvPr>
@@ -17755,21 +23118,15 @@
           <p:nvPr/>
         </p:nvSpPr>
         <p:spPr>
-          <a:xfrm rot="352161">
-            <a:off x="9360217" y="5933582"/>
-            <a:ext cx="3070027" cy="596479"/>
-          </a:xfrm>
-          <a:prstGeom prst="round2DiagRect">
+          <a:xfrm>
+            <a:off x="7475862" y="4357021"/>
+            <a:ext cx="3195587" cy="690613"/>
+          </a:xfrm>
+          <a:prstGeom prst="rect">
             <a:avLst/>
           </a:prstGeom>
-          <a:noFill/>
-          <a:ln w="28575">
-            <a:solidFill>
-              <a:schemeClr val="tx2">
-                <a:lumMod val="50000"/>
-                <a:lumOff val="50000"/>
-              </a:schemeClr>
-            </a:solidFill>
+          <a:ln>
+            <a:noFill/>
           </a:ln>
         </p:spPr>
         <p:style>
@@ -17793,16 +23150,19 @@
           <a:lstStyle/>
           <a:p>
             <a:pPr algn="ctr"/>
-            <a:endParaRPr lang="de-DE" sz="1600" dirty="0"/>
-          </a:p>
-        </p:txBody>
-      </p:sp>
-      <p:sp>
-        <p:nvSpPr>
-          <p:cNvPr id="7" name="Rechteck 6">
+            <a:r>
+              <a:rPr lang="de-DE" sz="1600" dirty="0"/>
+              <a:t>Output (6)</a:t>
+            </a:r>
+          </a:p>
+        </p:txBody>
+      </p:sp>
+      <p:sp>
+        <p:nvSpPr>
+          <p:cNvPr id="9" name="Rechteck 8">
             <a:extLst>
               <a:ext uri="{FF2B5EF4-FFF2-40B4-BE49-F238E27FC236}">
-                <a16:creationId xmlns:a16="http://schemas.microsoft.com/office/drawing/2014/main" id="{0673ABE6-AB76-42BF-B872-5C0D8EEE1C9D}"/>
+                <a16:creationId xmlns:a16="http://schemas.microsoft.com/office/drawing/2014/main" id="{0F0464CA-4ADE-4620-83C8-AACF599DFBEF}"/>
               </a:ext>
             </a:extLst>
           </p:cNvPr>
@@ -17811,14 +23171,17 @@
         </p:nvSpPr>
         <p:spPr>
           <a:xfrm>
-            <a:off x="0" y="6551848"/>
-            <a:ext cx="12192000" cy="306152"/>
+            <a:off x="7475861" y="3532018"/>
+            <a:ext cx="3195587" cy="690613"/>
           </a:xfrm>
           <a:prstGeom prst="rect">
             <a:avLst/>
           </a:prstGeom>
           <a:solidFill>
-            <a:schemeClr val="accent2"/>
+            <a:schemeClr val="accent1">
+              <a:lumMod val="40000"/>
+              <a:lumOff val="60000"/>
+            </a:schemeClr>
           </a:solidFill>
           <a:ln>
             <a:noFill/>
@@ -17845,208 +23208,19 @@
           <a:lstStyle/>
           <a:p>
             <a:pPr algn="ctr"/>
-            <a:endParaRPr lang="de-DE" sz="1600" dirty="0"/>
-          </a:p>
-        </p:txBody>
-      </p:sp>
-      <p:sp>
-        <p:nvSpPr>
-          <p:cNvPr id="2" name="Bildplatzhalter 1">
+            <a:r>
+              <a:rPr lang="de-DE" sz="1600" dirty="0"/>
+              <a:t>Dropout (0.5)</a:t>
+            </a:r>
+          </a:p>
+        </p:txBody>
+      </p:sp>
+      <p:sp>
+        <p:nvSpPr>
+          <p:cNvPr id="10" name="Rechteck 9">
             <a:extLst>
               <a:ext uri="{FF2B5EF4-FFF2-40B4-BE49-F238E27FC236}">
-                <a16:creationId xmlns:a16="http://schemas.microsoft.com/office/drawing/2014/main" id="{F3A09C24-0ADE-4F98-BE77-66D186E6AC71}"/>
-              </a:ext>
-            </a:extLst>
-          </p:cNvPr>
-          <p:cNvSpPr>
-            <a:spLocks noGrp="1"/>
-          </p:cNvSpPr>
-          <p:nvPr>
-            <p:ph type="pic" sz="quarter" idx="10"/>
-          </p:nvPr>
-        </p:nvSpPr>
-        <p:spPr>
-          <a:xfrm rot="20545792">
-            <a:off x="-1425584" y="732596"/>
-            <a:ext cx="15665799" cy="4043342"/>
-          </a:xfrm>
-          <a:solidFill>
-            <a:schemeClr val="accent1"/>
-          </a:solidFill>
-        </p:spPr>
-      </p:sp>
-      <p:sp>
-        <p:nvSpPr>
-          <p:cNvPr id="3" name="Titel 2">
-            <a:extLst>
-              <a:ext uri="{FF2B5EF4-FFF2-40B4-BE49-F238E27FC236}">
-                <a16:creationId xmlns:a16="http://schemas.microsoft.com/office/drawing/2014/main" id="{0CEF2F93-13BC-4DA0-9004-250CBC14B77A}"/>
-              </a:ext>
-            </a:extLst>
-          </p:cNvPr>
-          <p:cNvSpPr>
-            <a:spLocks noGrp="1"/>
-          </p:cNvSpPr>
-          <p:nvPr>
-            <p:ph type="title"/>
-          </p:nvPr>
-        </p:nvSpPr>
-        <p:spPr>
-          <a:xfrm>
-            <a:off x="985026" y="1231520"/>
-            <a:ext cx="4394960" cy="4394960"/>
-          </a:xfrm>
-          <a:solidFill>
-            <a:schemeClr val="bg1"/>
-          </a:solidFill>
-          <a:ln w="28575">
-            <a:solidFill>
-              <a:schemeClr val="accent1"/>
-            </a:solidFill>
-          </a:ln>
-        </p:spPr>
-        <p:txBody>
-          <a:bodyPr bIns="0" anchor="ctr"/>
-          <a:lstStyle/>
-          <a:p>
-            <a:r>
-              <a:rPr lang="de-DE" sz="3800" dirty="0" err="1">
-                <a:solidFill>
-                  <a:schemeClr val="tx1"/>
-                </a:solidFill>
-                <a:latin typeface="Calibri" panose="020F0502020204030204" pitchFamily="34" charset="0"/>
-                <a:cs typeface="Calibri" panose="020F0502020204030204" pitchFamily="34" charset="0"/>
-              </a:rPr>
-              <a:t>Thank</a:t>
-            </a:r>
-            <a:r>
-              <a:rPr lang="de-DE" sz="3800" dirty="0">
-                <a:solidFill>
-                  <a:schemeClr val="tx1"/>
-                </a:solidFill>
-                <a:latin typeface="Calibri" panose="020F0502020204030204" pitchFamily="34" charset="0"/>
-                <a:cs typeface="Calibri" panose="020F0502020204030204" pitchFamily="34" charset="0"/>
-              </a:rPr>
-              <a:t> </a:t>
-            </a:r>
-            <a:r>
-              <a:rPr lang="de-DE" sz="3800" dirty="0" err="1">
-                <a:solidFill>
-                  <a:schemeClr val="tx1"/>
-                </a:solidFill>
-                <a:latin typeface="Calibri" panose="020F0502020204030204" pitchFamily="34" charset="0"/>
-                <a:cs typeface="Calibri" panose="020F0502020204030204" pitchFamily="34" charset="0"/>
-              </a:rPr>
-              <a:t>you</a:t>
-            </a:r>
-            <a:br>
-              <a:rPr lang="de-DE" sz="3800" dirty="0">
-                <a:solidFill>
-                  <a:schemeClr val="tx1"/>
-                </a:solidFill>
-                <a:latin typeface="Calibri" panose="020F0502020204030204" pitchFamily="34" charset="0"/>
-                <a:cs typeface="Calibri" panose="020F0502020204030204" pitchFamily="34" charset="0"/>
-              </a:rPr>
-            </a:br>
-            <a:r>
-              <a:rPr lang="de-DE" sz="3800" b="0" dirty="0" err="1">
-                <a:solidFill>
-                  <a:schemeClr val="tx1"/>
-                </a:solidFill>
-                <a:latin typeface="Calibri" panose="020F0502020204030204" pitchFamily="34" charset="0"/>
-                <a:cs typeface="Calibri" panose="020F0502020204030204" pitchFamily="34" charset="0"/>
-              </a:rPr>
-              <a:t>for</a:t>
-            </a:r>
-            <a:r>
-              <a:rPr lang="de-DE" sz="3800" b="0" dirty="0">
-                <a:solidFill>
-                  <a:schemeClr val="tx1"/>
-                </a:solidFill>
-                <a:latin typeface="Calibri" panose="020F0502020204030204" pitchFamily="34" charset="0"/>
-                <a:cs typeface="Calibri" panose="020F0502020204030204" pitchFamily="34" charset="0"/>
-              </a:rPr>
-              <a:t> </a:t>
-            </a:r>
-            <a:r>
-              <a:rPr lang="de-DE" sz="3800" b="0" dirty="0" err="1">
-                <a:solidFill>
-                  <a:schemeClr val="tx1"/>
-                </a:solidFill>
-                <a:latin typeface="Calibri" panose="020F0502020204030204" pitchFamily="34" charset="0"/>
-                <a:cs typeface="Calibri" panose="020F0502020204030204" pitchFamily="34" charset="0"/>
-              </a:rPr>
-              <a:t>listening</a:t>
-            </a:r>
-            <a:r>
-              <a:rPr lang="de-DE" sz="3800" b="0" dirty="0">
-                <a:solidFill>
-                  <a:schemeClr val="tx1"/>
-                </a:solidFill>
-                <a:latin typeface="Calibri" panose="020F0502020204030204" pitchFamily="34" charset="0"/>
-                <a:cs typeface="Calibri" panose="020F0502020204030204" pitchFamily="34" charset="0"/>
-              </a:rPr>
-              <a:t>!</a:t>
-            </a:r>
-            <a:endParaRPr lang="de-DE" sz="2400" b="0" dirty="0">
-              <a:solidFill>
-                <a:schemeClr val="tx1"/>
-              </a:solidFill>
-              <a:latin typeface="Calibri" panose="020F0502020204030204" pitchFamily="34" charset="0"/>
-              <a:cs typeface="Calibri" panose="020F0502020204030204" pitchFamily="34" charset="0"/>
-            </a:endParaRPr>
-          </a:p>
-        </p:txBody>
-      </p:sp>
-      <p:sp>
-        <p:nvSpPr>
-          <p:cNvPr id="5" name="Textplatzhalter 4">
-            <a:extLst>
-              <a:ext uri="{FF2B5EF4-FFF2-40B4-BE49-F238E27FC236}">
-                <a16:creationId xmlns:a16="http://schemas.microsoft.com/office/drawing/2014/main" id="{23B2E18B-9278-442C-B4CC-8D7B5CEF98F7}"/>
-              </a:ext>
-            </a:extLst>
-          </p:cNvPr>
-          <p:cNvSpPr>
-            <a:spLocks noGrp="1"/>
-          </p:cNvSpPr>
-          <p:nvPr>
-            <p:ph type="body" sz="quarter" idx="11"/>
-          </p:nvPr>
-        </p:nvSpPr>
-        <p:spPr>
-          <a:xfrm>
-            <a:off x="4659887" y="4081945"/>
-            <a:ext cx="1440197" cy="1440197"/>
-          </a:xfrm>
-          <a:solidFill>
-            <a:schemeClr val="accent2"/>
-          </a:solidFill>
-        </p:spPr>
-        <p:txBody>
-          <a:bodyPr anchor="ctr"/>
-          <a:lstStyle/>
-          <a:p>
-            <a:pPr algn="ctr"/>
-            <a:r>
-              <a:rPr lang="de-DE" sz="2000" dirty="0">
-                <a:solidFill>
-                  <a:schemeClr val="bg1"/>
-                </a:solidFill>
-                <a:latin typeface="Calibri" panose="020F0502020204030204" pitchFamily="34" charset="0"/>
-                <a:cs typeface="Calibri" panose="020F0502020204030204" pitchFamily="34" charset="0"/>
-              </a:rPr>
-              <a:t>Questions?</a:t>
-            </a:r>
-          </a:p>
-        </p:txBody>
-      </p:sp>
-      <p:sp>
-        <p:nvSpPr>
-          <p:cNvPr id="4" name="Rechteck 3">
-            <a:extLst>
-              <a:ext uri="{FF2B5EF4-FFF2-40B4-BE49-F238E27FC236}">
-                <a16:creationId xmlns:a16="http://schemas.microsoft.com/office/drawing/2014/main" id="{3190F061-CB91-40EC-95C3-145DD7381A2F}"/>
+                <a16:creationId xmlns:a16="http://schemas.microsoft.com/office/drawing/2014/main" id="{A2FD6A35-2089-4AE5-B4FE-AC0E6EEBF94E}"/>
               </a:ext>
             </a:extLst>
           </p:cNvPr>
@@ -18055,53 +23229,175 @@
         </p:nvSpPr>
         <p:spPr>
           <a:xfrm>
-            <a:off x="985026" y="6551848"/>
-            <a:ext cx="11770739" cy="308418"/>
+            <a:off x="7475860" y="2721634"/>
+            <a:ext cx="3195587" cy="690613"/>
           </a:xfrm>
           <a:prstGeom prst="rect">
             <a:avLst/>
           </a:prstGeom>
-        </p:spPr>
-        <p:txBody>
-          <a:bodyPr wrap="square">
+          <a:ln>
+            <a:noFill/>
+          </a:ln>
+        </p:spPr>
+        <p:style>
+          <a:lnRef idx="2">
+            <a:schemeClr val="accent1">
+              <a:shade val="50000"/>
+            </a:schemeClr>
+          </a:lnRef>
+          <a:fillRef idx="1">
+            <a:schemeClr val="accent1"/>
+          </a:fillRef>
+          <a:effectRef idx="0">
+            <a:schemeClr val="accent1"/>
+          </a:effectRef>
+          <a:fontRef idx="minor">
+            <a:schemeClr val="lt1"/>
+          </a:fontRef>
+        </p:style>
+        <p:txBody>
+          <a:bodyPr rtlCol="0" anchor="ctr"/>
+          <a:lstStyle/>
+          <a:p>
+            <a:pPr algn="ctr"/>
+            <a:r>
+              <a:rPr lang="de-DE" sz="1600" dirty="0" err="1"/>
+              <a:t>BiLSTM</a:t>
+            </a:r>
+            <a:r>
+              <a:rPr lang="de-DE" sz="1600" dirty="0"/>
+              <a:t> (32)</a:t>
+            </a:r>
+          </a:p>
+        </p:txBody>
+      </p:sp>
+      <p:sp>
+        <p:nvSpPr>
+          <p:cNvPr id="11" name="Rechteck 10">
+            <a:extLst>
+              <a:ext uri="{FF2B5EF4-FFF2-40B4-BE49-F238E27FC236}">
+                <a16:creationId xmlns:a16="http://schemas.microsoft.com/office/drawing/2014/main" id="{90C6A767-C656-4035-A4BA-71B6DEB2877A}"/>
+              </a:ext>
+            </a:extLst>
+          </p:cNvPr>
+          <p:cNvSpPr/>
+          <p:nvPr/>
+        </p:nvSpPr>
+        <p:spPr>
+          <a:xfrm>
+            <a:off x="7475859" y="1903941"/>
+            <a:ext cx="3195587" cy="690613"/>
+          </a:xfrm>
+          <a:prstGeom prst="rect">
+            <a:avLst/>
+          </a:prstGeom>
+          <a:ln>
+            <a:noFill/>
+          </a:ln>
+        </p:spPr>
+        <p:style>
+          <a:lnRef idx="2">
+            <a:schemeClr val="accent1">
+              <a:shade val="50000"/>
+            </a:schemeClr>
+          </a:lnRef>
+          <a:fillRef idx="1">
+            <a:schemeClr val="accent1"/>
+          </a:fillRef>
+          <a:effectRef idx="0">
+            <a:schemeClr val="accent1"/>
+          </a:effectRef>
+          <a:fontRef idx="minor">
+            <a:schemeClr val="lt1"/>
+          </a:fontRef>
+        </p:style>
+        <p:txBody>
+          <a:bodyPr rtlCol="0" anchor="ctr"/>
+          <a:lstStyle/>
+          <a:p>
+            <a:pPr algn="ctr"/>
+            <a:r>
+              <a:rPr lang="de-DE" sz="1600" dirty="0"/>
+              <a:t>Embedding (33,100)</a:t>
+            </a:r>
+          </a:p>
+        </p:txBody>
+      </p:sp>
+      <p:sp>
+        <p:nvSpPr>
+          <p:cNvPr id="3" name="Textfeld 2">
+            <a:extLst>
+              <a:ext uri="{FF2B5EF4-FFF2-40B4-BE49-F238E27FC236}">
+                <a16:creationId xmlns:a16="http://schemas.microsoft.com/office/drawing/2014/main" id="{936A369C-62AA-4B73-96E3-24750C706E8E}"/>
+              </a:ext>
+            </a:extLst>
+          </p:cNvPr>
+          <p:cNvSpPr txBox="1"/>
+          <p:nvPr/>
+        </p:nvSpPr>
+        <p:spPr>
+          <a:xfrm>
+            <a:off x="9426010" y="5338370"/>
+            <a:ext cx="2487861" cy="268279"/>
+          </a:xfrm>
+          <a:prstGeom prst="rect">
+            <a:avLst/>
+          </a:prstGeom>
+          <a:noFill/>
+        </p:spPr>
+        <p:txBody>
+          <a:bodyPr wrap="none" lIns="0" tIns="0" rIns="0" bIns="0" rtlCol="0">
             <a:spAutoFit/>
           </a:bodyPr>
           <a:lstStyle/>
           <a:p>
-            <a:r>
-              <a:rPr lang="de-DE" dirty="0">
-                <a:solidFill>
-                  <a:schemeClr val="bg1"/>
-                </a:solidFill>
-              </a:rPr>
-              <a:t>Felix Bühler | Max Wegge | Carlotta Quensel			Emotion Analysis | ML-</a:t>
-            </a:r>
-            <a:r>
-              <a:rPr lang="de-DE" dirty="0" err="1">
-                <a:solidFill>
-                  <a:schemeClr val="bg1"/>
-                </a:solidFill>
-              </a:rPr>
-              <a:t>based</a:t>
-            </a:r>
-            <a:r>
-              <a:rPr lang="de-DE" dirty="0">
-                <a:solidFill>
-                  <a:schemeClr val="bg1"/>
-                </a:solidFill>
-              </a:rPr>
-              <a:t> Emotion Classification	</a:t>
-            </a:r>
+            <a:pPr>
+              <a:lnSpc>
+                <a:spcPct val="120000"/>
+              </a:lnSpc>
+              <a:spcBef>
+                <a:spcPts val="750"/>
+              </a:spcBef>
+              <a:buClr>
+                <a:schemeClr val="accent1"/>
+              </a:buClr>
+            </a:pPr>
+            <a:r>
+              <a:rPr lang="de-DE" sz="1600" dirty="0" err="1"/>
+              <a:t>architecture</a:t>
+            </a:r>
+            <a:r>
+              <a:rPr lang="de-DE" sz="1600" dirty="0"/>
+              <a:t> </a:t>
+            </a:r>
+            <a:r>
+              <a:rPr lang="de-DE" sz="1600" dirty="0" err="1"/>
+              <a:t>of</a:t>
+            </a:r>
+            <a:r>
+              <a:rPr lang="de-DE" sz="1600" dirty="0"/>
+              <a:t> </a:t>
+            </a:r>
+            <a:r>
+              <a:rPr lang="de-DE" sz="1600" dirty="0" err="1"/>
+              <a:t>the</a:t>
+            </a:r>
+            <a:r>
+              <a:rPr lang="de-DE" sz="1600" dirty="0"/>
+              <a:t> </a:t>
+            </a:r>
+            <a:r>
+              <a:rPr lang="de-DE" sz="1600" dirty="0" err="1"/>
+              <a:t>BiLSTM</a:t>
+            </a:r>
+            <a:endParaRPr lang="de-DE" sz="1600" dirty="0"/>
           </a:p>
         </p:txBody>
       </p:sp>
     </p:spTree>
-    <p:custDataLst>
-      <p:tags r:id="rId1"/>
-    </p:custDataLst>
     <p:extLst>
       <p:ext uri="{BB962C8B-B14F-4D97-AF65-F5344CB8AC3E}">
-        <p14:creationId xmlns:p14="http://schemas.microsoft.com/office/powerpoint/2010/main" val="1487675229"/>
+        <p14:creationId xmlns:p14="http://schemas.microsoft.com/office/powerpoint/2010/main" val="3979849764"/>
       </p:ext>
     </p:extLst>
   </p:cSld>
@@ -18110,28 +23406,940 @@
   </p:clrMapOvr>
   <mc:AlternateContent xmlns:mc="http://schemas.openxmlformats.org/markup-compatibility/2006" xmlns:p14="http://schemas.microsoft.com/office/powerpoint/2010/main">
     <mc:Choice Requires="p14">
-      <p:transition p14:dur="0" advTm="4411"/>
+      <p:transition p14:dur="0" advTm="2361"/>
     </mc:Choice>
     <mc:Fallback xmlns="">
-      <p:transition advTm="4411"/>
+      <p:transition advTm="2361"/>
+    </mc:Fallback>
+  </mc:AlternateContent>
+</p:sld>
+</file>
+
+<file path=ppt/slides/slide8.xml><?xml version="1.0" encoding="utf-8"?>
+<p:sld xmlns:a="http://schemas.openxmlformats.org/drawingml/2006/main" xmlns:r="http://schemas.openxmlformats.org/officeDocument/2006/relationships" xmlns:p="http://schemas.openxmlformats.org/presentationml/2006/main">
+  <p:cSld>
+    <p:spTree>
+      <p:nvGrpSpPr>
+        <p:cNvPr id="1" name=""/>
+        <p:cNvGrpSpPr/>
+        <p:nvPr/>
+      </p:nvGrpSpPr>
+      <p:grpSpPr>
+        <a:xfrm>
+          <a:off x="0" y="0"/>
+          <a:ext cx="0" cy="0"/>
+          <a:chOff x="0" y="0"/>
+          <a:chExt cx="0" cy="0"/>
+        </a:xfrm>
+      </p:grpSpPr>
+      <p:pic>
+        <p:nvPicPr>
+          <p:cNvPr id="24" name="Inhaltsplatzhalter 23">
+            <a:extLst>
+              <a:ext uri="{FF2B5EF4-FFF2-40B4-BE49-F238E27FC236}">
+                <a16:creationId xmlns:a16="http://schemas.microsoft.com/office/drawing/2014/main" id="{B99DBABC-63C0-4FF5-BE30-7E1C3B67FE9A}"/>
+              </a:ext>
+            </a:extLst>
+          </p:cNvPr>
+          <p:cNvPicPr>
+            <a:picLocks noGrp="1" noChangeAspect="1"/>
+          </p:cNvPicPr>
+          <p:nvPr>
+            <p:ph idx="1"/>
+          </p:nvPr>
+        </p:nvPicPr>
+        <p:blipFill>
+          <a:blip r:embed="rId2">
+            <a:extLst>
+              <a:ext uri="{28A0092B-C50C-407E-A947-70E740481C1C}">
+                <a14:useLocalDpi xmlns:a14="http://schemas.microsoft.com/office/drawing/2010/main" val="0"/>
+              </a:ext>
+            </a:extLst>
+          </a:blip>
+          <a:srcRect/>
+          <a:stretch/>
+        </p:blipFill>
+        <p:spPr>
+          <a:xfrm>
+            <a:off x="609587" y="1845808"/>
+            <a:ext cx="5486411" cy="3657607"/>
+          </a:xfrm>
+        </p:spPr>
+      </p:pic>
+      <p:sp>
+        <p:nvSpPr>
+          <p:cNvPr id="5" name="Foliennummernplatzhalter 4">
+            <a:extLst>
+              <a:ext uri="{FF2B5EF4-FFF2-40B4-BE49-F238E27FC236}">
+                <a16:creationId xmlns:a16="http://schemas.microsoft.com/office/drawing/2014/main" id="{178677E2-3871-4EB1-9638-C60EABEB7788}"/>
+              </a:ext>
+            </a:extLst>
+          </p:cNvPr>
+          <p:cNvSpPr>
+            <a:spLocks noGrp="1"/>
+          </p:cNvSpPr>
+          <p:nvPr>
+            <p:ph type="sldNum" sz="quarter" idx="12"/>
+          </p:nvPr>
+        </p:nvSpPr>
+        <p:spPr/>
+        <p:txBody>
+          <a:bodyPr/>
+          <a:lstStyle/>
+          <a:p>
+            <a:fld id="{54518C2F-5E54-4CF8-B37A-4631A050CED9}" type="slidenum">
+              <a:rPr lang="de-DE" smtClean="0"/>
+              <a:pPr/>
+              <a:t>8</a:t>
+            </a:fld>
+            <a:endParaRPr lang="de-DE" dirty="0">
+              <a:solidFill>
+                <a:schemeClr val="bg1"/>
+              </a:solidFill>
+            </a:endParaRPr>
+          </a:p>
+        </p:txBody>
+      </p:sp>
+      <p:sp>
+        <p:nvSpPr>
+          <p:cNvPr id="6" name="Fußzeilenplatzhalter 5">
+            <a:extLst>
+              <a:ext uri="{FF2B5EF4-FFF2-40B4-BE49-F238E27FC236}">
+                <a16:creationId xmlns:a16="http://schemas.microsoft.com/office/drawing/2014/main" id="{8C3F8C20-2557-41C5-939A-FD6E581E5742}"/>
+              </a:ext>
+            </a:extLst>
+          </p:cNvPr>
+          <p:cNvSpPr>
+            <a:spLocks noGrp="1"/>
+          </p:cNvSpPr>
+          <p:nvPr>
+            <p:ph type="ftr" sz="quarter" idx="11"/>
+          </p:nvPr>
+        </p:nvSpPr>
+        <p:spPr>
+          <a:xfrm>
+            <a:off x="623362" y="6659954"/>
+            <a:ext cx="7460324" cy="314777"/>
+          </a:xfrm>
+        </p:spPr>
+        <p:txBody>
+          <a:bodyPr/>
+          <a:lstStyle/>
+          <a:p>
+            <a:pPr algn="ctr"/>
+            <a:r>
+              <a:rPr lang="de-DE" dirty="0"/>
+              <a:t>Emotion Analysis | ML-</a:t>
+            </a:r>
+            <a:r>
+              <a:rPr lang="de-DE" dirty="0" err="1"/>
+              <a:t>based</a:t>
+            </a:r>
+            <a:r>
+              <a:rPr lang="de-DE" dirty="0"/>
+              <a:t> Emotion Classification		           Felix Bühler | Max Wegge | Carlotta Quensel</a:t>
+            </a:r>
+          </a:p>
+        </p:txBody>
+      </p:sp>
+      <p:sp>
+        <p:nvSpPr>
+          <p:cNvPr id="8" name="Titel 1">
+            <a:extLst>
+              <a:ext uri="{FF2B5EF4-FFF2-40B4-BE49-F238E27FC236}">
+                <a16:creationId xmlns:a16="http://schemas.microsoft.com/office/drawing/2014/main" id="{7A04DA2A-1F61-41DE-BA08-44B7F1730FE9}"/>
+              </a:ext>
+            </a:extLst>
+          </p:cNvPr>
+          <p:cNvSpPr txBox="1">
+            <a:spLocks/>
+          </p:cNvSpPr>
+          <p:nvPr/>
+        </p:nvSpPr>
+        <p:spPr>
+          <a:xfrm>
+            <a:off x="624422" y="236155"/>
+            <a:ext cx="10993967" cy="336000"/>
+          </a:xfrm>
+          <a:prstGeom prst="rect">
+            <a:avLst/>
+          </a:prstGeom>
+        </p:spPr>
+        <p:txBody>
+          <a:bodyPr vert="horz" lIns="0" tIns="0" rIns="0" bIns="0" rtlCol="0" anchor="t">
+            <a:noAutofit/>
+          </a:bodyPr>
+          <a:lstStyle>
+            <a:lvl1pPr algn="l" defTabSz="914368" rtl="0" eaLnBrk="1" latinLnBrk="0" hangingPunct="1">
+              <a:lnSpc>
+                <a:spcPct val="90000"/>
+              </a:lnSpc>
+              <a:spcBef>
+                <a:spcPct val="0"/>
+              </a:spcBef>
+              <a:buNone/>
+              <a:defRPr sz="2800" b="1" kern="1200">
+                <a:solidFill>
+                  <a:schemeClr val="tx1"/>
+                </a:solidFill>
+                <a:latin typeface="+mj-lt"/>
+                <a:ea typeface="+mj-ea"/>
+                <a:cs typeface="+mj-cs"/>
+              </a:defRPr>
+            </a:lvl1pPr>
+          </a:lstStyle>
+          <a:p>
+            <a:r>
+              <a:rPr lang="de-DE" dirty="0">
+                <a:latin typeface="Calibri" panose="020F0502020204030204" pitchFamily="34" charset="0"/>
+                <a:cs typeface="Calibri" panose="020F0502020204030204" pitchFamily="34" charset="0"/>
+              </a:rPr>
+              <a:t>2. </a:t>
+            </a:r>
+            <a:r>
+              <a:rPr lang="de-DE" dirty="0" err="1">
+                <a:latin typeface="Calibri" panose="020F0502020204030204" pitchFamily="34" charset="0"/>
+                <a:cs typeface="Calibri" panose="020F0502020204030204" pitchFamily="34" charset="0"/>
+              </a:rPr>
+              <a:t>research</a:t>
+            </a:r>
+            <a:r>
+              <a:rPr lang="de-DE" dirty="0">
+                <a:latin typeface="Calibri" panose="020F0502020204030204" pitchFamily="34" charset="0"/>
+                <a:cs typeface="Calibri" panose="020F0502020204030204" pitchFamily="34" charset="0"/>
+              </a:rPr>
+              <a:t> </a:t>
+            </a:r>
+            <a:r>
+              <a:rPr lang="de-DE" dirty="0" err="1">
+                <a:latin typeface="Calibri" panose="020F0502020204030204" pitchFamily="34" charset="0"/>
+                <a:cs typeface="Calibri" panose="020F0502020204030204" pitchFamily="34" charset="0"/>
+              </a:rPr>
+              <a:t>question</a:t>
+            </a:r>
+            <a:br>
+              <a:rPr lang="de-DE" dirty="0">
+                <a:latin typeface="Calibri" panose="020F0502020204030204" pitchFamily="34" charset="0"/>
+                <a:cs typeface="Calibri" panose="020F0502020204030204" pitchFamily="34" charset="0"/>
+              </a:rPr>
+            </a:br>
+            <a:r>
+              <a:rPr lang="en-US" b="0" dirty="0">
+                <a:latin typeface="Calibri" panose="020F0502020204030204" pitchFamily="34" charset="0"/>
+                <a:cs typeface="Calibri" panose="020F0502020204030204" pitchFamily="34" charset="0"/>
+              </a:rPr>
+              <a:t>evaluation</a:t>
+            </a:r>
+          </a:p>
+        </p:txBody>
+      </p:sp>
+      <p:pic>
+        <p:nvPicPr>
+          <p:cNvPr id="26" name="Grafik 25">
+            <a:extLst>
+              <a:ext uri="{FF2B5EF4-FFF2-40B4-BE49-F238E27FC236}">
+                <a16:creationId xmlns:a16="http://schemas.microsoft.com/office/drawing/2014/main" id="{1EC9E4C2-3587-4B76-B219-28D9EA03B91A}"/>
+              </a:ext>
+            </a:extLst>
+          </p:cNvPr>
+          <p:cNvPicPr>
+            <a:picLocks noChangeAspect="1"/>
+          </p:cNvPicPr>
+          <p:nvPr/>
+        </p:nvPicPr>
+        <p:blipFill>
+          <a:blip r:embed="rId3">
+            <a:extLst>
+              <a:ext uri="{28A0092B-C50C-407E-A947-70E740481C1C}">
+                <a14:useLocalDpi xmlns:a14="http://schemas.microsoft.com/office/drawing/2010/main" val="0"/>
+              </a:ext>
+            </a:extLst>
+          </a:blip>
+          <a:srcRect/>
+          <a:stretch/>
+        </p:blipFill>
+        <p:spPr>
+          <a:xfrm>
+            <a:off x="6278660" y="1845809"/>
+            <a:ext cx="5486411" cy="3657607"/>
+          </a:xfrm>
+          <a:prstGeom prst="rect">
+            <a:avLst/>
+          </a:prstGeom>
+        </p:spPr>
+      </p:pic>
+      <p:sp>
+        <p:nvSpPr>
+          <p:cNvPr id="27" name="Textfeld 26">
+            <a:extLst>
+              <a:ext uri="{FF2B5EF4-FFF2-40B4-BE49-F238E27FC236}">
+                <a16:creationId xmlns:a16="http://schemas.microsoft.com/office/drawing/2014/main" id="{1431866C-9DA9-45D7-BE34-BFD2C81EBE0C}"/>
+              </a:ext>
+            </a:extLst>
+          </p:cNvPr>
+          <p:cNvSpPr txBox="1"/>
+          <p:nvPr/>
+        </p:nvSpPr>
+        <p:spPr>
+          <a:xfrm>
+            <a:off x="8083686" y="5507851"/>
+            <a:ext cx="2436564" cy="563744"/>
+          </a:xfrm>
+          <a:prstGeom prst="rect">
+            <a:avLst/>
+          </a:prstGeom>
+          <a:noFill/>
+        </p:spPr>
+        <p:txBody>
+          <a:bodyPr wrap="none" lIns="0" tIns="0" rIns="0" bIns="0" rtlCol="0">
+            <a:spAutoFit/>
+          </a:bodyPr>
+          <a:lstStyle/>
+          <a:p>
+            <a:pPr>
+              <a:lnSpc>
+                <a:spcPct val="120000"/>
+              </a:lnSpc>
+              <a:spcBef>
+                <a:spcPts val="750"/>
+              </a:spcBef>
+              <a:buClr>
+                <a:schemeClr val="accent1"/>
+              </a:buClr>
+            </a:pPr>
+            <a:r>
+              <a:rPr lang="de-DE" sz="1600" dirty="0" err="1"/>
+              <a:t>trained</a:t>
+            </a:r>
+            <a:r>
+              <a:rPr lang="de-DE" sz="1600" dirty="0"/>
+              <a:t> on TEC</a:t>
+            </a:r>
+            <a:br>
+              <a:rPr lang="de-DE" sz="1600" dirty="0"/>
+            </a:br>
+            <a:r>
+              <a:rPr lang="de-DE" sz="1600" dirty="0" err="1"/>
+              <a:t>evaluated</a:t>
+            </a:r>
+            <a:r>
+              <a:rPr lang="de-DE" sz="1600" dirty="0"/>
+              <a:t> on </a:t>
+            </a:r>
+            <a:r>
+              <a:rPr lang="de-DE" sz="1600" dirty="0" err="1"/>
+              <a:t>CrowdFlower</a:t>
+            </a:r>
+            <a:endParaRPr lang="de-DE" sz="1600" dirty="0"/>
+          </a:p>
+        </p:txBody>
+      </p:sp>
+      <p:sp>
+        <p:nvSpPr>
+          <p:cNvPr id="28" name="Textfeld 27">
+            <a:extLst>
+              <a:ext uri="{FF2B5EF4-FFF2-40B4-BE49-F238E27FC236}">
+                <a16:creationId xmlns:a16="http://schemas.microsoft.com/office/drawing/2014/main" id="{E39FE31B-2961-4312-85E7-F92642D055C2}"/>
+              </a:ext>
+            </a:extLst>
+          </p:cNvPr>
+          <p:cNvSpPr txBox="1"/>
+          <p:nvPr/>
+        </p:nvSpPr>
+        <p:spPr>
+          <a:xfrm>
+            <a:off x="2265154" y="5528030"/>
+            <a:ext cx="2175275" cy="563744"/>
+          </a:xfrm>
+          <a:prstGeom prst="rect">
+            <a:avLst/>
+          </a:prstGeom>
+          <a:noFill/>
+        </p:spPr>
+        <p:txBody>
+          <a:bodyPr wrap="none" lIns="0" tIns="0" rIns="0" bIns="0" rtlCol="0">
+            <a:spAutoFit/>
+          </a:bodyPr>
+          <a:lstStyle/>
+          <a:p>
+            <a:pPr>
+              <a:lnSpc>
+                <a:spcPct val="120000"/>
+              </a:lnSpc>
+              <a:spcBef>
+                <a:spcPts val="750"/>
+              </a:spcBef>
+              <a:buClr>
+                <a:schemeClr val="accent1"/>
+              </a:buClr>
+            </a:pPr>
+            <a:r>
+              <a:rPr lang="de-DE" sz="1600" dirty="0" err="1"/>
+              <a:t>trained</a:t>
+            </a:r>
+            <a:r>
+              <a:rPr lang="de-DE" sz="1600" dirty="0"/>
+              <a:t> on </a:t>
+            </a:r>
+            <a:r>
+              <a:rPr lang="de-DE" sz="1600" dirty="0" err="1"/>
+              <a:t>CrowdFlower</a:t>
+            </a:r>
+            <a:br>
+              <a:rPr lang="de-DE" sz="1600" dirty="0"/>
+            </a:br>
+            <a:r>
+              <a:rPr lang="de-DE" sz="1600" dirty="0" err="1"/>
+              <a:t>evaluated</a:t>
+            </a:r>
+            <a:r>
+              <a:rPr lang="de-DE" sz="1600" dirty="0"/>
+              <a:t> on TEC</a:t>
+            </a:r>
+          </a:p>
+        </p:txBody>
+      </p:sp>
+    </p:spTree>
+    <p:extLst>
+      <p:ext uri="{BB962C8B-B14F-4D97-AF65-F5344CB8AC3E}">
+        <p14:creationId xmlns:p14="http://schemas.microsoft.com/office/powerpoint/2010/main" val="435275066"/>
+      </p:ext>
+    </p:extLst>
+  </p:cSld>
+  <p:clrMapOvr>
+    <a:masterClrMapping/>
+  </p:clrMapOvr>
+  <mc:AlternateContent xmlns:mc="http://schemas.openxmlformats.org/markup-compatibility/2006" xmlns:p14="http://schemas.microsoft.com/office/powerpoint/2010/main">
+    <mc:Choice Requires="p14">
+      <p:transition p14:dur="0" advTm="2361"/>
+    </mc:Choice>
+    <mc:Fallback xmlns="">
+      <p:transition advTm="2361"/>
+    </mc:Fallback>
+  </mc:AlternateContent>
+</p:sld>
+</file>
+
+<file path=ppt/slides/slide9.xml><?xml version="1.0" encoding="utf-8"?>
+<p:sld xmlns:a="http://schemas.openxmlformats.org/drawingml/2006/main" xmlns:r="http://schemas.openxmlformats.org/officeDocument/2006/relationships" xmlns:p="http://schemas.openxmlformats.org/presentationml/2006/main">
+  <p:cSld>
+    <p:spTree>
+      <p:nvGrpSpPr>
+        <p:cNvPr id="1" name=""/>
+        <p:cNvGrpSpPr/>
+        <p:nvPr/>
+      </p:nvGrpSpPr>
+      <p:grpSpPr>
+        <a:xfrm>
+          <a:off x="0" y="0"/>
+          <a:ext cx="0" cy="0"/>
+          <a:chOff x="0" y="0"/>
+          <a:chExt cx="0" cy="0"/>
+        </a:xfrm>
+      </p:grpSpPr>
+      <p:sp>
+        <p:nvSpPr>
+          <p:cNvPr id="5" name="Foliennummernplatzhalter 4">
+            <a:extLst>
+              <a:ext uri="{FF2B5EF4-FFF2-40B4-BE49-F238E27FC236}">
+                <a16:creationId xmlns:a16="http://schemas.microsoft.com/office/drawing/2014/main" id="{178677E2-3871-4EB1-9638-C60EABEB7788}"/>
+              </a:ext>
+            </a:extLst>
+          </p:cNvPr>
+          <p:cNvSpPr>
+            <a:spLocks noGrp="1"/>
+          </p:cNvSpPr>
+          <p:nvPr>
+            <p:ph type="sldNum" sz="quarter" idx="12"/>
+          </p:nvPr>
+        </p:nvSpPr>
+        <p:spPr/>
+        <p:txBody>
+          <a:bodyPr/>
+          <a:lstStyle/>
+          <a:p>
+            <a:fld id="{54518C2F-5E54-4CF8-B37A-4631A050CED9}" type="slidenum">
+              <a:rPr lang="de-DE" smtClean="0"/>
+              <a:pPr/>
+              <a:t>9</a:t>
+            </a:fld>
+            <a:endParaRPr lang="de-DE" dirty="0">
+              <a:solidFill>
+                <a:schemeClr val="bg1"/>
+              </a:solidFill>
+            </a:endParaRPr>
+          </a:p>
+        </p:txBody>
+      </p:sp>
+      <p:sp>
+        <p:nvSpPr>
+          <p:cNvPr id="6" name="Fußzeilenplatzhalter 5">
+            <a:extLst>
+              <a:ext uri="{FF2B5EF4-FFF2-40B4-BE49-F238E27FC236}">
+                <a16:creationId xmlns:a16="http://schemas.microsoft.com/office/drawing/2014/main" id="{8C3F8C20-2557-41C5-939A-FD6E581E5742}"/>
+              </a:ext>
+            </a:extLst>
+          </p:cNvPr>
+          <p:cNvSpPr>
+            <a:spLocks noGrp="1"/>
+          </p:cNvSpPr>
+          <p:nvPr>
+            <p:ph type="ftr" sz="quarter" idx="11"/>
+          </p:nvPr>
+        </p:nvSpPr>
+        <p:spPr>
+          <a:xfrm>
+            <a:off x="623362" y="6659954"/>
+            <a:ext cx="7460324" cy="314777"/>
+          </a:xfrm>
+        </p:spPr>
+        <p:txBody>
+          <a:bodyPr/>
+          <a:lstStyle/>
+          <a:p>
+            <a:pPr algn="ctr"/>
+            <a:r>
+              <a:rPr lang="de-DE" dirty="0"/>
+              <a:t>Emotion Analysis | ML-</a:t>
+            </a:r>
+            <a:r>
+              <a:rPr lang="de-DE" dirty="0" err="1"/>
+              <a:t>based</a:t>
+            </a:r>
+            <a:r>
+              <a:rPr lang="de-DE" dirty="0"/>
+              <a:t> Emotion Classification		           Felix Bühler | Max Wegge | Carlotta Quensel</a:t>
+            </a:r>
+          </a:p>
+        </p:txBody>
+      </p:sp>
+      <p:sp>
+        <p:nvSpPr>
+          <p:cNvPr id="8" name="Titel 1">
+            <a:extLst>
+              <a:ext uri="{FF2B5EF4-FFF2-40B4-BE49-F238E27FC236}">
+                <a16:creationId xmlns:a16="http://schemas.microsoft.com/office/drawing/2014/main" id="{7A04DA2A-1F61-41DE-BA08-44B7F1730FE9}"/>
+              </a:ext>
+            </a:extLst>
+          </p:cNvPr>
+          <p:cNvSpPr txBox="1">
+            <a:spLocks/>
+          </p:cNvSpPr>
+          <p:nvPr/>
+        </p:nvSpPr>
+        <p:spPr>
+          <a:xfrm>
+            <a:off x="624422" y="236155"/>
+            <a:ext cx="10993967" cy="336000"/>
+          </a:xfrm>
+          <a:prstGeom prst="rect">
+            <a:avLst/>
+          </a:prstGeom>
+        </p:spPr>
+        <p:txBody>
+          <a:bodyPr vert="horz" lIns="0" tIns="0" rIns="0" bIns="0" rtlCol="0" anchor="t">
+            <a:noAutofit/>
+          </a:bodyPr>
+          <a:lstStyle>
+            <a:lvl1pPr algn="l" defTabSz="914368" rtl="0" eaLnBrk="1" latinLnBrk="0" hangingPunct="1">
+              <a:lnSpc>
+                <a:spcPct val="90000"/>
+              </a:lnSpc>
+              <a:spcBef>
+                <a:spcPct val="0"/>
+              </a:spcBef>
+              <a:buNone/>
+              <a:defRPr sz="2800" b="1" kern="1200">
+                <a:solidFill>
+                  <a:schemeClr val="tx1"/>
+                </a:solidFill>
+                <a:latin typeface="+mj-lt"/>
+                <a:ea typeface="+mj-ea"/>
+                <a:cs typeface="+mj-cs"/>
+              </a:defRPr>
+            </a:lvl1pPr>
+          </a:lstStyle>
+          <a:p>
+            <a:r>
+              <a:rPr lang="de-DE" dirty="0">
+                <a:latin typeface="Calibri" panose="020F0502020204030204" pitchFamily="34" charset="0"/>
+                <a:cs typeface="Calibri" panose="020F0502020204030204" pitchFamily="34" charset="0"/>
+              </a:rPr>
+              <a:t>2. </a:t>
+            </a:r>
+            <a:r>
+              <a:rPr lang="de-DE" dirty="0" err="1">
+                <a:latin typeface="Calibri" panose="020F0502020204030204" pitchFamily="34" charset="0"/>
+                <a:cs typeface="Calibri" panose="020F0502020204030204" pitchFamily="34" charset="0"/>
+              </a:rPr>
+              <a:t>research</a:t>
+            </a:r>
+            <a:r>
+              <a:rPr lang="de-DE" dirty="0">
+                <a:latin typeface="Calibri" panose="020F0502020204030204" pitchFamily="34" charset="0"/>
+                <a:cs typeface="Calibri" panose="020F0502020204030204" pitchFamily="34" charset="0"/>
+              </a:rPr>
+              <a:t> </a:t>
+            </a:r>
+            <a:r>
+              <a:rPr lang="de-DE" dirty="0" err="1">
+                <a:latin typeface="Calibri" panose="020F0502020204030204" pitchFamily="34" charset="0"/>
+                <a:cs typeface="Calibri" panose="020F0502020204030204" pitchFamily="34" charset="0"/>
+              </a:rPr>
+              <a:t>question</a:t>
+            </a:r>
+            <a:br>
+              <a:rPr lang="de-DE" dirty="0">
+                <a:latin typeface="Calibri" panose="020F0502020204030204" pitchFamily="34" charset="0"/>
+                <a:cs typeface="Calibri" panose="020F0502020204030204" pitchFamily="34" charset="0"/>
+              </a:rPr>
+            </a:br>
+            <a:r>
+              <a:rPr lang="en-US" b="0" dirty="0">
+                <a:latin typeface="Calibri" panose="020F0502020204030204" pitchFamily="34" charset="0"/>
+                <a:cs typeface="Calibri" panose="020F0502020204030204" pitchFamily="34" charset="0"/>
+              </a:rPr>
+              <a:t>evaluation</a:t>
+            </a:r>
+          </a:p>
+        </p:txBody>
+      </p:sp>
+      <p:pic>
+        <p:nvPicPr>
+          <p:cNvPr id="16" name="Grafik 15">
+            <a:extLst>
+              <a:ext uri="{FF2B5EF4-FFF2-40B4-BE49-F238E27FC236}">
+                <a16:creationId xmlns:a16="http://schemas.microsoft.com/office/drawing/2014/main" id="{6A30D9B6-0B78-4BB0-A679-0837F3D4B4BF}"/>
+              </a:ext>
+            </a:extLst>
+          </p:cNvPr>
+          <p:cNvPicPr>
+            <a:picLocks noChangeAspect="1"/>
+          </p:cNvPicPr>
+          <p:nvPr/>
+        </p:nvPicPr>
+        <p:blipFill>
+          <a:blip r:embed="rId2">
+            <a:extLst>
+              <a:ext uri="{28A0092B-C50C-407E-A947-70E740481C1C}">
+                <a14:useLocalDpi xmlns:a14="http://schemas.microsoft.com/office/drawing/2010/main" val="0"/>
+              </a:ext>
+            </a:extLst>
+          </a:blip>
+          <a:srcRect/>
+          <a:stretch/>
+        </p:blipFill>
+        <p:spPr>
+          <a:xfrm>
+            <a:off x="6694555" y="2171227"/>
+            <a:ext cx="4288378" cy="3369815"/>
+          </a:xfrm>
+          <a:prstGeom prst="rect">
+            <a:avLst/>
+          </a:prstGeom>
+        </p:spPr>
+      </p:pic>
+      <p:pic>
+        <p:nvPicPr>
+          <p:cNvPr id="18" name="Inhaltsplatzhalter 23">
+            <a:extLst>
+              <a:ext uri="{FF2B5EF4-FFF2-40B4-BE49-F238E27FC236}">
+                <a16:creationId xmlns:a16="http://schemas.microsoft.com/office/drawing/2014/main" id="{836720D3-E936-402C-8C5B-0BA44BF13652}"/>
+              </a:ext>
+            </a:extLst>
+          </p:cNvPr>
+          <p:cNvPicPr>
+            <a:picLocks noChangeAspect="1"/>
+          </p:cNvPicPr>
+          <p:nvPr/>
+        </p:nvPicPr>
+        <p:blipFill>
+          <a:blip r:embed="rId3">
+            <a:extLst>
+              <a:ext uri="{28A0092B-C50C-407E-A947-70E740481C1C}">
+                <a14:useLocalDpi xmlns:a14="http://schemas.microsoft.com/office/drawing/2010/main" val="0"/>
+              </a:ext>
+            </a:extLst>
+          </a:blip>
+          <a:srcRect/>
+          <a:stretch/>
+        </p:blipFill>
+        <p:spPr>
+          <a:xfrm>
+            <a:off x="1025482" y="2171226"/>
+            <a:ext cx="4288378" cy="3369815"/>
+          </a:xfrm>
+          <a:prstGeom prst="rect">
+            <a:avLst/>
+          </a:prstGeom>
+        </p:spPr>
+      </p:pic>
+      <p:sp>
+        <p:nvSpPr>
+          <p:cNvPr id="19" name="Textfeld 18">
+            <a:extLst>
+              <a:ext uri="{FF2B5EF4-FFF2-40B4-BE49-F238E27FC236}">
+                <a16:creationId xmlns:a16="http://schemas.microsoft.com/office/drawing/2014/main" id="{AE14222B-27FD-45EF-8724-BAAC3F2CDC7E}"/>
+              </a:ext>
+            </a:extLst>
+          </p:cNvPr>
+          <p:cNvSpPr txBox="1"/>
+          <p:nvPr/>
+        </p:nvSpPr>
+        <p:spPr>
+          <a:xfrm>
+            <a:off x="7975530" y="5541041"/>
+            <a:ext cx="2128788" cy="493277"/>
+          </a:xfrm>
+          <a:prstGeom prst="rect">
+            <a:avLst/>
+          </a:prstGeom>
+          <a:noFill/>
+        </p:spPr>
+        <p:txBody>
+          <a:bodyPr wrap="none" lIns="0" tIns="0" rIns="0" bIns="0" rtlCol="0">
+            <a:spAutoFit/>
+          </a:bodyPr>
+          <a:lstStyle/>
+          <a:p>
+            <a:pPr>
+              <a:lnSpc>
+                <a:spcPct val="120000"/>
+              </a:lnSpc>
+              <a:spcBef>
+                <a:spcPts val="750"/>
+              </a:spcBef>
+              <a:buClr>
+                <a:schemeClr val="accent1"/>
+              </a:buClr>
+            </a:pPr>
+            <a:r>
+              <a:rPr lang="de-DE" sz="1400" dirty="0" err="1"/>
+              <a:t>trained</a:t>
+            </a:r>
+            <a:r>
+              <a:rPr lang="de-DE" sz="1400" dirty="0"/>
+              <a:t> on TEC</a:t>
+            </a:r>
+            <a:br>
+              <a:rPr lang="de-DE" sz="1400" dirty="0"/>
+            </a:br>
+            <a:r>
+              <a:rPr lang="de-DE" sz="1400" dirty="0" err="1"/>
+              <a:t>evaluated</a:t>
+            </a:r>
+            <a:r>
+              <a:rPr lang="de-DE" sz="1400" dirty="0"/>
+              <a:t> on </a:t>
+            </a:r>
+            <a:r>
+              <a:rPr lang="de-DE" sz="1400" dirty="0" err="1"/>
+              <a:t>CrowdFlower</a:t>
+            </a:r>
+            <a:endParaRPr lang="de-DE" sz="1400" dirty="0"/>
+          </a:p>
+        </p:txBody>
+      </p:sp>
+      <p:sp>
+        <p:nvSpPr>
+          <p:cNvPr id="20" name="Textfeld 19">
+            <a:extLst>
+              <a:ext uri="{FF2B5EF4-FFF2-40B4-BE49-F238E27FC236}">
+                <a16:creationId xmlns:a16="http://schemas.microsoft.com/office/drawing/2014/main" id="{3D7C5CE5-4CDC-4732-9F87-707FA5E22E9D}"/>
+              </a:ext>
+            </a:extLst>
+          </p:cNvPr>
+          <p:cNvSpPr txBox="1"/>
+          <p:nvPr/>
+        </p:nvSpPr>
+        <p:spPr>
+          <a:xfrm>
+            <a:off x="2156998" y="5541041"/>
+            <a:ext cx="1899559" cy="493277"/>
+          </a:xfrm>
+          <a:prstGeom prst="rect">
+            <a:avLst/>
+          </a:prstGeom>
+          <a:noFill/>
+        </p:spPr>
+        <p:txBody>
+          <a:bodyPr wrap="none" lIns="0" tIns="0" rIns="0" bIns="0" rtlCol="0">
+            <a:spAutoFit/>
+          </a:bodyPr>
+          <a:lstStyle/>
+          <a:p>
+            <a:pPr>
+              <a:lnSpc>
+                <a:spcPct val="120000"/>
+              </a:lnSpc>
+              <a:spcBef>
+                <a:spcPts val="750"/>
+              </a:spcBef>
+              <a:buClr>
+                <a:schemeClr val="accent1"/>
+              </a:buClr>
+            </a:pPr>
+            <a:r>
+              <a:rPr lang="de-DE" sz="1400" dirty="0" err="1"/>
+              <a:t>trained</a:t>
+            </a:r>
+            <a:r>
+              <a:rPr lang="de-DE" sz="1400" dirty="0"/>
+              <a:t> on </a:t>
+            </a:r>
+            <a:r>
+              <a:rPr lang="de-DE" sz="1400" dirty="0" err="1"/>
+              <a:t>CrowdFlower</a:t>
+            </a:r>
+            <a:br>
+              <a:rPr lang="de-DE" sz="1400" dirty="0"/>
+            </a:br>
+            <a:r>
+              <a:rPr lang="de-DE" sz="1400" dirty="0" err="1"/>
+              <a:t>evaluated</a:t>
+            </a:r>
+            <a:r>
+              <a:rPr lang="de-DE" sz="1400" dirty="0"/>
+              <a:t> on TEC</a:t>
+            </a:r>
+          </a:p>
+        </p:txBody>
+      </p:sp>
+      <p:sp>
+        <p:nvSpPr>
+          <p:cNvPr id="2" name="Textfeld 1">
+            <a:extLst>
+              <a:ext uri="{FF2B5EF4-FFF2-40B4-BE49-F238E27FC236}">
+                <a16:creationId xmlns:a16="http://schemas.microsoft.com/office/drawing/2014/main" id="{A80E5C4F-18D3-4E9E-BAD3-D742DED6287B}"/>
+              </a:ext>
+            </a:extLst>
+          </p:cNvPr>
+          <p:cNvSpPr txBox="1"/>
+          <p:nvPr/>
+        </p:nvSpPr>
+        <p:spPr>
+          <a:xfrm>
+            <a:off x="8160773" y="1716251"/>
+            <a:ext cx="1311256" cy="234744"/>
+          </a:xfrm>
+          <a:prstGeom prst="rect">
+            <a:avLst/>
+          </a:prstGeom>
+          <a:noFill/>
+        </p:spPr>
+        <p:txBody>
+          <a:bodyPr wrap="none" lIns="0" tIns="0" rIns="0" bIns="0" rtlCol="0">
+            <a:spAutoFit/>
+          </a:bodyPr>
+          <a:lstStyle/>
+          <a:p>
+            <a:pPr>
+              <a:lnSpc>
+                <a:spcPct val="120000"/>
+              </a:lnSpc>
+              <a:spcBef>
+                <a:spcPts val="750"/>
+              </a:spcBef>
+              <a:buClr>
+                <a:schemeClr val="accent1"/>
+              </a:buClr>
+            </a:pPr>
+            <a:r>
+              <a:rPr lang="de-DE" sz="1400" dirty="0"/>
+              <a:t>F1 (</a:t>
+            </a:r>
+            <a:r>
+              <a:rPr lang="de-DE" sz="1400" dirty="0" err="1"/>
+              <a:t>micro</a:t>
+            </a:r>
+            <a:r>
+              <a:rPr lang="de-DE" sz="1400" dirty="0"/>
+              <a:t>):0.232</a:t>
+            </a:r>
+          </a:p>
+        </p:txBody>
+      </p:sp>
+      <p:sp>
+        <p:nvSpPr>
+          <p:cNvPr id="10" name="Textfeld 9">
+            <a:extLst>
+              <a:ext uri="{FF2B5EF4-FFF2-40B4-BE49-F238E27FC236}">
+                <a16:creationId xmlns:a16="http://schemas.microsoft.com/office/drawing/2014/main" id="{B80737E1-7A07-462B-8D5C-7D6058676606}"/>
+              </a:ext>
+            </a:extLst>
+          </p:cNvPr>
+          <p:cNvSpPr txBox="1"/>
+          <p:nvPr/>
+        </p:nvSpPr>
+        <p:spPr>
+          <a:xfrm>
+            <a:off x="2549734" y="1742529"/>
+            <a:ext cx="1498808" cy="268279"/>
+          </a:xfrm>
+          <a:prstGeom prst="rect">
+            <a:avLst/>
+          </a:prstGeom>
+          <a:noFill/>
+        </p:spPr>
+        <p:txBody>
+          <a:bodyPr wrap="none" lIns="0" tIns="0" rIns="0" bIns="0" rtlCol="0">
+            <a:spAutoFit/>
+          </a:bodyPr>
+          <a:lstStyle/>
+          <a:p>
+            <a:pPr>
+              <a:lnSpc>
+                <a:spcPct val="120000"/>
+              </a:lnSpc>
+              <a:spcBef>
+                <a:spcPts val="750"/>
+              </a:spcBef>
+              <a:buClr>
+                <a:schemeClr val="accent1"/>
+              </a:buClr>
+            </a:pPr>
+            <a:r>
+              <a:rPr lang="de-DE" sz="1600" dirty="0"/>
+              <a:t>F1 (</a:t>
+            </a:r>
+            <a:r>
+              <a:rPr lang="de-DE" sz="1600" dirty="0" err="1"/>
+              <a:t>micro</a:t>
+            </a:r>
+            <a:r>
+              <a:rPr lang="de-DE" sz="1600" dirty="0"/>
+              <a:t>): </a:t>
+            </a:r>
+            <a:r>
+              <a:rPr lang="de-DE" sz="1400" dirty="0"/>
+              <a:t>0.337</a:t>
+            </a:r>
+            <a:endParaRPr lang="de-DE" sz="1600" dirty="0"/>
+          </a:p>
+        </p:txBody>
+      </p:sp>
+    </p:spTree>
+    <p:extLst>
+      <p:ext uri="{BB962C8B-B14F-4D97-AF65-F5344CB8AC3E}">
+        <p14:creationId xmlns:p14="http://schemas.microsoft.com/office/powerpoint/2010/main" val="3876181820"/>
+      </p:ext>
+    </p:extLst>
+  </p:cSld>
+  <p:clrMapOvr>
+    <a:masterClrMapping/>
+  </p:clrMapOvr>
+  <mc:AlternateContent xmlns:mc="http://schemas.openxmlformats.org/markup-compatibility/2006" xmlns:p14="http://schemas.microsoft.com/office/powerpoint/2010/main">
+    <mc:Choice Requires="p14">
+      <p:transition p14:dur="0" advTm="2361"/>
+    </mc:Choice>
+    <mc:Fallback xmlns="">
+      <p:transition advTm="2361"/>
     </mc:Fallback>
   </mc:AlternateContent>
 </p:sld>
 </file>
 
 <file path=ppt/tags/tag1.xml><?xml version="1.0" encoding="utf-8"?>
-<p:tagLst xmlns:a="http://schemas.openxmlformats.org/drawingml/2006/main" xmlns:r="http://schemas.openxmlformats.org/officeDocument/2006/relationships" xmlns:p="http://schemas.openxmlformats.org/presentationml/2006/main">
-  <p:tag name="TIMING" val="|1.4|2.1|1.4"/>
-</p:tagLst>
-</file>
-
-<file path=ppt/tags/tag2.xml><?xml version="1.0" encoding="utf-8"?>
-<p:tagLst xmlns:a="http://schemas.openxmlformats.org/drawingml/2006/main" xmlns:r="http://schemas.openxmlformats.org/officeDocument/2006/relationships" xmlns:p="http://schemas.openxmlformats.org/presentationml/2006/main">
-  <p:tag name="TIMING" val="|1.4|2.1|1.4"/>
-</p:tagLst>
-</file>
-
-<file path=ppt/tags/tag3.xml><?xml version="1.0" encoding="utf-8"?>
 <p:tagLst xmlns:a="http://schemas.openxmlformats.org/drawingml/2006/main" xmlns:r="http://schemas.openxmlformats.org/officeDocument/2006/relationships" xmlns:p="http://schemas.openxmlformats.org/presentationml/2006/main">
   <p:tag name="TIMING" val="|1.6"/>
 </p:tagLst>
